--- a/Documentation/Application Overview.pptx
+++ b/Documentation/Application Overview.pptx
@@ -12,10 +12,12 @@
     <p:sldId id="261" r:id="rId6"/>
     <p:sldId id="260" r:id="rId7"/>
     <p:sldId id="259" r:id="rId8"/>
-    <p:sldId id="264" r:id="rId9"/>
-    <p:sldId id="262" r:id="rId10"/>
-    <p:sldId id="265" r:id="rId11"/>
-    <p:sldId id="266" r:id="rId12"/>
+    <p:sldId id="268" r:id="rId9"/>
+    <p:sldId id="269" r:id="rId10"/>
+    <p:sldId id="264" r:id="rId11"/>
+    <p:sldId id="262" r:id="rId12"/>
+    <p:sldId id="265" r:id="rId13"/>
+    <p:sldId id="266" r:id="rId14"/>
   </p:sldIdLst>
   <p:sldSz cx="12192000" cy="6858000"/>
   <p:notesSz cx="6858000" cy="9144000"/>
@@ -271,7 +273,7 @@
           <a:p>
             <a:fld id="{3BF2E1DF-9A38-404F-ABF7-DEB7882DD504}" type="datetimeFigureOut">
               <a:rPr lang="it-IT" smtClean="0"/>
-              <a:t>17/05/2021</a:t>
+              <a:t>14/06/2021</a:t>
             </a:fld>
             <a:endParaRPr lang="it-IT"/>
           </a:p>
@@ -325,7 +327,7 @@
           <a:p>
             <a:fld id="{962FBEBF-9B95-4390-9F4E-53E5259DC1D7}" type="slidenum">
               <a:rPr lang="it-IT" smtClean="0"/>
-              <a:t>‹N›</a:t>
+              <a:t>‹#›</a:t>
             </a:fld>
             <a:endParaRPr lang="it-IT"/>
           </a:p>
@@ -471,7 +473,7 @@
           <a:p>
             <a:fld id="{3BF2E1DF-9A38-404F-ABF7-DEB7882DD504}" type="datetimeFigureOut">
               <a:rPr lang="it-IT" smtClean="0"/>
-              <a:t>17/05/2021</a:t>
+              <a:t>14/06/2021</a:t>
             </a:fld>
             <a:endParaRPr lang="it-IT"/>
           </a:p>
@@ -525,7 +527,7 @@
           <a:p>
             <a:fld id="{962FBEBF-9B95-4390-9F4E-53E5259DC1D7}" type="slidenum">
               <a:rPr lang="it-IT" smtClean="0"/>
-              <a:t>‹N›</a:t>
+              <a:t>‹#›</a:t>
             </a:fld>
             <a:endParaRPr lang="it-IT"/>
           </a:p>
@@ -681,7 +683,7 @@
           <a:p>
             <a:fld id="{3BF2E1DF-9A38-404F-ABF7-DEB7882DD504}" type="datetimeFigureOut">
               <a:rPr lang="it-IT" smtClean="0"/>
-              <a:t>17/05/2021</a:t>
+              <a:t>14/06/2021</a:t>
             </a:fld>
             <a:endParaRPr lang="it-IT"/>
           </a:p>
@@ -735,7 +737,7 @@
           <a:p>
             <a:fld id="{962FBEBF-9B95-4390-9F4E-53E5259DC1D7}" type="slidenum">
               <a:rPr lang="it-IT" smtClean="0"/>
-              <a:t>‹N›</a:t>
+              <a:t>‹#›</a:t>
             </a:fld>
             <a:endParaRPr lang="it-IT"/>
           </a:p>
@@ -881,7 +883,7 @@
           <a:p>
             <a:fld id="{3BF2E1DF-9A38-404F-ABF7-DEB7882DD504}" type="datetimeFigureOut">
               <a:rPr lang="it-IT" smtClean="0"/>
-              <a:t>17/05/2021</a:t>
+              <a:t>14/06/2021</a:t>
             </a:fld>
             <a:endParaRPr lang="it-IT"/>
           </a:p>
@@ -935,7 +937,7 @@
           <a:p>
             <a:fld id="{962FBEBF-9B95-4390-9F4E-53E5259DC1D7}" type="slidenum">
               <a:rPr lang="it-IT" smtClean="0"/>
-              <a:t>‹N›</a:t>
+              <a:t>‹#›</a:t>
             </a:fld>
             <a:endParaRPr lang="it-IT"/>
           </a:p>
@@ -1157,7 +1159,7 @@
           <a:p>
             <a:fld id="{3BF2E1DF-9A38-404F-ABF7-DEB7882DD504}" type="datetimeFigureOut">
               <a:rPr lang="it-IT" smtClean="0"/>
-              <a:t>17/05/2021</a:t>
+              <a:t>14/06/2021</a:t>
             </a:fld>
             <a:endParaRPr lang="it-IT"/>
           </a:p>
@@ -1211,7 +1213,7 @@
           <a:p>
             <a:fld id="{962FBEBF-9B95-4390-9F4E-53E5259DC1D7}" type="slidenum">
               <a:rPr lang="it-IT" smtClean="0"/>
-              <a:t>‹N›</a:t>
+              <a:t>‹#›</a:t>
             </a:fld>
             <a:endParaRPr lang="it-IT"/>
           </a:p>
@@ -1425,7 +1427,7 @@
           <a:p>
             <a:fld id="{3BF2E1DF-9A38-404F-ABF7-DEB7882DD504}" type="datetimeFigureOut">
               <a:rPr lang="it-IT" smtClean="0"/>
-              <a:t>17/05/2021</a:t>
+              <a:t>14/06/2021</a:t>
             </a:fld>
             <a:endParaRPr lang="it-IT"/>
           </a:p>
@@ -1479,7 +1481,7 @@
           <a:p>
             <a:fld id="{962FBEBF-9B95-4390-9F4E-53E5259DC1D7}" type="slidenum">
               <a:rPr lang="it-IT" smtClean="0"/>
-              <a:t>‹N›</a:t>
+              <a:t>‹#›</a:t>
             </a:fld>
             <a:endParaRPr lang="it-IT"/>
           </a:p>
@@ -1840,7 +1842,7 @@
           <a:p>
             <a:fld id="{3BF2E1DF-9A38-404F-ABF7-DEB7882DD504}" type="datetimeFigureOut">
               <a:rPr lang="it-IT" smtClean="0"/>
-              <a:t>17/05/2021</a:t>
+              <a:t>14/06/2021</a:t>
             </a:fld>
             <a:endParaRPr lang="it-IT"/>
           </a:p>
@@ -1894,7 +1896,7 @@
           <a:p>
             <a:fld id="{962FBEBF-9B95-4390-9F4E-53E5259DC1D7}" type="slidenum">
               <a:rPr lang="it-IT" smtClean="0"/>
-              <a:t>‹N›</a:t>
+              <a:t>‹#›</a:t>
             </a:fld>
             <a:endParaRPr lang="it-IT"/>
           </a:p>
@@ -1982,7 +1984,7 @@
           <a:p>
             <a:fld id="{3BF2E1DF-9A38-404F-ABF7-DEB7882DD504}" type="datetimeFigureOut">
               <a:rPr lang="it-IT" smtClean="0"/>
-              <a:t>17/05/2021</a:t>
+              <a:t>14/06/2021</a:t>
             </a:fld>
             <a:endParaRPr lang="it-IT"/>
           </a:p>
@@ -2036,7 +2038,7 @@
           <a:p>
             <a:fld id="{962FBEBF-9B95-4390-9F4E-53E5259DC1D7}" type="slidenum">
               <a:rPr lang="it-IT" smtClean="0"/>
-              <a:t>‹N›</a:t>
+              <a:t>‹#›</a:t>
             </a:fld>
             <a:endParaRPr lang="it-IT"/>
           </a:p>
@@ -2095,7 +2097,7 @@
           <a:p>
             <a:fld id="{3BF2E1DF-9A38-404F-ABF7-DEB7882DD504}" type="datetimeFigureOut">
               <a:rPr lang="it-IT" smtClean="0"/>
-              <a:t>17/05/2021</a:t>
+              <a:t>14/06/2021</a:t>
             </a:fld>
             <a:endParaRPr lang="it-IT"/>
           </a:p>
@@ -2149,7 +2151,7 @@
           <a:p>
             <a:fld id="{962FBEBF-9B95-4390-9F4E-53E5259DC1D7}" type="slidenum">
               <a:rPr lang="it-IT" smtClean="0"/>
-              <a:t>‹N›</a:t>
+              <a:t>‹#›</a:t>
             </a:fld>
             <a:endParaRPr lang="it-IT"/>
           </a:p>
@@ -2408,7 +2410,7 @@
           <a:p>
             <a:fld id="{3BF2E1DF-9A38-404F-ABF7-DEB7882DD504}" type="datetimeFigureOut">
               <a:rPr lang="it-IT" smtClean="0"/>
-              <a:t>17/05/2021</a:t>
+              <a:t>14/06/2021</a:t>
             </a:fld>
             <a:endParaRPr lang="it-IT"/>
           </a:p>
@@ -2462,7 +2464,7 @@
           <a:p>
             <a:fld id="{962FBEBF-9B95-4390-9F4E-53E5259DC1D7}" type="slidenum">
               <a:rPr lang="it-IT" smtClean="0"/>
-              <a:t>‹N›</a:t>
+              <a:t>‹#›</a:t>
             </a:fld>
             <a:endParaRPr lang="it-IT"/>
           </a:p>
@@ -2697,7 +2699,7 @@
           <a:p>
             <a:fld id="{3BF2E1DF-9A38-404F-ABF7-DEB7882DD504}" type="datetimeFigureOut">
               <a:rPr lang="it-IT" smtClean="0"/>
-              <a:t>17/05/2021</a:t>
+              <a:t>14/06/2021</a:t>
             </a:fld>
             <a:endParaRPr lang="it-IT"/>
           </a:p>
@@ -2751,7 +2753,7 @@
           <a:p>
             <a:fld id="{962FBEBF-9B95-4390-9F4E-53E5259DC1D7}" type="slidenum">
               <a:rPr lang="it-IT" smtClean="0"/>
-              <a:t>‹N›</a:t>
+              <a:t>‹#›</a:t>
             </a:fld>
             <a:endParaRPr lang="it-IT"/>
           </a:p>
@@ -2940,7 +2942,7 @@
           <a:p>
             <a:fld id="{3BF2E1DF-9A38-404F-ABF7-DEB7882DD504}" type="datetimeFigureOut">
               <a:rPr lang="it-IT" smtClean="0"/>
-              <a:t>17/05/2021</a:t>
+              <a:t>14/06/2021</a:t>
             </a:fld>
             <a:endParaRPr lang="it-IT"/>
           </a:p>
@@ -3030,7 +3032,7 @@
           <a:p>
             <a:fld id="{962FBEBF-9B95-4390-9F4E-53E5259DC1D7}" type="slidenum">
               <a:rPr lang="it-IT" smtClean="0"/>
-              <a:t>‹N›</a:t>
+              <a:t>‹#›</a:t>
             </a:fld>
             <a:endParaRPr lang="it-IT"/>
           </a:p>
@@ -3564,6 +3566,1796 @@
                 <a:latin typeface="Roboto" panose="02000000000000000000" pitchFamily="2" charset="0"/>
                 <a:ea typeface="Roboto" panose="02000000000000000000" pitchFamily="2" charset="0"/>
               </a:rPr>
+              <a:t>External API • </a:t>
+            </a:r>
+            <a:r>
+              <a:rPr lang="it-IT" sz="4000" dirty="0">
+                <a:solidFill>
+                  <a:srgbClr val="CAFFE7"/>
+                </a:solidFill>
+                <a:latin typeface="Roboto" panose="02000000000000000000" pitchFamily="2" charset="0"/>
+                <a:ea typeface="Roboto" panose="02000000000000000000" pitchFamily="2" charset="0"/>
+              </a:rPr>
+              <a:t>MAPS</a:t>
+            </a:r>
+          </a:p>
+        </p:txBody>
+      </p:sp>
+      <p:sp>
+        <p:nvSpPr>
+          <p:cNvPr id="7" name="TextBox 3">
+            <a:extLst>
+              <a:ext uri="{FF2B5EF4-FFF2-40B4-BE49-F238E27FC236}">
+                <a16:creationId xmlns:a16="http://schemas.microsoft.com/office/drawing/2014/main" id="{6E28F519-D887-464F-8AD8-67D375CEB178}"/>
+              </a:ext>
+            </a:extLst>
+          </p:cNvPr>
+          <p:cNvSpPr txBox="1"/>
+          <p:nvPr/>
+        </p:nvSpPr>
+        <p:spPr>
+          <a:xfrm>
+            <a:off x="431800" y="5735782"/>
+            <a:ext cx="6361037" cy="461665"/>
+          </a:xfrm>
+          <a:prstGeom prst="rect">
+            <a:avLst/>
+          </a:prstGeom>
+          <a:noFill/>
+        </p:spPr>
+        <p:txBody>
+          <a:bodyPr wrap="none" rtlCol="0">
+            <a:spAutoFit/>
+          </a:bodyPr>
+          <a:lstStyle/>
+          <a:p>
+            <a:r>
+              <a:rPr lang="it-IT" sz="2400" dirty="0">
+                <a:solidFill>
+                  <a:srgbClr val="B7B7B7"/>
+                </a:solidFill>
+                <a:latin typeface="Roboto Light" panose="02000000000000000000" pitchFamily="2" charset="0"/>
+                <a:ea typeface="Roboto Light" panose="02000000000000000000" pitchFamily="2" charset="0"/>
+              </a:rPr>
+              <a:t>Navigation from current location to </a:t>
+            </a:r>
+            <a:r>
+              <a:rPr lang="it-IT" sz="2400" dirty="0">
+                <a:solidFill>
+                  <a:srgbClr val="E6EE9C"/>
+                </a:solidFill>
+                <a:latin typeface="Roboto" panose="02000000000000000000" pitchFamily="2" charset="0"/>
+                <a:ea typeface="Roboto" panose="02000000000000000000" pitchFamily="2" charset="0"/>
+              </a:rPr>
+              <a:t>LAT</a:t>
+            </a:r>
+            <a:r>
+              <a:rPr lang="it-IT" sz="2400" dirty="0">
+                <a:solidFill>
+                  <a:srgbClr val="B7B7B7"/>
+                </a:solidFill>
+                <a:latin typeface="Roboto" panose="02000000000000000000" pitchFamily="2" charset="0"/>
+                <a:ea typeface="Roboto" panose="02000000000000000000" pitchFamily="2" charset="0"/>
+              </a:rPr>
+              <a:t>-</a:t>
+            </a:r>
+            <a:r>
+              <a:rPr lang="it-IT" sz="2400" dirty="0">
+                <a:solidFill>
+                  <a:srgbClr val="E6EE9C"/>
+                </a:solidFill>
+                <a:latin typeface="Roboto "/>
+                <a:ea typeface="Roboto Light" panose="02000000000000000000" pitchFamily="2" charset="0"/>
+              </a:rPr>
+              <a:t>LNG</a:t>
+            </a:r>
+          </a:p>
+        </p:txBody>
+      </p:sp>
+      <p:grpSp>
+        <p:nvGrpSpPr>
+          <p:cNvPr id="8" name="Group 7">
+            <a:extLst>
+              <a:ext uri="{FF2B5EF4-FFF2-40B4-BE49-F238E27FC236}">
+                <a16:creationId xmlns:a16="http://schemas.microsoft.com/office/drawing/2014/main" id="{A589AEC4-89F0-42C6-92FE-0C391386CBBB}"/>
+              </a:ext>
+            </a:extLst>
+          </p:cNvPr>
+          <p:cNvGrpSpPr/>
+          <p:nvPr/>
+        </p:nvGrpSpPr>
+        <p:grpSpPr>
+          <a:xfrm>
+            <a:off x="2932532" y="2283122"/>
+            <a:ext cx="6326935" cy="2996690"/>
+            <a:chOff x="1577855" y="2358383"/>
+            <a:chExt cx="6326935" cy="2996690"/>
+          </a:xfrm>
+        </p:grpSpPr>
+        <p:pic>
+          <p:nvPicPr>
+            <p:cNvPr id="9" name="Immagine 8">
+              <a:extLst>
+                <a:ext uri="{FF2B5EF4-FFF2-40B4-BE49-F238E27FC236}">
+                  <a16:creationId xmlns:a16="http://schemas.microsoft.com/office/drawing/2014/main" id="{148176BC-D7B1-4871-8E48-B5C8AF82F3C6}"/>
+                </a:ext>
+              </a:extLst>
+            </p:cNvPr>
+            <p:cNvPicPr>
+              <a:picLocks noChangeAspect="1"/>
+            </p:cNvPicPr>
+            <p:nvPr/>
+          </p:nvPicPr>
+          <p:blipFill>
+            <a:blip r:embed="rId2"/>
+            <a:stretch>
+              <a:fillRect/>
+            </a:stretch>
+          </p:blipFill>
+          <p:spPr>
+            <a:xfrm>
+              <a:off x="6503436" y="2358383"/>
+              <a:ext cx="1401354" cy="2996690"/>
+            </a:xfrm>
+            <a:prstGeom prst="rect">
+              <a:avLst/>
+            </a:prstGeom>
+          </p:spPr>
+        </p:pic>
+        <p:pic>
+          <p:nvPicPr>
+            <p:cNvPr id="13" name="Immagine 12">
+              <a:extLst>
+                <a:ext uri="{FF2B5EF4-FFF2-40B4-BE49-F238E27FC236}">
+                  <a16:creationId xmlns:a16="http://schemas.microsoft.com/office/drawing/2014/main" id="{71F90B09-8067-414A-8DC4-70D8BF2234A3}"/>
+                </a:ext>
+              </a:extLst>
+            </p:cNvPr>
+            <p:cNvPicPr>
+              <a:picLocks noChangeAspect="1"/>
+            </p:cNvPicPr>
+            <p:nvPr/>
+          </p:nvPicPr>
+          <p:blipFill>
+            <a:blip r:embed="rId3"/>
+            <a:stretch>
+              <a:fillRect/>
+            </a:stretch>
+          </p:blipFill>
+          <p:spPr>
+            <a:xfrm>
+              <a:off x="1577855" y="3146475"/>
+              <a:ext cx="3439005" cy="1086002"/>
+            </a:xfrm>
+            <a:prstGeom prst="rect">
+              <a:avLst/>
+            </a:prstGeom>
+          </p:spPr>
+        </p:pic>
+        <p:sp>
+          <p:nvSpPr>
+            <p:cNvPr id="14" name="Rettangolo con angoli arrotondati 13">
+              <a:extLst>
+                <a:ext uri="{FF2B5EF4-FFF2-40B4-BE49-F238E27FC236}">
+                  <a16:creationId xmlns:a16="http://schemas.microsoft.com/office/drawing/2014/main" id="{BF45B5E6-EDBF-4F0D-B10B-1280FCF07528}"/>
+                </a:ext>
+              </a:extLst>
+            </p:cNvPr>
+            <p:cNvSpPr/>
+            <p:nvPr/>
+          </p:nvSpPr>
+          <p:spPr>
+            <a:xfrm>
+              <a:off x="1673226" y="3846195"/>
+              <a:ext cx="675640" cy="219075"/>
+            </a:xfrm>
+            <a:prstGeom prst="roundRect">
+              <a:avLst/>
+            </a:prstGeom>
+            <a:noFill/>
+            <a:ln w="22225">
+              <a:solidFill>
+                <a:srgbClr val="9AA71D"/>
+              </a:solidFill>
+            </a:ln>
+          </p:spPr>
+          <p:style>
+            <a:lnRef idx="2">
+              <a:schemeClr val="accent1">
+                <a:shade val="50000"/>
+              </a:schemeClr>
+            </a:lnRef>
+            <a:fillRef idx="1">
+              <a:schemeClr val="accent1"/>
+            </a:fillRef>
+            <a:effectRef idx="0">
+              <a:schemeClr val="accent1"/>
+            </a:effectRef>
+            <a:fontRef idx="minor">
+              <a:schemeClr val="lt1"/>
+            </a:fontRef>
+          </p:style>
+          <p:txBody>
+            <a:bodyPr rtlCol="0" anchor="ctr"/>
+            <a:lstStyle/>
+            <a:p>
+              <a:pPr algn="ctr"/>
+              <a:endParaRPr lang="it-IT">
+                <a:ln>
+                  <a:solidFill>
+                    <a:srgbClr val="EF5350"/>
+                  </a:solidFill>
+                </a:ln>
+              </a:endParaRPr>
+            </a:p>
+          </p:txBody>
+        </p:sp>
+        <p:cxnSp>
+          <p:nvCxnSpPr>
+            <p:cNvPr id="16" name="Connettore a gomito 15">
+              <a:extLst>
+                <a:ext uri="{FF2B5EF4-FFF2-40B4-BE49-F238E27FC236}">
+                  <a16:creationId xmlns:a16="http://schemas.microsoft.com/office/drawing/2014/main" id="{97499EDF-2AA0-4266-A694-59813B85857B}"/>
+                </a:ext>
+              </a:extLst>
+            </p:cNvPr>
+            <p:cNvCxnSpPr>
+              <a:cxnSpLocks/>
+              <a:stCxn id="20" idx="2"/>
+            </p:cNvCxnSpPr>
+            <p:nvPr/>
+          </p:nvCxnSpPr>
+          <p:spPr>
+            <a:xfrm rot="16200000" flipH="1">
+              <a:off x="3792220" y="2492375"/>
+              <a:ext cx="238760" cy="3860800"/>
+            </a:xfrm>
+            <a:prstGeom prst="bentConnector2">
+              <a:avLst/>
+            </a:prstGeom>
+            <a:ln w="22225" cap="rnd">
+              <a:solidFill>
+                <a:srgbClr val="E6EE9C"/>
+              </a:solidFill>
+              <a:round/>
+              <a:headEnd w="lg" len="med"/>
+              <a:tailEnd type="triangle" w="lg" len="med"/>
+            </a:ln>
+          </p:spPr>
+          <p:style>
+            <a:lnRef idx="1">
+              <a:schemeClr val="accent1"/>
+            </a:lnRef>
+            <a:fillRef idx="0">
+              <a:schemeClr val="accent1"/>
+            </a:fillRef>
+            <a:effectRef idx="0">
+              <a:schemeClr val="accent1"/>
+            </a:effectRef>
+            <a:fontRef idx="minor">
+              <a:schemeClr val="tx1"/>
+            </a:fontRef>
+          </p:style>
+        </p:cxnSp>
+        <p:sp>
+          <p:nvSpPr>
+            <p:cNvPr id="20" name="Rettangolo 19">
+              <a:extLst>
+                <a:ext uri="{FF2B5EF4-FFF2-40B4-BE49-F238E27FC236}">
+                  <a16:creationId xmlns:a16="http://schemas.microsoft.com/office/drawing/2014/main" id="{476960B5-9D54-4549-81B1-5EA5A8DB45DE}"/>
+                </a:ext>
+              </a:extLst>
+            </p:cNvPr>
+            <p:cNvSpPr/>
+            <p:nvPr/>
+          </p:nvSpPr>
+          <p:spPr>
+            <a:xfrm>
+              <a:off x="1803400" y="4201795"/>
+              <a:ext cx="355600" cy="101600"/>
+            </a:xfrm>
+            <a:prstGeom prst="rect">
+              <a:avLst/>
+            </a:prstGeom>
+            <a:noFill/>
+            <a:ln>
+              <a:noFill/>
+            </a:ln>
+          </p:spPr>
+          <p:style>
+            <a:lnRef idx="2">
+              <a:schemeClr val="accent1">
+                <a:shade val="50000"/>
+              </a:schemeClr>
+            </a:lnRef>
+            <a:fillRef idx="1">
+              <a:schemeClr val="accent1"/>
+            </a:fillRef>
+            <a:effectRef idx="0">
+              <a:schemeClr val="accent1"/>
+            </a:effectRef>
+            <a:fontRef idx="minor">
+              <a:schemeClr val="lt1"/>
+            </a:fontRef>
+          </p:style>
+          <p:txBody>
+            <a:bodyPr rtlCol="0" anchor="ctr"/>
+            <a:lstStyle/>
+            <a:p>
+              <a:pPr algn="ctr"/>
+              <a:endParaRPr lang="it-IT"/>
+            </a:p>
+          </p:txBody>
+        </p:sp>
+      </p:grpSp>
+      <p:grpSp>
+        <p:nvGrpSpPr>
+          <p:cNvPr id="6" name="Group 5">
+            <a:extLst>
+              <a:ext uri="{FF2B5EF4-FFF2-40B4-BE49-F238E27FC236}">
+                <a16:creationId xmlns:a16="http://schemas.microsoft.com/office/drawing/2014/main" id="{4AC7B2E2-6706-4BDA-8199-ED17E1798216}"/>
+              </a:ext>
+            </a:extLst>
+          </p:cNvPr>
+          <p:cNvGrpSpPr/>
+          <p:nvPr/>
+        </p:nvGrpSpPr>
+        <p:grpSpPr>
+          <a:xfrm>
+            <a:off x="431799" y="1457820"/>
+            <a:ext cx="7507093" cy="369332"/>
+            <a:chOff x="431799" y="1457820"/>
+            <a:chExt cx="7507093" cy="369332"/>
+          </a:xfrm>
+        </p:grpSpPr>
+        <p:sp>
+          <p:nvSpPr>
+            <p:cNvPr id="3" name="TextBox 2">
+              <a:extLst>
+                <a:ext uri="{FF2B5EF4-FFF2-40B4-BE49-F238E27FC236}">
+                  <a16:creationId xmlns:a16="http://schemas.microsoft.com/office/drawing/2014/main" id="{CD973CF3-71A1-4A46-857F-59F4CF19E511}"/>
+                </a:ext>
+              </a:extLst>
+            </p:cNvPr>
+            <p:cNvSpPr txBox="1"/>
+            <p:nvPr/>
+          </p:nvSpPr>
+          <p:spPr>
+            <a:xfrm>
+              <a:off x="1577855" y="1457820"/>
+              <a:ext cx="6361037" cy="369332"/>
+            </a:xfrm>
+            <a:prstGeom prst="rect">
+              <a:avLst/>
+            </a:prstGeom>
+            <a:noFill/>
+          </p:spPr>
+          <p:txBody>
+            <a:bodyPr wrap="square" rtlCol="0">
+              <a:spAutoFit/>
+            </a:bodyPr>
+            <a:lstStyle/>
+            <a:p>
+              <a:r>
+                <a:rPr lang="en-US" dirty="0">
+                  <a:solidFill>
+                    <a:schemeClr val="bg2">
+                      <a:lumMod val="50000"/>
+                    </a:schemeClr>
+                  </a:solidFill>
+                </a:rPr>
+                <a:t>https://www.google.com/maps/dir/?api=1&amp;</a:t>
+              </a:r>
+              <a:r>
+                <a:rPr lang="en-US" dirty="0">
+                  <a:solidFill>
+                    <a:schemeClr val="bg1"/>
+                  </a:solidFill>
+                </a:rPr>
+                <a:t>destination</a:t>
+              </a:r>
+              <a:r>
+                <a:rPr lang="en-US" dirty="0">
+                  <a:solidFill>
+                    <a:schemeClr val="tx1">
+                      <a:lumMod val="50000"/>
+                      <a:lumOff val="50000"/>
+                    </a:schemeClr>
+                  </a:solidFill>
+                </a:rPr>
+                <a:t>=</a:t>
+              </a:r>
+              <a:r>
+                <a:rPr lang="en-US" dirty="0">
+                  <a:solidFill>
+                    <a:srgbClr val="E6EE9C"/>
+                  </a:solidFill>
+                </a:rPr>
+                <a:t>LAT</a:t>
+              </a:r>
+              <a:r>
+                <a:rPr lang="en-US" dirty="0">
+                  <a:solidFill>
+                    <a:schemeClr val="tx1">
+                      <a:lumMod val="50000"/>
+                      <a:lumOff val="50000"/>
+                    </a:schemeClr>
+                  </a:solidFill>
+                </a:rPr>
+                <a:t>,</a:t>
+              </a:r>
+              <a:r>
+                <a:rPr lang="en-US" dirty="0">
+                  <a:solidFill>
+                    <a:srgbClr val="E6EE9C"/>
+                  </a:solidFill>
+                </a:rPr>
+                <a:t>LNG</a:t>
+              </a:r>
+              <a:endParaRPr lang="it-IT" dirty="0">
+                <a:solidFill>
+                  <a:srgbClr val="E6EE9C"/>
+                </a:solidFill>
+              </a:endParaRPr>
+            </a:p>
+          </p:txBody>
+        </p:sp>
+        <p:sp>
+          <p:nvSpPr>
+            <p:cNvPr id="5" name="Rectangle: Rounded Corners 4">
+              <a:extLst>
+                <a:ext uri="{FF2B5EF4-FFF2-40B4-BE49-F238E27FC236}">
+                  <a16:creationId xmlns:a16="http://schemas.microsoft.com/office/drawing/2014/main" id="{20A758FF-D7B9-47A3-921D-F30C55BF7261}"/>
+                </a:ext>
+              </a:extLst>
+            </p:cNvPr>
+            <p:cNvSpPr/>
+            <p:nvPr/>
+          </p:nvSpPr>
+          <p:spPr>
+            <a:xfrm>
+              <a:off x="431799" y="1538811"/>
+              <a:ext cx="498405" cy="238760"/>
+            </a:xfrm>
+            <a:prstGeom prst="roundRect">
+              <a:avLst/>
+            </a:prstGeom>
+            <a:solidFill>
+              <a:srgbClr val="E6EE9C"/>
+            </a:solidFill>
+            <a:ln>
+              <a:noFill/>
+            </a:ln>
+          </p:spPr>
+          <p:style>
+            <a:lnRef idx="2">
+              <a:schemeClr val="accent1">
+                <a:shade val="50000"/>
+              </a:schemeClr>
+            </a:lnRef>
+            <a:fillRef idx="1">
+              <a:schemeClr val="accent1"/>
+            </a:fillRef>
+            <a:effectRef idx="0">
+              <a:schemeClr val="accent1"/>
+            </a:effectRef>
+            <a:fontRef idx="minor">
+              <a:schemeClr val="lt1"/>
+            </a:fontRef>
+          </p:style>
+          <p:txBody>
+            <a:bodyPr rtlCol="0" anchor="ctr"/>
+            <a:lstStyle/>
+            <a:p>
+              <a:pPr algn="ctr"/>
+              <a:r>
+                <a:rPr lang="en-US" sz="800" b="1" dirty="0">
+                  <a:solidFill>
+                    <a:srgbClr val="212121"/>
+                  </a:solidFill>
+                  <a:latin typeface="Roboto" panose="02000000000000000000" pitchFamily="2" charset="0"/>
+                  <a:ea typeface="Roboto" panose="02000000000000000000" pitchFamily="2" charset="0"/>
+                </a:rPr>
+                <a:t>GET</a:t>
+              </a:r>
+            </a:p>
+          </p:txBody>
+        </p:sp>
+      </p:grpSp>
+    </p:spTree>
+    <p:extLst>
+      <p:ext uri="{BB962C8B-B14F-4D97-AF65-F5344CB8AC3E}">
+        <p14:creationId xmlns:p14="http://schemas.microsoft.com/office/powerpoint/2010/main" val="2923391601"/>
+      </p:ext>
+    </p:extLst>
+  </p:cSld>
+  <p:clrMapOvr>
+    <a:masterClrMapping/>
+  </p:clrMapOvr>
+  <p:timing>
+    <p:tnLst>
+      <p:par>
+        <p:cTn id="1" dur="indefinite" restart="never" nodeType="tmRoot">
+          <p:childTnLst>
+            <p:seq concurrent="1" nextAc="seek">
+              <p:cTn id="2" dur="indefinite" nodeType="mainSeq">
+                <p:childTnLst>
+                  <p:par>
+                    <p:cTn id="3" fill="hold">
+                      <p:stCondLst>
+                        <p:cond delay="indefinite"/>
+                      </p:stCondLst>
+                      <p:childTnLst>
+                        <p:par>
+                          <p:cTn id="4" fill="hold">
+                            <p:stCondLst>
+                              <p:cond delay="0"/>
+                            </p:stCondLst>
+                            <p:childTnLst>
+                              <p:par>
+                                <p:cTn id="5" presetID="1" presetClass="entr" presetSubtype="0" fill="hold" nodeType="clickEffect">
+                                  <p:stCondLst>
+                                    <p:cond delay="0"/>
+                                  </p:stCondLst>
+                                  <p:childTnLst>
+                                    <p:set>
+                                      <p:cBhvr>
+                                        <p:cTn id="6" dur="1" fill="hold">
+                                          <p:stCondLst>
+                                            <p:cond delay="0"/>
+                                          </p:stCondLst>
+                                        </p:cTn>
+                                        <p:tgtEl>
+                                          <p:spTgt spid="6"/>
+                                        </p:tgtEl>
+                                        <p:attrNameLst>
+                                          <p:attrName>style.visibility</p:attrName>
+                                        </p:attrNameLst>
+                                      </p:cBhvr>
+                                      <p:to>
+                                        <p:strVal val="visible"/>
+                                      </p:to>
+                                    </p:set>
+                                  </p:childTnLst>
+                                </p:cTn>
+                              </p:par>
+                            </p:childTnLst>
+                          </p:cTn>
+                        </p:par>
+                      </p:childTnLst>
+                    </p:cTn>
+                  </p:par>
+                  <p:par>
+                    <p:cTn id="7" fill="hold">
+                      <p:stCondLst>
+                        <p:cond delay="indefinite"/>
+                      </p:stCondLst>
+                      <p:childTnLst>
+                        <p:par>
+                          <p:cTn id="8" fill="hold">
+                            <p:stCondLst>
+                              <p:cond delay="0"/>
+                            </p:stCondLst>
+                            <p:childTnLst>
+                              <p:par>
+                                <p:cTn id="9" presetID="1" presetClass="entr" presetSubtype="0" fill="hold" nodeType="clickEffect">
+                                  <p:stCondLst>
+                                    <p:cond delay="0"/>
+                                  </p:stCondLst>
+                                  <p:childTnLst>
+                                    <p:set>
+                                      <p:cBhvr>
+                                        <p:cTn id="10" dur="1" fill="hold">
+                                          <p:stCondLst>
+                                            <p:cond delay="0"/>
+                                          </p:stCondLst>
+                                        </p:cTn>
+                                        <p:tgtEl>
+                                          <p:spTgt spid="8"/>
+                                        </p:tgtEl>
+                                        <p:attrNameLst>
+                                          <p:attrName>style.visibility</p:attrName>
+                                        </p:attrNameLst>
+                                      </p:cBhvr>
+                                      <p:to>
+                                        <p:strVal val="visible"/>
+                                      </p:to>
+                                    </p:set>
+                                  </p:childTnLst>
+                                </p:cTn>
+                              </p:par>
+                              <p:par>
+                                <p:cTn id="11" presetID="1" presetClass="entr" presetSubtype="0" fill="hold" grpId="0" nodeType="withEffect">
+                                  <p:stCondLst>
+                                    <p:cond delay="0"/>
+                                  </p:stCondLst>
+                                  <p:childTnLst>
+                                    <p:set>
+                                      <p:cBhvr>
+                                        <p:cTn id="12" dur="1" fill="hold">
+                                          <p:stCondLst>
+                                            <p:cond delay="0"/>
+                                          </p:stCondLst>
+                                        </p:cTn>
+                                        <p:tgtEl>
+                                          <p:spTgt spid="7"/>
+                                        </p:tgtEl>
+                                        <p:attrNameLst>
+                                          <p:attrName>style.visibility</p:attrName>
+                                        </p:attrNameLst>
+                                      </p:cBhvr>
+                                      <p:to>
+                                        <p:strVal val="visible"/>
+                                      </p:to>
+                                    </p:set>
+                                  </p:childTnLst>
+                                </p:cTn>
+                              </p:par>
+                            </p:childTnLst>
+                          </p:cTn>
+                        </p:par>
+                      </p:childTnLst>
+                    </p:cTn>
+                  </p:par>
+                </p:childTnLst>
+              </p:cTn>
+              <p:prevCondLst>
+                <p:cond evt="onPrev" delay="0">
+                  <p:tgtEl>
+                    <p:sldTgt/>
+                  </p:tgtEl>
+                </p:cond>
+              </p:prevCondLst>
+              <p:nextCondLst>
+                <p:cond evt="onNext" delay="0">
+                  <p:tgtEl>
+                    <p:sldTgt/>
+                  </p:tgtEl>
+                </p:cond>
+              </p:nextCondLst>
+            </p:seq>
+          </p:childTnLst>
+        </p:cTn>
+      </p:par>
+    </p:tnLst>
+    <p:bldLst>
+      <p:bldP spid="7" grpId="0"/>
+    </p:bldLst>
+  </p:timing>
+</p:sld>
+</file>
+
+<file path=ppt/slides/slide11.xml><?xml version="1.0" encoding="utf-8"?>
+<p:sld xmlns:a="http://schemas.openxmlformats.org/drawingml/2006/main" xmlns:r="http://schemas.openxmlformats.org/officeDocument/2006/relationships" xmlns:p="http://schemas.openxmlformats.org/presentationml/2006/main">
+  <p:cSld>
+    <p:bg>
+      <p:bgPr>
+        <a:solidFill>
+          <a:srgbClr val="212121"/>
+        </a:solidFill>
+        <a:effectLst/>
+      </p:bgPr>
+    </p:bg>
+    <p:spTree>
+      <p:nvGrpSpPr>
+        <p:cNvPr id="1" name=""/>
+        <p:cNvGrpSpPr/>
+        <p:nvPr/>
+      </p:nvGrpSpPr>
+      <p:grpSpPr>
+        <a:xfrm>
+          <a:off x="0" y="0"/>
+          <a:ext cx="0" cy="0"/>
+          <a:chOff x="0" y="0"/>
+          <a:chExt cx="0" cy="0"/>
+        </a:xfrm>
+      </p:grpSpPr>
+      <p:sp>
+        <p:nvSpPr>
+          <p:cNvPr id="2" name="Title 1">
+            <a:extLst>
+              <a:ext uri="{FF2B5EF4-FFF2-40B4-BE49-F238E27FC236}">
+                <a16:creationId xmlns:a16="http://schemas.microsoft.com/office/drawing/2014/main" id="{0715C0F7-3639-498A-876B-F3FE9A0EB105}"/>
+              </a:ext>
+            </a:extLst>
+          </p:cNvPr>
+          <p:cNvSpPr>
+            <a:spLocks noGrp="1"/>
+          </p:cNvSpPr>
+          <p:nvPr>
+            <p:ph type="title"/>
+          </p:nvPr>
+        </p:nvSpPr>
+        <p:spPr>
+          <a:xfrm>
+            <a:off x="431800" y="180398"/>
+            <a:ext cx="10515600" cy="1325563"/>
+          </a:xfrm>
+        </p:spPr>
+        <p:txBody>
+          <a:bodyPr>
+            <a:normAutofit/>
+          </a:bodyPr>
+          <a:lstStyle/>
+          <a:p>
+            <a:r>
+              <a:rPr lang="it-IT" sz="4000" dirty="0">
+                <a:solidFill>
+                  <a:schemeClr val="bg1">
+                    <a:lumMod val="95000"/>
+                  </a:schemeClr>
+                </a:solidFill>
+                <a:latin typeface="Roboto" panose="02000000000000000000" pitchFamily="2" charset="0"/>
+                <a:ea typeface="Roboto" panose="02000000000000000000" pitchFamily="2" charset="0"/>
+              </a:rPr>
+              <a:t>Test</a:t>
+            </a:r>
+            <a:endParaRPr lang="it-IT" sz="4000" dirty="0">
+              <a:solidFill>
+                <a:srgbClr val="CAFFE7"/>
+              </a:solidFill>
+              <a:latin typeface="Roboto" panose="02000000000000000000" pitchFamily="2" charset="0"/>
+              <a:ea typeface="Roboto" panose="02000000000000000000" pitchFamily="2" charset="0"/>
+            </a:endParaRPr>
+          </a:p>
+        </p:txBody>
+      </p:sp>
+      <p:sp>
+        <p:nvSpPr>
+          <p:cNvPr id="4" name="TextBox 3">
+            <a:extLst>
+              <a:ext uri="{FF2B5EF4-FFF2-40B4-BE49-F238E27FC236}">
+                <a16:creationId xmlns:a16="http://schemas.microsoft.com/office/drawing/2014/main" id="{552FD9E8-C3F0-4FA2-BAA5-FB0AD79F8FE2}"/>
+              </a:ext>
+            </a:extLst>
+          </p:cNvPr>
+          <p:cNvSpPr txBox="1"/>
+          <p:nvPr/>
+        </p:nvSpPr>
+        <p:spPr>
+          <a:xfrm>
+            <a:off x="4850063" y="3289918"/>
+            <a:ext cx="1332345" cy="369332"/>
+          </a:xfrm>
+          <a:prstGeom prst="rect">
+            <a:avLst/>
+          </a:prstGeom>
+          <a:noFill/>
+        </p:spPr>
+        <p:txBody>
+          <a:bodyPr wrap="square" rtlCol="0">
+            <a:spAutoFit/>
+          </a:bodyPr>
+          <a:lstStyle/>
+          <a:p>
+            <a:pPr algn="ctr"/>
+            <a:r>
+              <a:rPr lang="it-IT" dirty="0">
+                <a:solidFill>
+                  <a:schemeClr val="bg1"/>
+                </a:solidFill>
+                <a:latin typeface="Roboto Light" panose="02000000000000000000" pitchFamily="2" charset="0"/>
+                <a:ea typeface="Roboto Light" panose="02000000000000000000" pitchFamily="2" charset="0"/>
+              </a:rPr>
+              <a:t>UNIT TEST</a:t>
+            </a:r>
+          </a:p>
+        </p:txBody>
+      </p:sp>
+      <p:sp>
+        <p:nvSpPr>
+          <p:cNvPr id="14" name="TextBox 13">
+            <a:extLst>
+              <a:ext uri="{FF2B5EF4-FFF2-40B4-BE49-F238E27FC236}">
+                <a16:creationId xmlns:a16="http://schemas.microsoft.com/office/drawing/2014/main" id="{AD8EDCB0-04F0-4B19-B150-188AA71B6C2A}"/>
+              </a:ext>
+            </a:extLst>
+          </p:cNvPr>
+          <p:cNvSpPr txBox="1"/>
+          <p:nvPr/>
+        </p:nvSpPr>
+        <p:spPr>
+          <a:xfrm>
+            <a:off x="4560506" y="4703596"/>
+            <a:ext cx="1911458" cy="369332"/>
+          </a:xfrm>
+          <a:prstGeom prst="rect">
+            <a:avLst/>
+          </a:prstGeom>
+          <a:noFill/>
+        </p:spPr>
+        <p:txBody>
+          <a:bodyPr wrap="square" rtlCol="0">
+            <a:spAutoFit/>
+          </a:bodyPr>
+          <a:lstStyle>
+            <a:defPPr>
+              <a:defRPr lang="it-IT"/>
+            </a:defPPr>
+            <a:lvl1pPr>
+              <a:defRPr sz="2400">
+                <a:solidFill>
+                  <a:srgbClr val="B7B7B7"/>
+                </a:solidFill>
+                <a:latin typeface="Roboto Light" panose="02000000000000000000" pitchFamily="2" charset="0"/>
+                <a:ea typeface="Roboto Light" panose="02000000000000000000" pitchFamily="2" charset="0"/>
+              </a:defRPr>
+            </a:lvl1pPr>
+          </a:lstStyle>
+          <a:p>
+            <a:pPr algn="ctr"/>
+            <a:r>
+              <a:rPr lang="it-IT" sz="1800" dirty="0"/>
+              <a:t>JUnit 4</a:t>
+            </a:r>
+          </a:p>
+        </p:txBody>
+      </p:sp>
+      <p:pic>
+        <p:nvPicPr>
+          <p:cNvPr id="9" name="Graphic 8">
+            <a:extLst>
+              <a:ext uri="{FF2B5EF4-FFF2-40B4-BE49-F238E27FC236}">
+                <a16:creationId xmlns:a16="http://schemas.microsoft.com/office/drawing/2014/main" id="{4DCF0559-F122-4B8E-A8DE-3357AAA2D309}"/>
+              </a:ext>
+            </a:extLst>
+          </p:cNvPr>
+          <p:cNvPicPr>
+            <a:picLocks noChangeAspect="1"/>
+          </p:cNvPicPr>
+          <p:nvPr/>
+        </p:nvPicPr>
+        <p:blipFill>
+          <a:blip r:embed="rId2">
+            <a:extLst>
+              <a:ext uri="{28A0092B-C50C-407E-A947-70E740481C1C}">
+                <a14:useLocalDpi xmlns:a14="http://schemas.microsoft.com/office/drawing/2010/main" val="0"/>
+              </a:ext>
+              <a:ext uri="{96DAC541-7B7A-43D3-8B79-37D633B846F1}">
+                <asvg:svgBlip xmlns:asvg="http://schemas.microsoft.com/office/drawing/2016/SVG/main" r:embed="rId3"/>
+              </a:ext>
+            </a:extLst>
+          </a:blip>
+          <a:stretch>
+            <a:fillRect/>
+          </a:stretch>
+        </p:blipFill>
+        <p:spPr>
+          <a:xfrm>
+            <a:off x="5127153" y="2378663"/>
+            <a:ext cx="778164" cy="778164"/>
+          </a:xfrm>
+          <a:prstGeom prst="rect">
+            <a:avLst/>
+          </a:prstGeom>
+        </p:spPr>
+      </p:pic>
+      <p:sp>
+        <p:nvSpPr>
+          <p:cNvPr id="3" name="TextBox 2">
+            <a:extLst>
+              <a:ext uri="{FF2B5EF4-FFF2-40B4-BE49-F238E27FC236}">
+                <a16:creationId xmlns:a16="http://schemas.microsoft.com/office/drawing/2014/main" id="{53BDD338-3554-405D-97DA-8C31659BB37D}"/>
+              </a:ext>
+            </a:extLst>
+          </p:cNvPr>
+          <p:cNvSpPr txBox="1"/>
+          <p:nvPr/>
+        </p:nvSpPr>
+        <p:spPr>
+          <a:xfrm>
+            <a:off x="1264932" y="3291688"/>
+            <a:ext cx="861290" cy="369332"/>
+          </a:xfrm>
+          <a:prstGeom prst="rect">
+            <a:avLst/>
+          </a:prstGeom>
+          <a:noFill/>
+        </p:spPr>
+        <p:txBody>
+          <a:bodyPr wrap="square" rtlCol="0">
+            <a:spAutoFit/>
+          </a:bodyPr>
+          <a:lstStyle/>
+          <a:p>
+            <a:pPr algn="ctr"/>
+            <a:r>
+              <a:rPr lang="it-IT" dirty="0">
+                <a:solidFill>
+                  <a:schemeClr val="bg1"/>
+                </a:solidFill>
+                <a:latin typeface="Roboto Light" panose="02000000000000000000" pitchFamily="2" charset="0"/>
+                <a:ea typeface="Roboto Light" panose="02000000000000000000" pitchFamily="2" charset="0"/>
+              </a:rPr>
+              <a:t>UI - UX</a:t>
+            </a:r>
+          </a:p>
+        </p:txBody>
+      </p:sp>
+      <p:sp>
+        <p:nvSpPr>
+          <p:cNvPr id="11" name="TextBox 10">
+            <a:extLst>
+              <a:ext uri="{FF2B5EF4-FFF2-40B4-BE49-F238E27FC236}">
+                <a16:creationId xmlns:a16="http://schemas.microsoft.com/office/drawing/2014/main" id="{6B2A6216-B8F1-4D24-9ECE-DCD322A43786}"/>
+              </a:ext>
+            </a:extLst>
+          </p:cNvPr>
+          <p:cNvSpPr txBox="1"/>
+          <p:nvPr/>
+        </p:nvSpPr>
+        <p:spPr>
+          <a:xfrm>
+            <a:off x="739848" y="4724642"/>
+            <a:ext cx="1911458" cy="369332"/>
+          </a:xfrm>
+          <a:prstGeom prst="rect">
+            <a:avLst/>
+          </a:prstGeom>
+          <a:noFill/>
+        </p:spPr>
+        <p:txBody>
+          <a:bodyPr wrap="square" rtlCol="0">
+            <a:spAutoFit/>
+          </a:bodyPr>
+          <a:lstStyle>
+            <a:defPPr>
+              <a:defRPr lang="it-IT"/>
+            </a:defPPr>
+            <a:lvl1pPr>
+              <a:defRPr sz="2400">
+                <a:solidFill>
+                  <a:srgbClr val="B7B7B7"/>
+                </a:solidFill>
+                <a:latin typeface="Roboto Light" panose="02000000000000000000" pitchFamily="2" charset="0"/>
+                <a:ea typeface="Roboto Light" panose="02000000000000000000" pitchFamily="2" charset="0"/>
+              </a:defRPr>
+            </a:lvl1pPr>
+          </a:lstStyle>
+          <a:p>
+            <a:pPr algn="ctr"/>
+            <a:r>
+              <a:rPr lang="it-IT" sz="1800" dirty="0"/>
+              <a:t>API 22-26-30</a:t>
+            </a:r>
+          </a:p>
+        </p:txBody>
+      </p:sp>
+      <p:pic>
+        <p:nvPicPr>
+          <p:cNvPr id="17" name="Graphic 16">
+            <a:extLst>
+              <a:ext uri="{FF2B5EF4-FFF2-40B4-BE49-F238E27FC236}">
+                <a16:creationId xmlns:a16="http://schemas.microsoft.com/office/drawing/2014/main" id="{BD1F0398-6447-4CBB-86F2-48DCD25C7D16}"/>
+              </a:ext>
+            </a:extLst>
+          </p:cNvPr>
+          <p:cNvPicPr>
+            <a:picLocks noChangeAspect="1"/>
+          </p:cNvPicPr>
+          <p:nvPr/>
+        </p:nvPicPr>
+        <p:blipFill>
+          <a:blip r:embed="rId4">
+            <a:extLst>
+              <a:ext uri="{28A0092B-C50C-407E-A947-70E740481C1C}">
+                <a14:useLocalDpi xmlns:a14="http://schemas.microsoft.com/office/drawing/2010/main" val="0"/>
+              </a:ext>
+              <a:ext uri="{96DAC541-7B7A-43D3-8B79-37D633B846F1}">
+                <asvg:svgBlip xmlns:asvg="http://schemas.microsoft.com/office/drawing/2016/SVG/main" r:embed="rId5"/>
+              </a:ext>
+            </a:extLst>
+          </a:blip>
+          <a:stretch>
+            <a:fillRect/>
+          </a:stretch>
+        </p:blipFill>
+        <p:spPr>
+          <a:xfrm>
+            <a:off x="1306493" y="2378663"/>
+            <a:ext cx="778165" cy="778165"/>
+          </a:xfrm>
+          <a:prstGeom prst="rect">
+            <a:avLst/>
+          </a:prstGeom>
+        </p:spPr>
+      </p:pic>
+      <p:sp>
+        <p:nvSpPr>
+          <p:cNvPr id="5" name="TextBox 4">
+            <a:extLst>
+              <a:ext uri="{FF2B5EF4-FFF2-40B4-BE49-F238E27FC236}">
+                <a16:creationId xmlns:a16="http://schemas.microsoft.com/office/drawing/2014/main" id="{68F4A086-B7CB-4862-8C30-4C1BED715F59}"/>
+              </a:ext>
+            </a:extLst>
+          </p:cNvPr>
+          <p:cNvSpPr txBox="1"/>
+          <p:nvPr/>
+        </p:nvSpPr>
+        <p:spPr>
+          <a:xfrm>
+            <a:off x="8381165" y="3289918"/>
+            <a:ext cx="2860963" cy="369332"/>
+          </a:xfrm>
+          <a:prstGeom prst="rect">
+            <a:avLst/>
+          </a:prstGeom>
+          <a:noFill/>
+        </p:spPr>
+        <p:txBody>
+          <a:bodyPr wrap="square" rtlCol="0">
+            <a:spAutoFit/>
+          </a:bodyPr>
+          <a:lstStyle/>
+          <a:p>
+            <a:pPr algn="ctr"/>
+            <a:r>
+              <a:rPr lang="it-IT" dirty="0">
+                <a:solidFill>
+                  <a:schemeClr val="bg1"/>
+                </a:solidFill>
+                <a:latin typeface="Roboto Light" panose="02000000000000000000" pitchFamily="2" charset="0"/>
+                <a:ea typeface="Roboto Light" panose="02000000000000000000" pitchFamily="2" charset="0"/>
+              </a:rPr>
+              <a:t>INSTRUMENTATION TEST</a:t>
+            </a:r>
+          </a:p>
+        </p:txBody>
+      </p:sp>
+      <p:sp>
+        <p:nvSpPr>
+          <p:cNvPr id="15" name="TextBox 14">
+            <a:extLst>
+              <a:ext uri="{FF2B5EF4-FFF2-40B4-BE49-F238E27FC236}">
+                <a16:creationId xmlns:a16="http://schemas.microsoft.com/office/drawing/2014/main" id="{1F035F75-0633-4A7F-AE0E-36500DC1FB7D}"/>
+              </a:ext>
+            </a:extLst>
+          </p:cNvPr>
+          <p:cNvSpPr txBox="1"/>
+          <p:nvPr/>
+        </p:nvSpPr>
+        <p:spPr>
+          <a:xfrm>
+            <a:off x="8855916" y="4729780"/>
+            <a:ext cx="1911458" cy="369332"/>
+          </a:xfrm>
+          <a:prstGeom prst="rect">
+            <a:avLst/>
+          </a:prstGeom>
+          <a:noFill/>
+        </p:spPr>
+        <p:txBody>
+          <a:bodyPr wrap="square" rtlCol="0">
+            <a:spAutoFit/>
+          </a:bodyPr>
+          <a:lstStyle>
+            <a:defPPr>
+              <a:defRPr lang="it-IT"/>
+            </a:defPPr>
+            <a:lvl1pPr>
+              <a:defRPr sz="2400">
+                <a:solidFill>
+                  <a:srgbClr val="B7B7B7"/>
+                </a:solidFill>
+                <a:latin typeface="Roboto Light" panose="02000000000000000000" pitchFamily="2" charset="0"/>
+                <a:ea typeface="Roboto Light" panose="02000000000000000000" pitchFamily="2" charset="0"/>
+              </a:defRPr>
+            </a:lvl1pPr>
+          </a:lstStyle>
+          <a:p>
+            <a:pPr algn="ctr"/>
+            <a:r>
+              <a:rPr lang="it-IT" sz="1800" dirty="0"/>
+              <a:t>JUnit 4</a:t>
+            </a:r>
+          </a:p>
+        </p:txBody>
+      </p:sp>
+      <p:pic>
+        <p:nvPicPr>
+          <p:cNvPr id="19" name="Graphic 18">
+            <a:extLst>
+              <a:ext uri="{FF2B5EF4-FFF2-40B4-BE49-F238E27FC236}">
+                <a16:creationId xmlns:a16="http://schemas.microsoft.com/office/drawing/2014/main" id="{52EE46C8-CEC6-4ECD-9683-A87B38455BEB}"/>
+              </a:ext>
+            </a:extLst>
+          </p:cNvPr>
+          <p:cNvPicPr>
+            <a:picLocks noChangeAspect="1"/>
+          </p:cNvPicPr>
+          <p:nvPr/>
+        </p:nvPicPr>
+        <p:blipFill>
+          <a:blip r:embed="rId6">
+            <a:extLst>
+              <a:ext uri="{28A0092B-C50C-407E-A947-70E740481C1C}">
+                <a14:useLocalDpi xmlns:a14="http://schemas.microsoft.com/office/drawing/2010/main" val="0"/>
+              </a:ext>
+              <a:ext uri="{96DAC541-7B7A-43D3-8B79-37D633B846F1}">
+                <asvg:svgBlip xmlns:asvg="http://schemas.microsoft.com/office/drawing/2016/SVG/main" r:embed="rId7"/>
+              </a:ext>
+            </a:extLst>
+          </a:blip>
+          <a:stretch>
+            <a:fillRect/>
+          </a:stretch>
+        </p:blipFill>
+        <p:spPr>
+          <a:xfrm>
+            <a:off x="9422562" y="2358250"/>
+            <a:ext cx="778165" cy="778165"/>
+          </a:xfrm>
+          <a:prstGeom prst="rect">
+            <a:avLst/>
+          </a:prstGeom>
+        </p:spPr>
+      </p:pic>
+      <p:grpSp>
+        <p:nvGrpSpPr>
+          <p:cNvPr id="7" name="Group 6">
+            <a:extLst>
+              <a:ext uri="{FF2B5EF4-FFF2-40B4-BE49-F238E27FC236}">
+                <a16:creationId xmlns:a16="http://schemas.microsoft.com/office/drawing/2014/main" id="{82581D0A-60D1-4D89-BFAE-00D1B8250F62}"/>
+              </a:ext>
+            </a:extLst>
+          </p:cNvPr>
+          <p:cNvGrpSpPr/>
+          <p:nvPr/>
+        </p:nvGrpSpPr>
+        <p:grpSpPr>
+          <a:xfrm>
+            <a:off x="739848" y="5411107"/>
+            <a:ext cx="1911459" cy="246221"/>
+            <a:chOff x="739848" y="5406117"/>
+            <a:chExt cx="1911459" cy="246221"/>
+          </a:xfrm>
+        </p:grpSpPr>
+        <p:sp>
+          <p:nvSpPr>
+            <p:cNvPr id="6" name="TextBox 5">
+              <a:extLst>
+                <a:ext uri="{FF2B5EF4-FFF2-40B4-BE49-F238E27FC236}">
+                  <a16:creationId xmlns:a16="http://schemas.microsoft.com/office/drawing/2014/main" id="{6CDC07E9-7B25-4FF5-A4CC-DD764F28F456}"/>
+                </a:ext>
+              </a:extLst>
+            </p:cNvPr>
+            <p:cNvSpPr txBox="1"/>
+            <p:nvPr/>
+          </p:nvSpPr>
+          <p:spPr>
+            <a:xfrm>
+              <a:off x="739848" y="5406117"/>
+              <a:ext cx="1911459" cy="246221"/>
+            </a:xfrm>
+            <a:prstGeom prst="rect">
+              <a:avLst/>
+            </a:prstGeom>
+            <a:solidFill>
+              <a:srgbClr val="3C3F41"/>
+            </a:solidFill>
+          </p:spPr>
+          <p:txBody>
+            <a:bodyPr wrap="square" rtlCol="0">
+              <a:spAutoFit/>
+            </a:bodyPr>
+            <a:lstStyle>
+              <a:defPPr>
+                <a:defRPr lang="it-IT"/>
+              </a:defPPr>
+              <a:lvl1pPr>
+                <a:defRPr sz="2400">
+                  <a:solidFill>
+                    <a:srgbClr val="B7B7B7"/>
+                  </a:solidFill>
+                  <a:latin typeface="Roboto Light" panose="02000000000000000000" pitchFamily="2" charset="0"/>
+                  <a:ea typeface="Roboto Light" panose="02000000000000000000" pitchFamily="2" charset="0"/>
+                </a:defRPr>
+              </a:lvl1pPr>
+            </a:lstStyle>
+            <a:p>
+              <a:pPr algn="ctr"/>
+              <a:r>
+                <a:rPr lang="it-IT" sz="1000" dirty="0"/>
+                <a:t>Manual, 50 h</a:t>
+              </a:r>
+            </a:p>
+          </p:txBody>
+        </p:sp>
+        <p:pic>
+          <p:nvPicPr>
+            <p:cNvPr id="18" name="Picture 17">
+              <a:extLst>
+                <a:ext uri="{FF2B5EF4-FFF2-40B4-BE49-F238E27FC236}">
+                  <a16:creationId xmlns:a16="http://schemas.microsoft.com/office/drawing/2014/main" id="{37CB3D1B-53B8-4A89-A0AB-110A11A22F5B}"/>
+                </a:ext>
+              </a:extLst>
+            </p:cNvPr>
+            <p:cNvPicPr>
+              <a:picLocks noChangeAspect="1"/>
+            </p:cNvPicPr>
+            <p:nvPr/>
+          </p:nvPicPr>
+          <p:blipFill>
+            <a:blip r:embed="rId8"/>
+            <a:stretch>
+              <a:fillRect/>
+            </a:stretch>
+          </p:blipFill>
+          <p:spPr>
+            <a:xfrm>
+              <a:off x="1181104" y="5468261"/>
+              <a:ext cx="167655" cy="121931"/>
+            </a:xfrm>
+            <a:prstGeom prst="rect">
+              <a:avLst/>
+            </a:prstGeom>
+          </p:spPr>
+        </p:pic>
+      </p:grpSp>
+      <p:pic>
+        <p:nvPicPr>
+          <p:cNvPr id="13" name="Picture 12">
+            <a:extLst>
+              <a:ext uri="{FF2B5EF4-FFF2-40B4-BE49-F238E27FC236}">
+                <a16:creationId xmlns:a16="http://schemas.microsoft.com/office/drawing/2014/main" id="{B78AD463-16F4-4394-9501-A7476937E60E}"/>
+              </a:ext>
+            </a:extLst>
+          </p:cNvPr>
+          <p:cNvPicPr>
+            <a:picLocks noChangeAspect="1"/>
+          </p:cNvPicPr>
+          <p:nvPr/>
+        </p:nvPicPr>
+        <p:blipFill>
+          <a:blip r:embed="rId9">
+            <a:extLst>
+              <a:ext uri="{28A0092B-C50C-407E-A947-70E740481C1C}">
+                <a14:useLocalDpi xmlns:a14="http://schemas.microsoft.com/office/drawing/2010/main" val="0"/>
+              </a:ext>
+            </a:extLst>
+          </a:blip>
+          <a:stretch>
+            <a:fillRect/>
+          </a:stretch>
+        </p:blipFill>
+        <p:spPr>
+          <a:xfrm>
+            <a:off x="4422670" y="5409927"/>
+            <a:ext cx="2187130" cy="259102"/>
+          </a:xfrm>
+          <a:prstGeom prst="rect">
+            <a:avLst/>
+          </a:prstGeom>
+        </p:spPr>
+      </p:pic>
+      <p:pic>
+        <p:nvPicPr>
+          <p:cNvPr id="22" name="Picture 21">
+            <a:extLst>
+              <a:ext uri="{FF2B5EF4-FFF2-40B4-BE49-F238E27FC236}">
+                <a16:creationId xmlns:a16="http://schemas.microsoft.com/office/drawing/2014/main" id="{4501AA8E-4CA7-40DE-B4DA-213D4B695765}"/>
+              </a:ext>
+            </a:extLst>
+          </p:cNvPr>
+          <p:cNvPicPr>
+            <a:picLocks noChangeAspect="1"/>
+          </p:cNvPicPr>
+          <p:nvPr/>
+        </p:nvPicPr>
+        <p:blipFill>
+          <a:blip r:embed="rId10">
+            <a:extLst>
+              <a:ext uri="{28A0092B-C50C-407E-A947-70E740481C1C}">
+                <a14:useLocalDpi xmlns:a14="http://schemas.microsoft.com/office/drawing/2010/main" val="0"/>
+              </a:ext>
+            </a:extLst>
+          </a:blip>
+          <a:stretch>
+            <a:fillRect/>
+          </a:stretch>
+        </p:blipFill>
+        <p:spPr>
+          <a:xfrm>
+            <a:off x="8790475" y="5416098"/>
+            <a:ext cx="2042337" cy="236240"/>
+          </a:xfrm>
+          <a:prstGeom prst="rect">
+            <a:avLst/>
+          </a:prstGeom>
+        </p:spPr>
+      </p:pic>
+    </p:spTree>
+    <p:extLst>
+      <p:ext uri="{BB962C8B-B14F-4D97-AF65-F5344CB8AC3E}">
+        <p14:creationId xmlns:p14="http://schemas.microsoft.com/office/powerpoint/2010/main" val="1716250542"/>
+      </p:ext>
+    </p:extLst>
+  </p:cSld>
+  <p:clrMapOvr>
+    <a:masterClrMapping/>
+  </p:clrMapOvr>
+  <p:timing>
+    <p:tnLst>
+      <p:par>
+        <p:cTn id="1" dur="indefinite" restart="never" nodeType="tmRoot">
+          <p:childTnLst>
+            <p:seq concurrent="1" nextAc="seek">
+              <p:cTn id="2" dur="indefinite" nodeType="mainSeq">
+                <p:childTnLst>
+                  <p:par>
+                    <p:cTn id="3" fill="hold">
+                      <p:stCondLst>
+                        <p:cond delay="indefinite"/>
+                      </p:stCondLst>
+                      <p:childTnLst>
+                        <p:par>
+                          <p:cTn id="4" fill="hold">
+                            <p:stCondLst>
+                              <p:cond delay="0"/>
+                            </p:stCondLst>
+                            <p:childTnLst>
+                              <p:par>
+                                <p:cTn id="5" presetID="1" presetClass="entr" presetSubtype="0" fill="hold" grpId="0" nodeType="clickEffect">
+                                  <p:stCondLst>
+                                    <p:cond delay="0"/>
+                                  </p:stCondLst>
+                                  <p:childTnLst>
+                                    <p:set>
+                                      <p:cBhvr>
+                                        <p:cTn id="6" dur="1" fill="hold">
+                                          <p:stCondLst>
+                                            <p:cond delay="0"/>
+                                          </p:stCondLst>
+                                        </p:cTn>
+                                        <p:tgtEl>
+                                          <p:spTgt spid="3"/>
+                                        </p:tgtEl>
+                                        <p:attrNameLst>
+                                          <p:attrName>style.visibility</p:attrName>
+                                        </p:attrNameLst>
+                                      </p:cBhvr>
+                                      <p:to>
+                                        <p:strVal val="visible"/>
+                                      </p:to>
+                                    </p:set>
+                                  </p:childTnLst>
+                                </p:cTn>
+                              </p:par>
+                              <p:par>
+                                <p:cTn id="7" presetID="1" presetClass="entr" presetSubtype="0" fill="hold" grpId="0" nodeType="withEffect">
+                                  <p:stCondLst>
+                                    <p:cond delay="0"/>
+                                  </p:stCondLst>
+                                  <p:childTnLst>
+                                    <p:set>
+                                      <p:cBhvr>
+                                        <p:cTn id="8" dur="1" fill="hold">
+                                          <p:stCondLst>
+                                            <p:cond delay="0"/>
+                                          </p:stCondLst>
+                                        </p:cTn>
+                                        <p:tgtEl>
+                                          <p:spTgt spid="11"/>
+                                        </p:tgtEl>
+                                        <p:attrNameLst>
+                                          <p:attrName>style.visibility</p:attrName>
+                                        </p:attrNameLst>
+                                      </p:cBhvr>
+                                      <p:to>
+                                        <p:strVal val="visible"/>
+                                      </p:to>
+                                    </p:set>
+                                  </p:childTnLst>
+                                </p:cTn>
+                              </p:par>
+                              <p:par>
+                                <p:cTn id="9" presetID="1" presetClass="entr" presetSubtype="0" fill="hold" nodeType="withEffect">
+                                  <p:stCondLst>
+                                    <p:cond delay="0"/>
+                                  </p:stCondLst>
+                                  <p:childTnLst>
+                                    <p:set>
+                                      <p:cBhvr>
+                                        <p:cTn id="10" dur="1" fill="hold">
+                                          <p:stCondLst>
+                                            <p:cond delay="0"/>
+                                          </p:stCondLst>
+                                        </p:cTn>
+                                        <p:tgtEl>
+                                          <p:spTgt spid="17"/>
+                                        </p:tgtEl>
+                                        <p:attrNameLst>
+                                          <p:attrName>style.visibility</p:attrName>
+                                        </p:attrNameLst>
+                                      </p:cBhvr>
+                                      <p:to>
+                                        <p:strVal val="visible"/>
+                                      </p:to>
+                                    </p:set>
+                                  </p:childTnLst>
+                                </p:cTn>
+                              </p:par>
+                              <p:par>
+                                <p:cTn id="11" presetID="1" presetClass="entr" presetSubtype="0" fill="hold" nodeType="withEffect">
+                                  <p:stCondLst>
+                                    <p:cond delay="0"/>
+                                  </p:stCondLst>
+                                  <p:childTnLst>
+                                    <p:set>
+                                      <p:cBhvr>
+                                        <p:cTn id="12" dur="1" fill="hold">
+                                          <p:stCondLst>
+                                            <p:cond delay="0"/>
+                                          </p:stCondLst>
+                                        </p:cTn>
+                                        <p:tgtEl>
+                                          <p:spTgt spid="7"/>
+                                        </p:tgtEl>
+                                        <p:attrNameLst>
+                                          <p:attrName>style.visibility</p:attrName>
+                                        </p:attrNameLst>
+                                      </p:cBhvr>
+                                      <p:to>
+                                        <p:strVal val="visible"/>
+                                      </p:to>
+                                    </p:set>
+                                  </p:childTnLst>
+                                </p:cTn>
+                              </p:par>
+                            </p:childTnLst>
+                          </p:cTn>
+                        </p:par>
+                      </p:childTnLst>
+                    </p:cTn>
+                  </p:par>
+                  <p:par>
+                    <p:cTn id="13" fill="hold">
+                      <p:stCondLst>
+                        <p:cond delay="indefinite"/>
+                      </p:stCondLst>
+                      <p:childTnLst>
+                        <p:par>
+                          <p:cTn id="14" fill="hold">
+                            <p:stCondLst>
+                              <p:cond delay="0"/>
+                            </p:stCondLst>
+                            <p:childTnLst>
+                              <p:par>
+                                <p:cTn id="15" presetID="1" presetClass="entr" presetSubtype="0" fill="hold" grpId="0" nodeType="clickEffect">
+                                  <p:stCondLst>
+                                    <p:cond delay="0"/>
+                                  </p:stCondLst>
+                                  <p:childTnLst>
+                                    <p:set>
+                                      <p:cBhvr>
+                                        <p:cTn id="16" dur="1" fill="hold">
+                                          <p:stCondLst>
+                                            <p:cond delay="0"/>
+                                          </p:stCondLst>
+                                        </p:cTn>
+                                        <p:tgtEl>
+                                          <p:spTgt spid="4"/>
+                                        </p:tgtEl>
+                                        <p:attrNameLst>
+                                          <p:attrName>style.visibility</p:attrName>
+                                        </p:attrNameLst>
+                                      </p:cBhvr>
+                                      <p:to>
+                                        <p:strVal val="visible"/>
+                                      </p:to>
+                                    </p:set>
+                                  </p:childTnLst>
+                                </p:cTn>
+                              </p:par>
+                              <p:par>
+                                <p:cTn id="17" presetID="1" presetClass="entr" presetSubtype="0" fill="hold" grpId="0" nodeType="withEffect">
+                                  <p:stCondLst>
+                                    <p:cond delay="0"/>
+                                  </p:stCondLst>
+                                  <p:childTnLst>
+                                    <p:set>
+                                      <p:cBhvr>
+                                        <p:cTn id="18" dur="1" fill="hold">
+                                          <p:stCondLst>
+                                            <p:cond delay="0"/>
+                                          </p:stCondLst>
+                                        </p:cTn>
+                                        <p:tgtEl>
+                                          <p:spTgt spid="14"/>
+                                        </p:tgtEl>
+                                        <p:attrNameLst>
+                                          <p:attrName>style.visibility</p:attrName>
+                                        </p:attrNameLst>
+                                      </p:cBhvr>
+                                      <p:to>
+                                        <p:strVal val="visible"/>
+                                      </p:to>
+                                    </p:set>
+                                  </p:childTnLst>
+                                </p:cTn>
+                              </p:par>
+                              <p:par>
+                                <p:cTn id="19" presetID="1" presetClass="entr" presetSubtype="0" fill="hold" nodeType="withEffect">
+                                  <p:stCondLst>
+                                    <p:cond delay="0"/>
+                                  </p:stCondLst>
+                                  <p:childTnLst>
+                                    <p:set>
+                                      <p:cBhvr>
+                                        <p:cTn id="20" dur="1" fill="hold">
+                                          <p:stCondLst>
+                                            <p:cond delay="0"/>
+                                          </p:stCondLst>
+                                        </p:cTn>
+                                        <p:tgtEl>
+                                          <p:spTgt spid="13"/>
+                                        </p:tgtEl>
+                                        <p:attrNameLst>
+                                          <p:attrName>style.visibility</p:attrName>
+                                        </p:attrNameLst>
+                                      </p:cBhvr>
+                                      <p:to>
+                                        <p:strVal val="visible"/>
+                                      </p:to>
+                                    </p:set>
+                                  </p:childTnLst>
+                                </p:cTn>
+                              </p:par>
+                              <p:par>
+                                <p:cTn id="21" presetID="1" presetClass="entr" presetSubtype="0" fill="hold" nodeType="withEffect">
+                                  <p:stCondLst>
+                                    <p:cond delay="0"/>
+                                  </p:stCondLst>
+                                  <p:childTnLst>
+                                    <p:set>
+                                      <p:cBhvr>
+                                        <p:cTn id="22" dur="1" fill="hold">
+                                          <p:stCondLst>
+                                            <p:cond delay="0"/>
+                                          </p:stCondLst>
+                                        </p:cTn>
+                                        <p:tgtEl>
+                                          <p:spTgt spid="9"/>
+                                        </p:tgtEl>
+                                        <p:attrNameLst>
+                                          <p:attrName>style.visibility</p:attrName>
+                                        </p:attrNameLst>
+                                      </p:cBhvr>
+                                      <p:to>
+                                        <p:strVal val="visible"/>
+                                      </p:to>
+                                    </p:set>
+                                  </p:childTnLst>
+                                </p:cTn>
+                              </p:par>
+                            </p:childTnLst>
+                          </p:cTn>
+                        </p:par>
+                      </p:childTnLst>
+                    </p:cTn>
+                  </p:par>
+                  <p:par>
+                    <p:cTn id="23" fill="hold">
+                      <p:stCondLst>
+                        <p:cond delay="indefinite"/>
+                      </p:stCondLst>
+                      <p:childTnLst>
+                        <p:par>
+                          <p:cTn id="24" fill="hold">
+                            <p:stCondLst>
+                              <p:cond delay="0"/>
+                            </p:stCondLst>
+                            <p:childTnLst>
+                              <p:par>
+                                <p:cTn id="25" presetID="1" presetClass="entr" presetSubtype="0" fill="hold" grpId="0" nodeType="clickEffect">
+                                  <p:stCondLst>
+                                    <p:cond delay="0"/>
+                                  </p:stCondLst>
+                                  <p:childTnLst>
+                                    <p:set>
+                                      <p:cBhvr>
+                                        <p:cTn id="26" dur="1" fill="hold">
+                                          <p:stCondLst>
+                                            <p:cond delay="0"/>
+                                          </p:stCondLst>
+                                        </p:cTn>
+                                        <p:tgtEl>
+                                          <p:spTgt spid="5"/>
+                                        </p:tgtEl>
+                                        <p:attrNameLst>
+                                          <p:attrName>style.visibility</p:attrName>
+                                        </p:attrNameLst>
+                                      </p:cBhvr>
+                                      <p:to>
+                                        <p:strVal val="visible"/>
+                                      </p:to>
+                                    </p:set>
+                                  </p:childTnLst>
+                                </p:cTn>
+                              </p:par>
+                              <p:par>
+                                <p:cTn id="27" presetID="1" presetClass="entr" presetSubtype="0" fill="hold" grpId="0" nodeType="withEffect">
+                                  <p:stCondLst>
+                                    <p:cond delay="0"/>
+                                  </p:stCondLst>
+                                  <p:childTnLst>
+                                    <p:set>
+                                      <p:cBhvr>
+                                        <p:cTn id="28" dur="1" fill="hold">
+                                          <p:stCondLst>
+                                            <p:cond delay="0"/>
+                                          </p:stCondLst>
+                                        </p:cTn>
+                                        <p:tgtEl>
+                                          <p:spTgt spid="15"/>
+                                        </p:tgtEl>
+                                        <p:attrNameLst>
+                                          <p:attrName>style.visibility</p:attrName>
+                                        </p:attrNameLst>
+                                      </p:cBhvr>
+                                      <p:to>
+                                        <p:strVal val="visible"/>
+                                      </p:to>
+                                    </p:set>
+                                  </p:childTnLst>
+                                </p:cTn>
+                              </p:par>
+                              <p:par>
+                                <p:cTn id="29" presetID="1" presetClass="entr" presetSubtype="0" fill="hold" nodeType="withEffect">
+                                  <p:stCondLst>
+                                    <p:cond delay="0"/>
+                                  </p:stCondLst>
+                                  <p:childTnLst>
+                                    <p:set>
+                                      <p:cBhvr>
+                                        <p:cTn id="30" dur="1" fill="hold">
+                                          <p:stCondLst>
+                                            <p:cond delay="0"/>
+                                          </p:stCondLst>
+                                        </p:cTn>
+                                        <p:tgtEl>
+                                          <p:spTgt spid="19"/>
+                                        </p:tgtEl>
+                                        <p:attrNameLst>
+                                          <p:attrName>style.visibility</p:attrName>
+                                        </p:attrNameLst>
+                                      </p:cBhvr>
+                                      <p:to>
+                                        <p:strVal val="visible"/>
+                                      </p:to>
+                                    </p:set>
+                                  </p:childTnLst>
+                                </p:cTn>
+                              </p:par>
+                              <p:par>
+                                <p:cTn id="31" presetID="1" presetClass="entr" presetSubtype="0" fill="hold" nodeType="withEffect">
+                                  <p:stCondLst>
+                                    <p:cond delay="0"/>
+                                  </p:stCondLst>
+                                  <p:childTnLst>
+                                    <p:set>
+                                      <p:cBhvr>
+                                        <p:cTn id="32" dur="1" fill="hold">
+                                          <p:stCondLst>
+                                            <p:cond delay="0"/>
+                                          </p:stCondLst>
+                                        </p:cTn>
+                                        <p:tgtEl>
+                                          <p:spTgt spid="22"/>
+                                        </p:tgtEl>
+                                        <p:attrNameLst>
+                                          <p:attrName>style.visibility</p:attrName>
+                                        </p:attrNameLst>
+                                      </p:cBhvr>
+                                      <p:to>
+                                        <p:strVal val="visible"/>
+                                      </p:to>
+                                    </p:set>
+                                  </p:childTnLst>
+                                </p:cTn>
+                              </p:par>
+                            </p:childTnLst>
+                          </p:cTn>
+                        </p:par>
+                      </p:childTnLst>
+                    </p:cTn>
+                  </p:par>
+                </p:childTnLst>
+              </p:cTn>
+              <p:prevCondLst>
+                <p:cond evt="onPrev" delay="0">
+                  <p:tgtEl>
+                    <p:sldTgt/>
+                  </p:tgtEl>
+                </p:cond>
+              </p:prevCondLst>
+              <p:nextCondLst>
+                <p:cond evt="onNext" delay="0">
+                  <p:tgtEl>
+                    <p:sldTgt/>
+                  </p:tgtEl>
+                </p:cond>
+              </p:nextCondLst>
+            </p:seq>
+          </p:childTnLst>
+        </p:cTn>
+      </p:par>
+    </p:tnLst>
+    <p:bldLst>
+      <p:bldP spid="4" grpId="0"/>
+      <p:bldP spid="14" grpId="0"/>
+      <p:bldP spid="3" grpId="0"/>
+      <p:bldP spid="11" grpId="0"/>
+      <p:bldP spid="5" grpId="0"/>
+      <p:bldP spid="15" grpId="0"/>
+    </p:bldLst>
+  </p:timing>
+</p:sld>
+</file>
+
+<file path=ppt/slides/slide12.xml><?xml version="1.0" encoding="utf-8"?>
+<p:sld xmlns:a="http://schemas.openxmlformats.org/drawingml/2006/main" xmlns:r="http://schemas.openxmlformats.org/officeDocument/2006/relationships" xmlns:p="http://schemas.openxmlformats.org/presentationml/2006/main">
+  <p:cSld>
+    <p:bg>
+      <p:bgPr>
+        <a:solidFill>
+          <a:srgbClr val="212121"/>
+        </a:solidFill>
+        <a:effectLst/>
+      </p:bgPr>
+    </p:bg>
+    <p:spTree>
+      <p:nvGrpSpPr>
+        <p:cNvPr id="1" name=""/>
+        <p:cNvGrpSpPr/>
+        <p:nvPr/>
+      </p:nvGrpSpPr>
+      <p:grpSpPr>
+        <a:xfrm>
+          <a:off x="0" y="0"/>
+          <a:ext cx="0" cy="0"/>
+          <a:chOff x="0" y="0"/>
+          <a:chExt cx="0" cy="0"/>
+        </a:xfrm>
+      </p:grpSpPr>
+      <p:sp>
+        <p:nvSpPr>
+          <p:cNvPr id="2" name="Title 1">
+            <a:extLst>
+              <a:ext uri="{FF2B5EF4-FFF2-40B4-BE49-F238E27FC236}">
+                <a16:creationId xmlns:a16="http://schemas.microsoft.com/office/drawing/2014/main" id="{0715C0F7-3639-498A-876B-F3FE9A0EB105}"/>
+              </a:ext>
+            </a:extLst>
+          </p:cNvPr>
+          <p:cNvSpPr>
+            <a:spLocks noGrp="1"/>
+          </p:cNvSpPr>
+          <p:nvPr>
+            <p:ph type="title"/>
+          </p:nvPr>
+        </p:nvSpPr>
+        <p:spPr>
+          <a:xfrm>
+            <a:off x="431800" y="180398"/>
+            <a:ext cx="10515600" cy="1325563"/>
+          </a:xfrm>
+        </p:spPr>
+        <p:txBody>
+          <a:bodyPr>
+            <a:normAutofit/>
+          </a:bodyPr>
+          <a:lstStyle/>
+          <a:p>
+            <a:r>
+              <a:rPr lang="it-IT" sz="4000" dirty="0">
+                <a:solidFill>
+                  <a:schemeClr val="bg1">
+                    <a:lumMod val="95000"/>
+                  </a:schemeClr>
+                </a:solidFill>
+                <a:latin typeface="Roboto" panose="02000000000000000000" pitchFamily="2" charset="0"/>
+                <a:ea typeface="Roboto" panose="02000000000000000000" pitchFamily="2" charset="0"/>
+              </a:rPr>
               <a:t>Nice to have</a:t>
             </a:r>
             <a:endParaRPr lang="it-IT" sz="4000" dirty="0">
@@ -4465,7 +6257,7 @@
 </p:sld>
 </file>
 
-<file path=ppt/slides/slide11.xml><?xml version="1.0" encoding="utf-8"?>
+<file path=ppt/slides/slide13.xml><?xml version="1.0" encoding="utf-8"?>
 <p:sld xmlns:a="http://schemas.openxmlformats.org/drawingml/2006/main" xmlns:r="http://schemas.openxmlformats.org/officeDocument/2006/relationships" xmlns:p="http://schemas.openxmlformats.org/presentationml/2006/main">
   <p:cSld>
     <p:bg>
@@ -13073,712 +14865,851 @@
                 <a:latin typeface="Roboto" panose="02000000000000000000" pitchFamily="2" charset="0"/>
                 <a:ea typeface="Roboto" panose="02000000000000000000" pitchFamily="2" charset="0"/>
               </a:rPr>
-              <a:t>External API</a:t>
-            </a:r>
-            <a:endParaRPr lang="it-IT" sz="4000" dirty="0">
-              <a:solidFill>
-                <a:srgbClr val="CAFFE7"/>
-              </a:solidFill>
-              <a:latin typeface="Roboto" panose="02000000000000000000" pitchFamily="2" charset="0"/>
-              <a:ea typeface="Roboto" panose="02000000000000000000" pitchFamily="2" charset="0"/>
-            </a:endParaRPr>
-          </a:p>
-        </p:txBody>
-      </p:sp>
-      <p:sp>
-        <p:nvSpPr>
-          <p:cNvPr id="3" name="TextBox 2">
-            <a:extLst>
-              <a:ext uri="{FF2B5EF4-FFF2-40B4-BE49-F238E27FC236}">
-                <a16:creationId xmlns:a16="http://schemas.microsoft.com/office/drawing/2014/main" id="{CD973CF3-71A1-4A46-857F-59F4CF19E511}"/>
-              </a:ext>
-            </a:extLst>
-          </p:cNvPr>
-          <p:cNvSpPr txBox="1"/>
-          <p:nvPr/>
-        </p:nvSpPr>
-        <p:spPr>
-          <a:xfrm>
-            <a:off x="431800" y="1441090"/>
-            <a:ext cx="10898909" cy="923330"/>
-          </a:xfrm>
-          <a:prstGeom prst="rect">
-            <a:avLst/>
-          </a:prstGeom>
-          <a:noFill/>
-        </p:spPr>
-        <p:txBody>
-          <a:bodyPr wrap="square" rtlCol="0">
-            <a:spAutoFit/>
-          </a:bodyPr>
-          <a:lstStyle/>
-          <a:p>
-            <a:r>
-              <a:rPr lang="it-IT" dirty="0">
-                <a:solidFill>
-                  <a:schemeClr val="bg1"/>
-                </a:solidFill>
-              </a:rPr>
-              <a:t>Twilio queue</a:t>
-            </a:r>
-          </a:p>
-          <a:p>
-            <a:r>
-              <a:rPr lang="it-IT" dirty="0">
-                <a:solidFill>
-                  <a:schemeClr val="bg1"/>
-                </a:solidFill>
-              </a:rPr>
-              <a:t>Twilio sms authentication</a:t>
-            </a:r>
-          </a:p>
-          <a:p>
-            <a:r>
-              <a:rPr lang="it-IT" dirty="0">
-                <a:solidFill>
-                  <a:schemeClr val="bg1"/>
-                </a:solidFill>
-              </a:rPr>
-              <a:t>Google Maps directions</a:t>
-            </a:r>
-          </a:p>
-        </p:txBody>
-      </p:sp>
-    </p:spTree>
-    <p:extLst>
-      <p:ext uri="{BB962C8B-B14F-4D97-AF65-F5344CB8AC3E}">
-        <p14:creationId xmlns:p14="http://schemas.microsoft.com/office/powerpoint/2010/main" val="2923391601"/>
-      </p:ext>
-    </p:extLst>
-  </p:cSld>
-  <p:clrMapOvr>
-    <a:masterClrMapping/>
-  </p:clrMapOvr>
-</p:sld>
-</file>
-
-<file path=ppt/slides/slide9.xml><?xml version="1.0" encoding="utf-8"?>
-<p:sld xmlns:a="http://schemas.openxmlformats.org/drawingml/2006/main" xmlns:r="http://schemas.openxmlformats.org/officeDocument/2006/relationships" xmlns:p="http://schemas.openxmlformats.org/presentationml/2006/main">
-  <p:cSld>
-    <p:bg>
-      <p:bgPr>
-        <a:solidFill>
-          <a:srgbClr val="212121"/>
-        </a:solidFill>
-        <a:effectLst/>
-      </p:bgPr>
-    </p:bg>
-    <p:spTree>
-      <p:nvGrpSpPr>
-        <p:cNvPr id="1" name=""/>
-        <p:cNvGrpSpPr/>
-        <p:nvPr/>
-      </p:nvGrpSpPr>
-      <p:grpSpPr>
-        <a:xfrm>
-          <a:off x="0" y="0"/>
-          <a:ext cx="0" cy="0"/>
-          <a:chOff x="0" y="0"/>
-          <a:chExt cx="0" cy="0"/>
-        </a:xfrm>
-      </p:grpSpPr>
-      <p:sp>
-        <p:nvSpPr>
-          <p:cNvPr id="2" name="Title 1">
-            <a:extLst>
-              <a:ext uri="{FF2B5EF4-FFF2-40B4-BE49-F238E27FC236}">
-                <a16:creationId xmlns:a16="http://schemas.microsoft.com/office/drawing/2014/main" id="{0715C0F7-3639-498A-876B-F3FE9A0EB105}"/>
-              </a:ext>
-            </a:extLst>
-          </p:cNvPr>
-          <p:cNvSpPr>
-            <a:spLocks noGrp="1"/>
-          </p:cNvSpPr>
-          <p:nvPr>
-            <p:ph type="title"/>
-          </p:nvPr>
-        </p:nvSpPr>
-        <p:spPr>
-          <a:xfrm>
-            <a:off x="431800" y="180398"/>
-            <a:ext cx="10515600" cy="1325563"/>
-          </a:xfrm>
-        </p:spPr>
-        <p:txBody>
-          <a:bodyPr>
-            <a:normAutofit/>
-          </a:bodyPr>
-          <a:lstStyle/>
-          <a:p>
+              <a:t>External API • </a:t>
+            </a:r>
             <a:r>
               <a:rPr lang="it-IT" sz="4000" dirty="0">
                 <a:solidFill>
-                  <a:schemeClr val="bg1">
-                    <a:lumMod val="95000"/>
-                  </a:schemeClr>
+                  <a:srgbClr val="CAFFE7"/>
                 </a:solidFill>
                 <a:latin typeface="Roboto" panose="02000000000000000000" pitchFamily="2" charset="0"/>
                 <a:ea typeface="Roboto" panose="02000000000000000000" pitchFamily="2" charset="0"/>
               </a:rPr>
-              <a:t>Test</a:t>
-            </a:r>
-            <a:endParaRPr lang="it-IT" sz="4000" dirty="0">
-              <a:solidFill>
-                <a:srgbClr val="CAFFE7"/>
-              </a:solidFill>
-              <a:latin typeface="Roboto" panose="02000000000000000000" pitchFamily="2" charset="0"/>
-              <a:ea typeface="Roboto" panose="02000000000000000000" pitchFamily="2" charset="0"/>
-            </a:endParaRPr>
+              <a:t>SMS AUTH</a:t>
+            </a:r>
           </a:p>
         </p:txBody>
       </p:sp>
-      <p:sp>
-        <p:nvSpPr>
-          <p:cNvPr id="4" name="TextBox 3">
-            <a:extLst>
-              <a:ext uri="{FF2B5EF4-FFF2-40B4-BE49-F238E27FC236}">
-                <a16:creationId xmlns:a16="http://schemas.microsoft.com/office/drawing/2014/main" id="{552FD9E8-C3F0-4FA2-BAA5-FB0AD79F8FE2}"/>
-              </a:ext>
-            </a:extLst>
-          </p:cNvPr>
-          <p:cNvSpPr txBox="1"/>
+      <p:grpSp>
+        <p:nvGrpSpPr>
+          <p:cNvPr id="12" name="Group 11">
+            <a:extLst>
+              <a:ext uri="{FF2B5EF4-FFF2-40B4-BE49-F238E27FC236}">
+                <a16:creationId xmlns:a16="http://schemas.microsoft.com/office/drawing/2014/main" id="{93811096-F6B8-4E17-A172-B533F0CB2D43}"/>
+              </a:ext>
+            </a:extLst>
+          </p:cNvPr>
+          <p:cNvGrpSpPr/>
           <p:nvPr/>
-        </p:nvSpPr>
-        <p:spPr>
+        </p:nvGrpSpPr>
+        <p:grpSpPr>
           <a:xfrm>
-            <a:off x="4850063" y="3289918"/>
-            <a:ext cx="1332345" cy="369332"/>
-          </a:xfrm>
-          <a:prstGeom prst="rect">
-            <a:avLst/>
-          </a:prstGeom>
-          <a:noFill/>
-        </p:spPr>
-        <p:txBody>
-          <a:bodyPr wrap="square" rtlCol="0">
-            <a:spAutoFit/>
-          </a:bodyPr>
-          <a:lstStyle/>
-          <a:p>
-            <a:pPr algn="ctr"/>
-            <a:r>
-              <a:rPr lang="it-IT" dirty="0">
-                <a:solidFill>
-                  <a:srgbClr val="CAFFE7"/>
-                </a:solidFill>
-                <a:latin typeface="Roboto Light" panose="02000000000000000000" pitchFamily="2" charset="0"/>
-                <a:ea typeface="Roboto Light" panose="02000000000000000000" pitchFamily="2" charset="0"/>
-              </a:rPr>
-              <a:t>UNIT TEST</a:t>
-            </a:r>
-          </a:p>
-        </p:txBody>
-      </p:sp>
-      <p:pic>
-        <p:nvPicPr>
-          <p:cNvPr id="12" name="Picture 11">
-            <a:extLst>
-              <a:ext uri="{FF2B5EF4-FFF2-40B4-BE49-F238E27FC236}">
-                <a16:creationId xmlns:a16="http://schemas.microsoft.com/office/drawing/2014/main" id="{B52A6A73-298D-4657-A083-A67955D5EA24}"/>
-              </a:ext>
-            </a:extLst>
-          </p:cNvPr>
-          <p:cNvPicPr>
-            <a:picLocks noChangeAspect="1"/>
-          </p:cNvPicPr>
+            <a:off x="431800" y="3974368"/>
+            <a:ext cx="11325893" cy="1297182"/>
+            <a:chOff x="431800" y="3974368"/>
+            <a:chExt cx="11325893" cy="1297182"/>
+          </a:xfrm>
+        </p:grpSpPr>
+        <p:grpSp>
+          <p:nvGrpSpPr>
+            <p:cNvPr id="5" name="Group 4">
+              <a:extLst>
+                <a:ext uri="{FF2B5EF4-FFF2-40B4-BE49-F238E27FC236}">
+                  <a16:creationId xmlns:a16="http://schemas.microsoft.com/office/drawing/2014/main" id="{67A64409-9677-4D31-93BF-8200DE499BD1}"/>
+                </a:ext>
+              </a:extLst>
+            </p:cNvPr>
+            <p:cNvGrpSpPr/>
+            <p:nvPr/>
+          </p:nvGrpSpPr>
+          <p:grpSpPr>
+            <a:xfrm>
+              <a:off x="11182232" y="4675168"/>
+              <a:ext cx="575461" cy="596382"/>
+              <a:chOff x="10972806" y="4675168"/>
+              <a:chExt cx="575461" cy="596382"/>
+            </a:xfrm>
+          </p:grpSpPr>
+          <p:pic>
+            <p:nvPicPr>
+              <p:cNvPr id="23" name="Elemento grafico 22">
+                <a:extLst>
+                  <a:ext uri="{FF2B5EF4-FFF2-40B4-BE49-F238E27FC236}">
+                    <a16:creationId xmlns:a16="http://schemas.microsoft.com/office/drawing/2014/main" id="{A83A2E26-39ED-421B-8C73-3BA56B85E7B2}"/>
+                  </a:ext>
+                </a:extLst>
+              </p:cNvPr>
+              <p:cNvPicPr>
+                <a:picLocks noChangeAspect="1"/>
+              </p:cNvPicPr>
+              <p:nvPr/>
+            </p:nvPicPr>
+            <p:blipFill>
+              <a:blip r:embed="rId2">
+                <a:extLst>
+                  <a:ext uri="{28A0092B-C50C-407E-A947-70E740481C1C}">
+                    <a14:useLocalDpi xmlns:a14="http://schemas.microsoft.com/office/drawing/2010/main" val="0"/>
+                  </a:ext>
+                  <a:ext uri="{96DAC541-7B7A-43D3-8B79-37D633B846F1}">
+                    <asvg:svgBlip xmlns:asvg="http://schemas.microsoft.com/office/drawing/2016/SVG/main" r:embed="rId3"/>
+                  </a:ext>
+                </a:extLst>
+              </a:blip>
+              <a:stretch>
+                <a:fillRect/>
+              </a:stretch>
+            </p:blipFill>
+            <p:spPr>
+              <a:xfrm flipH="1">
+                <a:off x="10972806" y="4675168"/>
+                <a:ext cx="575461" cy="596382"/>
+              </a:xfrm>
+              <a:prstGeom prst="rect">
+                <a:avLst/>
+              </a:prstGeom>
+            </p:spPr>
+          </p:pic>
+          <p:sp>
+            <p:nvSpPr>
+              <p:cNvPr id="24" name="Rettangolo 23">
+                <a:extLst>
+                  <a:ext uri="{FF2B5EF4-FFF2-40B4-BE49-F238E27FC236}">
+                    <a16:creationId xmlns:a16="http://schemas.microsoft.com/office/drawing/2014/main" id="{3CE9F4CE-C0DC-4001-8014-BCECC3416B46}"/>
+                  </a:ext>
+                </a:extLst>
+              </p:cNvPr>
+              <p:cNvSpPr/>
+              <p:nvPr/>
+            </p:nvSpPr>
+            <p:spPr>
+              <a:xfrm>
+                <a:off x="11128785" y="4823928"/>
+                <a:ext cx="313891" cy="196086"/>
+              </a:xfrm>
+              <a:prstGeom prst="rect">
+                <a:avLst/>
+              </a:prstGeom>
+              <a:solidFill>
+                <a:schemeClr val="bg1">
+                  <a:lumMod val="95000"/>
+                </a:schemeClr>
+              </a:solidFill>
+              <a:ln>
+                <a:noFill/>
+              </a:ln>
+            </p:spPr>
+            <p:style>
+              <a:lnRef idx="2">
+                <a:schemeClr val="accent1">
+                  <a:shade val="50000"/>
+                </a:schemeClr>
+              </a:lnRef>
+              <a:fillRef idx="1">
+                <a:schemeClr val="accent1"/>
+              </a:fillRef>
+              <a:effectRef idx="0">
+                <a:schemeClr val="accent1"/>
+              </a:effectRef>
+              <a:fontRef idx="minor">
+                <a:schemeClr val="lt1"/>
+              </a:fontRef>
+            </p:style>
+            <p:txBody>
+              <a:bodyPr rtlCol="0" anchor="ctr"/>
+              <a:lstStyle/>
+              <a:p>
+                <a:pPr algn="ctr"/>
+                <a:endParaRPr lang="it-IT"/>
+              </a:p>
+            </p:txBody>
+          </p:sp>
+          <p:sp>
+            <p:nvSpPr>
+              <p:cNvPr id="25" name="CasellaDiTesto 24">
+                <a:extLst>
+                  <a:ext uri="{FF2B5EF4-FFF2-40B4-BE49-F238E27FC236}">
+                    <a16:creationId xmlns:a16="http://schemas.microsoft.com/office/drawing/2014/main" id="{61340415-F02E-4D5C-8784-22EF6842CA8F}"/>
+                  </a:ext>
+                </a:extLst>
+              </p:cNvPr>
+              <p:cNvSpPr txBox="1"/>
+              <p:nvPr/>
+            </p:nvSpPr>
+            <p:spPr>
+              <a:xfrm>
+                <a:off x="11004736" y="4740093"/>
+                <a:ext cx="490840" cy="369332"/>
+              </a:xfrm>
+              <a:prstGeom prst="rect">
+                <a:avLst/>
+              </a:prstGeom>
+              <a:noFill/>
+            </p:spPr>
+            <p:txBody>
+              <a:bodyPr wrap="none" rtlCol="0">
+                <a:spAutoFit/>
+              </a:bodyPr>
+              <a:lstStyle/>
+              <a:p>
+                <a:r>
+                  <a:rPr lang="en-US" b="1" dirty="0">
+                    <a:solidFill>
+                      <a:srgbClr val="00C853"/>
+                    </a:solidFill>
+                    <a:latin typeface="Roboto" panose="02000000000000000000" pitchFamily="2" charset="0"/>
+                    <a:ea typeface="Roboto" panose="02000000000000000000" pitchFamily="2" charset="0"/>
+                  </a:rPr>
+                  <a:t>OK</a:t>
+                </a:r>
+                <a:endParaRPr lang="it-IT" b="1" dirty="0">
+                  <a:solidFill>
+                    <a:srgbClr val="00C853"/>
+                  </a:solidFill>
+                  <a:latin typeface="Roboto" panose="02000000000000000000" pitchFamily="2" charset="0"/>
+                  <a:ea typeface="Roboto" panose="02000000000000000000" pitchFamily="2" charset="0"/>
+                </a:endParaRPr>
+              </a:p>
+            </p:txBody>
+          </p:sp>
+        </p:grpSp>
+        <p:grpSp>
+          <p:nvGrpSpPr>
+            <p:cNvPr id="9" name="Group 8">
+              <a:extLst>
+                <a:ext uri="{FF2B5EF4-FFF2-40B4-BE49-F238E27FC236}">
+                  <a16:creationId xmlns:a16="http://schemas.microsoft.com/office/drawing/2014/main" id="{55867944-3BCA-4E4D-90A8-864639D42E8F}"/>
+                </a:ext>
+              </a:extLst>
+            </p:cNvPr>
+            <p:cNvGrpSpPr/>
+            <p:nvPr/>
+          </p:nvGrpSpPr>
+          <p:grpSpPr>
+            <a:xfrm>
+              <a:off x="431800" y="3974368"/>
+              <a:ext cx="8469008" cy="369332"/>
+              <a:chOff x="431800" y="3974368"/>
+              <a:chExt cx="8469008" cy="369332"/>
+            </a:xfrm>
+          </p:grpSpPr>
+          <p:sp>
+            <p:nvSpPr>
+              <p:cNvPr id="19" name="TextBox 2">
+                <a:extLst>
+                  <a:ext uri="{FF2B5EF4-FFF2-40B4-BE49-F238E27FC236}">
+                    <a16:creationId xmlns:a16="http://schemas.microsoft.com/office/drawing/2014/main" id="{2DB14027-AC6A-4DE7-B1C3-06662DB73C56}"/>
+                  </a:ext>
+                </a:extLst>
+              </p:cNvPr>
+              <p:cNvSpPr txBox="1"/>
+              <p:nvPr/>
+            </p:nvSpPr>
+            <p:spPr>
+              <a:xfrm>
+                <a:off x="1492115" y="3974368"/>
+                <a:ext cx="7408693" cy="369332"/>
+              </a:xfrm>
+              <a:prstGeom prst="rect">
+                <a:avLst/>
+              </a:prstGeom>
+              <a:noFill/>
+            </p:spPr>
+            <p:txBody>
+              <a:bodyPr wrap="square" rtlCol="0">
+                <a:spAutoFit/>
+              </a:bodyPr>
+              <a:lstStyle/>
+              <a:p>
+                <a:r>
+                  <a:rPr lang="en-US" dirty="0">
+                    <a:solidFill>
+                      <a:schemeClr val="bg2">
+                        <a:lumMod val="50000"/>
+                      </a:schemeClr>
+                    </a:solidFill>
+                  </a:rPr>
+                  <a:t>https://verify-****.twil.io</a:t>
+                </a:r>
+                <a:r>
+                  <a:rPr lang="en-US" dirty="0">
+                    <a:solidFill>
+                      <a:schemeClr val="bg1"/>
+                    </a:solidFill>
+                  </a:rPr>
+                  <a:t>/check-verify</a:t>
+                </a:r>
+                <a:r>
+                  <a:rPr lang="en-US" dirty="0">
+                    <a:solidFill>
+                      <a:schemeClr val="bg2">
+                        <a:lumMod val="50000"/>
+                      </a:schemeClr>
+                    </a:solidFill>
+                  </a:rPr>
+                  <a:t>?</a:t>
+                </a:r>
+                <a:r>
+                  <a:rPr lang="en-US" dirty="0">
+                    <a:solidFill>
+                      <a:schemeClr val="bg1"/>
+                    </a:solidFill>
+                  </a:rPr>
+                  <a:t>to</a:t>
+                </a:r>
+                <a:r>
+                  <a:rPr lang="en-US" dirty="0">
+                    <a:solidFill>
+                      <a:schemeClr val="tx1">
+                        <a:lumMod val="50000"/>
+                        <a:lumOff val="50000"/>
+                      </a:schemeClr>
+                    </a:solidFill>
+                  </a:rPr>
+                  <a:t>=</a:t>
+                </a:r>
+                <a:r>
+                  <a:rPr lang="en-US" dirty="0">
+                    <a:solidFill>
+                      <a:srgbClr val="E6EE9C"/>
+                    </a:solidFill>
+                  </a:rPr>
+                  <a:t>TO</a:t>
+                </a:r>
+                <a:r>
+                  <a:rPr lang="en-US" dirty="0">
+                    <a:solidFill>
+                      <a:schemeClr val="bg2">
+                        <a:lumMod val="50000"/>
+                      </a:schemeClr>
+                    </a:solidFill>
+                  </a:rPr>
+                  <a:t>&amp;</a:t>
+                </a:r>
+                <a:r>
+                  <a:rPr lang="en-US" dirty="0">
+                    <a:solidFill>
+                      <a:schemeClr val="bg1"/>
+                    </a:solidFill>
+                  </a:rPr>
+                  <a:t>verification_code</a:t>
+                </a:r>
+                <a:r>
+                  <a:rPr lang="en-US" dirty="0">
+                    <a:solidFill>
+                      <a:schemeClr val="tx1">
+                        <a:lumMod val="50000"/>
+                        <a:lumOff val="50000"/>
+                      </a:schemeClr>
+                    </a:solidFill>
+                  </a:rPr>
+                  <a:t>=</a:t>
+                </a:r>
+                <a:r>
+                  <a:rPr lang="en-US" dirty="0">
+                    <a:solidFill>
+                      <a:srgbClr val="E6EE9C"/>
+                    </a:solidFill>
+                  </a:rPr>
+                  <a:t>CODE</a:t>
+                </a:r>
+                <a:endParaRPr lang="it-IT" dirty="0">
+                  <a:solidFill>
+                    <a:srgbClr val="E6EE9C"/>
+                  </a:solidFill>
+                </a:endParaRPr>
+              </a:p>
+            </p:txBody>
+          </p:sp>
+          <p:sp>
+            <p:nvSpPr>
+              <p:cNvPr id="20" name="Rectangle: Rounded Corners 19">
+                <a:extLst>
+                  <a:ext uri="{FF2B5EF4-FFF2-40B4-BE49-F238E27FC236}">
+                    <a16:creationId xmlns:a16="http://schemas.microsoft.com/office/drawing/2014/main" id="{047EC366-594C-4AF2-9728-E5C0CDAD1215}"/>
+                  </a:ext>
+                </a:extLst>
+              </p:cNvPr>
+              <p:cNvSpPr/>
+              <p:nvPr/>
+            </p:nvSpPr>
+            <p:spPr>
+              <a:xfrm>
+                <a:off x="431800" y="4039654"/>
+                <a:ext cx="498405" cy="238760"/>
+              </a:xfrm>
+              <a:prstGeom prst="roundRect">
+                <a:avLst/>
+              </a:prstGeom>
+              <a:solidFill>
+                <a:srgbClr val="E6EE9C"/>
+              </a:solidFill>
+              <a:ln>
+                <a:noFill/>
+              </a:ln>
+            </p:spPr>
+            <p:style>
+              <a:lnRef idx="2">
+                <a:schemeClr val="accent1">
+                  <a:shade val="50000"/>
+                </a:schemeClr>
+              </a:lnRef>
+              <a:fillRef idx="1">
+                <a:schemeClr val="accent1"/>
+              </a:fillRef>
+              <a:effectRef idx="0">
+                <a:schemeClr val="accent1"/>
+              </a:effectRef>
+              <a:fontRef idx="minor">
+                <a:schemeClr val="lt1"/>
+              </a:fontRef>
+            </p:style>
+            <p:txBody>
+              <a:bodyPr rtlCol="0" anchor="ctr"/>
+              <a:lstStyle/>
+              <a:p>
+                <a:pPr algn="ctr"/>
+                <a:r>
+                  <a:rPr lang="en-US" sz="800" b="1" dirty="0">
+                    <a:solidFill>
+                      <a:srgbClr val="212121"/>
+                    </a:solidFill>
+                    <a:latin typeface="Roboto" panose="02000000000000000000" pitchFamily="2" charset="0"/>
+                    <a:ea typeface="Roboto" panose="02000000000000000000" pitchFamily="2" charset="0"/>
+                  </a:rPr>
+                  <a:t>GET</a:t>
+                </a:r>
+              </a:p>
+            </p:txBody>
+          </p:sp>
+        </p:grpSp>
+      </p:grpSp>
+      <p:grpSp>
+        <p:nvGrpSpPr>
+          <p:cNvPr id="14" name="Group 13">
+            <a:extLst>
+              <a:ext uri="{FF2B5EF4-FFF2-40B4-BE49-F238E27FC236}">
+                <a16:creationId xmlns:a16="http://schemas.microsoft.com/office/drawing/2014/main" id="{5B26E929-E565-42C4-BC96-481D791EC4D5}"/>
+              </a:ext>
+            </a:extLst>
+          </p:cNvPr>
+          <p:cNvGrpSpPr/>
           <p:nvPr/>
-        </p:nvPicPr>
-        <p:blipFill>
-          <a:blip r:embed="rId2">
-            <a:extLst>
-              <a:ext uri="{28A0092B-C50C-407E-A947-70E740481C1C}">
-                <a14:useLocalDpi xmlns:a14="http://schemas.microsoft.com/office/drawing/2010/main" val="0"/>
-              </a:ext>
-            </a:extLst>
-          </a:blip>
-          <a:stretch>
-            <a:fillRect/>
-          </a:stretch>
-        </p:blipFill>
-        <p:spPr>
+        </p:nvGrpSpPr>
+        <p:grpSpPr>
           <a:xfrm>
-            <a:off x="4365516" y="5406117"/>
-            <a:ext cx="2301439" cy="266723"/>
-          </a:xfrm>
-          <a:prstGeom prst="rect">
-            <a:avLst/>
-          </a:prstGeom>
-        </p:spPr>
-      </p:pic>
-      <p:sp>
-        <p:nvSpPr>
-          <p:cNvPr id="14" name="TextBox 13">
-            <a:extLst>
-              <a:ext uri="{FF2B5EF4-FFF2-40B4-BE49-F238E27FC236}">
-                <a16:creationId xmlns:a16="http://schemas.microsoft.com/office/drawing/2014/main" id="{AD8EDCB0-04F0-4B19-B150-188AA71B6C2A}"/>
-              </a:ext>
-            </a:extLst>
-          </p:cNvPr>
-          <p:cNvSpPr txBox="1"/>
-          <p:nvPr/>
-        </p:nvSpPr>
-        <p:spPr>
-          <a:xfrm>
-            <a:off x="4560506" y="4703596"/>
-            <a:ext cx="1911458" cy="369332"/>
-          </a:xfrm>
-          <a:prstGeom prst="rect">
-            <a:avLst/>
-          </a:prstGeom>
-          <a:noFill/>
-        </p:spPr>
-        <p:txBody>
-          <a:bodyPr wrap="square" rtlCol="0">
-            <a:spAutoFit/>
-          </a:bodyPr>
-          <a:lstStyle>
-            <a:defPPr>
-              <a:defRPr lang="it-IT"/>
-            </a:defPPr>
-            <a:lvl1pPr>
-              <a:defRPr sz="2400">
-                <a:solidFill>
-                  <a:srgbClr val="B7B7B7"/>
-                </a:solidFill>
-                <a:latin typeface="Roboto Light" panose="02000000000000000000" pitchFamily="2" charset="0"/>
-                <a:ea typeface="Roboto Light" panose="02000000000000000000" pitchFamily="2" charset="0"/>
-              </a:defRPr>
-            </a:lvl1pPr>
-          </a:lstStyle>
-          <a:p>
-            <a:pPr algn="ctr"/>
-            <a:r>
-              <a:rPr lang="it-IT" sz="1800" dirty="0"/>
-              <a:t>JUnit 4</a:t>
-            </a:r>
-          </a:p>
-        </p:txBody>
-      </p:sp>
-      <p:pic>
-        <p:nvPicPr>
-          <p:cNvPr id="9" name="Graphic 8">
-            <a:extLst>
-              <a:ext uri="{FF2B5EF4-FFF2-40B4-BE49-F238E27FC236}">
-                <a16:creationId xmlns:a16="http://schemas.microsoft.com/office/drawing/2014/main" id="{4DCF0559-F122-4B8E-A8DE-3357AAA2D309}"/>
-              </a:ext>
-            </a:extLst>
-          </p:cNvPr>
-          <p:cNvPicPr>
-            <a:picLocks noChangeAspect="1"/>
-          </p:cNvPicPr>
-          <p:nvPr/>
-        </p:nvPicPr>
-        <p:blipFill>
-          <a:blip r:embed="rId3">
-            <a:extLst>
-              <a:ext uri="{28A0092B-C50C-407E-A947-70E740481C1C}">
-                <a14:useLocalDpi xmlns:a14="http://schemas.microsoft.com/office/drawing/2010/main" val="0"/>
-              </a:ext>
-              <a:ext uri="{96DAC541-7B7A-43D3-8B79-37D633B846F1}">
-                <asvg:svgBlip xmlns:asvg="http://schemas.microsoft.com/office/drawing/2016/SVG/main" r:embed="rId4"/>
-              </a:ext>
-            </a:extLst>
-          </a:blip>
-          <a:stretch>
-            <a:fillRect/>
-          </a:stretch>
-        </p:blipFill>
-        <p:spPr>
-          <a:xfrm>
-            <a:off x="5127153" y="2378663"/>
-            <a:ext cx="778164" cy="778164"/>
-          </a:xfrm>
-          <a:prstGeom prst="rect">
-            <a:avLst/>
-          </a:prstGeom>
-        </p:spPr>
-      </p:pic>
-      <p:sp>
-        <p:nvSpPr>
-          <p:cNvPr id="3" name="TextBox 2">
-            <a:extLst>
-              <a:ext uri="{FF2B5EF4-FFF2-40B4-BE49-F238E27FC236}">
-                <a16:creationId xmlns:a16="http://schemas.microsoft.com/office/drawing/2014/main" id="{53BDD338-3554-405D-97DA-8C31659BB37D}"/>
-              </a:ext>
-            </a:extLst>
-          </p:cNvPr>
-          <p:cNvSpPr txBox="1"/>
-          <p:nvPr/>
-        </p:nvSpPr>
-        <p:spPr>
-          <a:xfrm>
-            <a:off x="1264932" y="3291688"/>
-            <a:ext cx="861290" cy="369332"/>
-          </a:xfrm>
-          <a:prstGeom prst="rect">
-            <a:avLst/>
-          </a:prstGeom>
-          <a:noFill/>
-        </p:spPr>
-        <p:txBody>
-          <a:bodyPr wrap="square" rtlCol="0">
-            <a:spAutoFit/>
-          </a:bodyPr>
-          <a:lstStyle/>
-          <a:p>
-            <a:pPr algn="ctr"/>
-            <a:r>
-              <a:rPr lang="it-IT" dirty="0">
-                <a:solidFill>
-                  <a:srgbClr val="CAFFE7"/>
-                </a:solidFill>
-                <a:latin typeface="Roboto Light" panose="02000000000000000000" pitchFamily="2" charset="0"/>
-                <a:ea typeface="Roboto Light" panose="02000000000000000000" pitchFamily="2" charset="0"/>
-              </a:rPr>
-              <a:t>UI - UX</a:t>
-            </a:r>
-          </a:p>
-        </p:txBody>
-      </p:sp>
-      <p:sp>
-        <p:nvSpPr>
-          <p:cNvPr id="6" name="TextBox 5">
-            <a:extLst>
-              <a:ext uri="{FF2B5EF4-FFF2-40B4-BE49-F238E27FC236}">
-                <a16:creationId xmlns:a16="http://schemas.microsoft.com/office/drawing/2014/main" id="{6CDC07E9-7B25-4FF5-A4CC-DD764F28F456}"/>
-              </a:ext>
-            </a:extLst>
-          </p:cNvPr>
-          <p:cNvSpPr txBox="1"/>
-          <p:nvPr/>
-        </p:nvSpPr>
-        <p:spPr>
-          <a:xfrm>
-            <a:off x="739848" y="5406117"/>
-            <a:ext cx="1911459" cy="246221"/>
-          </a:xfrm>
-          <a:prstGeom prst="rect">
-            <a:avLst/>
-          </a:prstGeom>
-          <a:solidFill>
-            <a:srgbClr val="3C3F41"/>
-          </a:solidFill>
-        </p:spPr>
-        <p:txBody>
-          <a:bodyPr wrap="square" rtlCol="0">
-            <a:spAutoFit/>
-          </a:bodyPr>
-          <a:lstStyle>
-            <a:defPPr>
-              <a:defRPr lang="it-IT"/>
-            </a:defPPr>
-            <a:lvl1pPr>
-              <a:defRPr sz="2400">
-                <a:solidFill>
-                  <a:srgbClr val="B7B7B7"/>
-                </a:solidFill>
-                <a:latin typeface="Roboto Light" panose="02000000000000000000" pitchFamily="2" charset="0"/>
-                <a:ea typeface="Roboto Light" panose="02000000000000000000" pitchFamily="2" charset="0"/>
-              </a:defRPr>
-            </a:lvl1pPr>
-          </a:lstStyle>
-          <a:p>
-            <a:pPr algn="ctr"/>
-            <a:r>
-              <a:rPr lang="it-IT" sz="1000" dirty="0"/>
-              <a:t>Manual, 50 h</a:t>
-            </a:r>
-          </a:p>
-        </p:txBody>
-      </p:sp>
-      <p:sp>
-        <p:nvSpPr>
-          <p:cNvPr id="11" name="TextBox 10">
-            <a:extLst>
-              <a:ext uri="{FF2B5EF4-FFF2-40B4-BE49-F238E27FC236}">
-                <a16:creationId xmlns:a16="http://schemas.microsoft.com/office/drawing/2014/main" id="{6B2A6216-B8F1-4D24-9ECE-DCD322A43786}"/>
-              </a:ext>
-            </a:extLst>
-          </p:cNvPr>
-          <p:cNvSpPr txBox="1"/>
-          <p:nvPr/>
-        </p:nvSpPr>
-        <p:spPr>
-          <a:xfrm>
-            <a:off x="739848" y="4724642"/>
-            <a:ext cx="1911458" cy="369332"/>
-          </a:xfrm>
-          <a:prstGeom prst="rect">
-            <a:avLst/>
-          </a:prstGeom>
-          <a:noFill/>
-        </p:spPr>
-        <p:txBody>
-          <a:bodyPr wrap="square" rtlCol="0">
-            <a:spAutoFit/>
-          </a:bodyPr>
-          <a:lstStyle>
-            <a:defPPr>
-              <a:defRPr lang="it-IT"/>
-            </a:defPPr>
-            <a:lvl1pPr>
-              <a:defRPr sz="2400">
-                <a:solidFill>
-                  <a:srgbClr val="B7B7B7"/>
-                </a:solidFill>
-                <a:latin typeface="Roboto Light" panose="02000000000000000000" pitchFamily="2" charset="0"/>
-                <a:ea typeface="Roboto Light" panose="02000000000000000000" pitchFamily="2" charset="0"/>
-              </a:defRPr>
-            </a:lvl1pPr>
-          </a:lstStyle>
-          <a:p>
-            <a:pPr algn="ctr"/>
-            <a:r>
-              <a:rPr lang="it-IT" sz="1800" dirty="0"/>
-              <a:t>API 22-26-30</a:t>
-            </a:r>
-          </a:p>
-        </p:txBody>
-      </p:sp>
-      <p:pic>
-        <p:nvPicPr>
-          <p:cNvPr id="17" name="Graphic 16">
-            <a:extLst>
-              <a:ext uri="{FF2B5EF4-FFF2-40B4-BE49-F238E27FC236}">
-                <a16:creationId xmlns:a16="http://schemas.microsoft.com/office/drawing/2014/main" id="{BD1F0398-6447-4CBB-86F2-48DCD25C7D16}"/>
-              </a:ext>
-            </a:extLst>
-          </p:cNvPr>
-          <p:cNvPicPr>
-            <a:picLocks noChangeAspect="1"/>
-          </p:cNvPicPr>
-          <p:nvPr/>
-        </p:nvPicPr>
-        <p:blipFill>
-          <a:blip r:embed="rId5">
-            <a:extLst>
-              <a:ext uri="{28A0092B-C50C-407E-A947-70E740481C1C}">
-                <a14:useLocalDpi xmlns:a14="http://schemas.microsoft.com/office/drawing/2010/main" val="0"/>
-              </a:ext>
-              <a:ext uri="{96DAC541-7B7A-43D3-8B79-37D633B846F1}">
-                <asvg:svgBlip xmlns:asvg="http://schemas.microsoft.com/office/drawing/2016/SVG/main" r:embed="rId6"/>
-              </a:ext>
-            </a:extLst>
-          </a:blip>
-          <a:stretch>
-            <a:fillRect/>
-          </a:stretch>
-        </p:blipFill>
-        <p:spPr>
-          <a:xfrm>
-            <a:off x="1306493" y="2378663"/>
-            <a:ext cx="778165" cy="778165"/>
-          </a:xfrm>
-          <a:prstGeom prst="rect">
-            <a:avLst/>
-          </a:prstGeom>
-        </p:spPr>
-      </p:pic>
-      <p:sp>
-        <p:nvSpPr>
-          <p:cNvPr id="5" name="TextBox 4">
-            <a:extLst>
-              <a:ext uri="{FF2B5EF4-FFF2-40B4-BE49-F238E27FC236}">
-                <a16:creationId xmlns:a16="http://schemas.microsoft.com/office/drawing/2014/main" id="{68F4A086-B7CB-4862-8C30-4C1BED715F59}"/>
-              </a:ext>
-            </a:extLst>
-          </p:cNvPr>
-          <p:cNvSpPr txBox="1"/>
-          <p:nvPr/>
-        </p:nvSpPr>
-        <p:spPr>
-          <a:xfrm>
-            <a:off x="8381165" y="3289918"/>
-            <a:ext cx="2860963" cy="369332"/>
-          </a:xfrm>
-          <a:prstGeom prst="rect">
-            <a:avLst/>
-          </a:prstGeom>
-          <a:noFill/>
-        </p:spPr>
-        <p:txBody>
-          <a:bodyPr wrap="square" rtlCol="0">
-            <a:spAutoFit/>
-          </a:bodyPr>
-          <a:lstStyle/>
-          <a:p>
-            <a:pPr algn="ctr"/>
-            <a:r>
-              <a:rPr lang="it-IT" dirty="0">
-                <a:solidFill>
-                  <a:srgbClr val="CAFFE7"/>
-                </a:solidFill>
-                <a:latin typeface="Roboto Light" panose="02000000000000000000" pitchFamily="2" charset="0"/>
-                <a:ea typeface="Roboto Light" panose="02000000000000000000" pitchFamily="2" charset="0"/>
-              </a:rPr>
-              <a:t>INSTRUMENTATION TEST</a:t>
-            </a:r>
-          </a:p>
-        </p:txBody>
-      </p:sp>
-      <p:pic>
-        <p:nvPicPr>
-          <p:cNvPr id="8" name="Picture 7">
-            <a:extLst>
-              <a:ext uri="{FF2B5EF4-FFF2-40B4-BE49-F238E27FC236}">
-                <a16:creationId xmlns:a16="http://schemas.microsoft.com/office/drawing/2014/main" id="{4B7D975F-55DC-4EFE-854E-E6C474EBB8F1}"/>
-              </a:ext>
-            </a:extLst>
-          </p:cNvPr>
-          <p:cNvPicPr>
-            <a:picLocks noChangeAspect="1"/>
-          </p:cNvPicPr>
-          <p:nvPr/>
-        </p:nvPicPr>
-        <p:blipFill>
-          <a:blip r:embed="rId7">
-            <a:extLst>
-              <a:ext uri="{28A0092B-C50C-407E-A947-70E740481C1C}">
-                <a14:useLocalDpi xmlns:a14="http://schemas.microsoft.com/office/drawing/2010/main" val="0"/>
-              </a:ext>
-            </a:extLst>
-          </a:blip>
-          <a:stretch>
-            <a:fillRect/>
-          </a:stretch>
-        </p:blipFill>
-        <p:spPr>
-          <a:xfrm>
-            <a:off x="8550426" y="5406117"/>
-            <a:ext cx="2522439" cy="266723"/>
-          </a:xfrm>
-          <a:prstGeom prst="rect">
-            <a:avLst/>
-          </a:prstGeom>
-        </p:spPr>
-      </p:pic>
-      <p:sp>
-        <p:nvSpPr>
-          <p:cNvPr id="15" name="TextBox 14">
-            <a:extLst>
-              <a:ext uri="{FF2B5EF4-FFF2-40B4-BE49-F238E27FC236}">
-                <a16:creationId xmlns:a16="http://schemas.microsoft.com/office/drawing/2014/main" id="{1F035F75-0633-4A7F-AE0E-36500DC1FB7D}"/>
-              </a:ext>
-            </a:extLst>
-          </p:cNvPr>
-          <p:cNvSpPr txBox="1"/>
-          <p:nvPr/>
-        </p:nvSpPr>
-        <p:spPr>
-          <a:xfrm>
-            <a:off x="8855916" y="4729780"/>
-            <a:ext cx="1911458" cy="369332"/>
-          </a:xfrm>
-          <a:prstGeom prst="rect">
-            <a:avLst/>
-          </a:prstGeom>
-          <a:noFill/>
-        </p:spPr>
-        <p:txBody>
-          <a:bodyPr wrap="square" rtlCol="0">
-            <a:spAutoFit/>
-          </a:bodyPr>
-          <a:lstStyle>
-            <a:defPPr>
-              <a:defRPr lang="it-IT"/>
-            </a:defPPr>
-            <a:lvl1pPr>
-              <a:defRPr sz="2400">
-                <a:solidFill>
-                  <a:srgbClr val="B7B7B7"/>
-                </a:solidFill>
-                <a:latin typeface="Roboto Light" panose="02000000000000000000" pitchFamily="2" charset="0"/>
-                <a:ea typeface="Roboto Light" panose="02000000000000000000" pitchFamily="2" charset="0"/>
-              </a:defRPr>
-            </a:lvl1pPr>
-          </a:lstStyle>
-          <a:p>
-            <a:pPr algn="ctr"/>
-            <a:r>
-              <a:rPr lang="it-IT" sz="1800" dirty="0"/>
-              <a:t>JUnit 4</a:t>
-            </a:r>
-          </a:p>
-        </p:txBody>
-      </p:sp>
-      <p:pic>
-        <p:nvPicPr>
-          <p:cNvPr id="19" name="Graphic 18">
-            <a:extLst>
-              <a:ext uri="{FF2B5EF4-FFF2-40B4-BE49-F238E27FC236}">
-                <a16:creationId xmlns:a16="http://schemas.microsoft.com/office/drawing/2014/main" id="{52EE46C8-CEC6-4ECD-9683-A87B38455BEB}"/>
-              </a:ext>
-            </a:extLst>
-          </p:cNvPr>
-          <p:cNvPicPr>
-            <a:picLocks noChangeAspect="1"/>
-          </p:cNvPicPr>
-          <p:nvPr/>
-        </p:nvPicPr>
-        <p:blipFill>
-          <a:blip r:embed="rId8">
-            <a:extLst>
-              <a:ext uri="{28A0092B-C50C-407E-A947-70E740481C1C}">
-                <a14:useLocalDpi xmlns:a14="http://schemas.microsoft.com/office/drawing/2010/main" val="0"/>
-              </a:ext>
-              <a:ext uri="{96DAC541-7B7A-43D3-8B79-37D633B846F1}">
-                <asvg:svgBlip xmlns:asvg="http://schemas.microsoft.com/office/drawing/2016/SVG/main" r:embed="rId9"/>
-              </a:ext>
-            </a:extLst>
-          </a:blip>
-          <a:stretch>
-            <a:fillRect/>
-          </a:stretch>
-        </p:blipFill>
-        <p:spPr>
-          <a:xfrm>
-            <a:off x="9422562" y="2358250"/>
-            <a:ext cx="778165" cy="778165"/>
-          </a:xfrm>
-          <a:prstGeom prst="rect">
-            <a:avLst/>
-          </a:prstGeom>
-        </p:spPr>
-      </p:pic>
-      <p:pic>
-        <p:nvPicPr>
-          <p:cNvPr id="18" name="Picture 17">
-            <a:extLst>
-              <a:ext uri="{FF2B5EF4-FFF2-40B4-BE49-F238E27FC236}">
-                <a16:creationId xmlns:a16="http://schemas.microsoft.com/office/drawing/2014/main" id="{37CB3D1B-53B8-4A89-A0AB-110A11A22F5B}"/>
-              </a:ext>
-            </a:extLst>
-          </p:cNvPr>
-          <p:cNvPicPr>
-            <a:picLocks noChangeAspect="1"/>
-          </p:cNvPicPr>
-          <p:nvPr/>
-        </p:nvPicPr>
-        <p:blipFill>
-          <a:blip r:embed="rId10"/>
-          <a:stretch>
-            <a:fillRect/>
-          </a:stretch>
-        </p:blipFill>
-        <p:spPr>
-          <a:xfrm>
-            <a:off x="1181104" y="5468261"/>
-            <a:ext cx="167655" cy="121931"/>
-          </a:xfrm>
-          <a:prstGeom prst="rect">
-            <a:avLst/>
-          </a:prstGeom>
-        </p:spPr>
-      </p:pic>
+            <a:off x="431800" y="2345718"/>
+            <a:ext cx="11328400" cy="1297182"/>
+            <a:chOff x="431800" y="2345718"/>
+            <a:chExt cx="11328400" cy="1297182"/>
+          </a:xfrm>
+        </p:grpSpPr>
+        <p:grpSp>
+          <p:nvGrpSpPr>
+            <p:cNvPr id="7" name="Group 6">
+              <a:extLst>
+                <a:ext uri="{FF2B5EF4-FFF2-40B4-BE49-F238E27FC236}">
+                  <a16:creationId xmlns:a16="http://schemas.microsoft.com/office/drawing/2014/main" id="{2B2A3690-974F-4B8A-8D99-B6A126BECA17}"/>
+                </a:ext>
+              </a:extLst>
+            </p:cNvPr>
+            <p:cNvGrpSpPr/>
+            <p:nvPr/>
+          </p:nvGrpSpPr>
+          <p:grpSpPr>
+            <a:xfrm>
+              <a:off x="431800" y="2345718"/>
+              <a:ext cx="8469009" cy="369332"/>
+              <a:chOff x="431800" y="2345718"/>
+              <a:chExt cx="8469009" cy="369332"/>
+            </a:xfrm>
+          </p:grpSpPr>
+          <p:sp>
+            <p:nvSpPr>
+              <p:cNvPr id="3" name="TextBox 2">
+                <a:extLst>
+                  <a:ext uri="{FF2B5EF4-FFF2-40B4-BE49-F238E27FC236}">
+                    <a16:creationId xmlns:a16="http://schemas.microsoft.com/office/drawing/2014/main" id="{CD973CF3-71A1-4A46-857F-59F4CF19E511}"/>
+                  </a:ext>
+                </a:extLst>
+              </p:cNvPr>
+              <p:cNvSpPr txBox="1"/>
+              <p:nvPr/>
+            </p:nvSpPr>
+            <p:spPr>
+              <a:xfrm>
+                <a:off x="1492116" y="2345718"/>
+                <a:ext cx="7408693" cy="369332"/>
+              </a:xfrm>
+              <a:prstGeom prst="rect">
+                <a:avLst/>
+              </a:prstGeom>
+              <a:noFill/>
+            </p:spPr>
+            <p:txBody>
+              <a:bodyPr wrap="square" rtlCol="0">
+                <a:spAutoFit/>
+              </a:bodyPr>
+              <a:lstStyle/>
+              <a:p>
+                <a:r>
+                  <a:rPr lang="en-US" dirty="0">
+                    <a:solidFill>
+                      <a:schemeClr val="bg2">
+                        <a:lumMod val="50000"/>
+                      </a:schemeClr>
+                    </a:solidFill>
+                  </a:rPr>
+                  <a:t>https://verify-****.twil.io</a:t>
+                </a:r>
+                <a:r>
+                  <a:rPr lang="en-US" dirty="0">
+                    <a:solidFill>
+                      <a:schemeClr val="bg1"/>
+                    </a:solidFill>
+                  </a:rPr>
+                  <a:t>/start-verify</a:t>
+                </a:r>
+                <a:r>
+                  <a:rPr lang="en-US" dirty="0">
+                    <a:solidFill>
+                      <a:schemeClr val="bg2">
+                        <a:lumMod val="50000"/>
+                      </a:schemeClr>
+                    </a:solidFill>
+                  </a:rPr>
+                  <a:t>?</a:t>
+                </a:r>
+                <a:r>
+                  <a:rPr lang="en-US" dirty="0">
+                    <a:solidFill>
+                      <a:schemeClr val="bg1"/>
+                    </a:solidFill>
+                  </a:rPr>
+                  <a:t>to</a:t>
+                </a:r>
+                <a:r>
+                  <a:rPr lang="en-US" dirty="0">
+                    <a:solidFill>
+                      <a:schemeClr val="tx1">
+                        <a:lumMod val="50000"/>
+                        <a:lumOff val="50000"/>
+                      </a:schemeClr>
+                    </a:solidFill>
+                  </a:rPr>
+                  <a:t>=</a:t>
+                </a:r>
+                <a:r>
+                  <a:rPr lang="en-US" dirty="0">
+                    <a:solidFill>
+                      <a:srgbClr val="E6EE9C"/>
+                    </a:solidFill>
+                  </a:rPr>
+                  <a:t>TO</a:t>
+                </a:r>
+                <a:r>
+                  <a:rPr lang="en-US" dirty="0">
+                    <a:solidFill>
+                      <a:schemeClr val="bg2">
+                        <a:lumMod val="50000"/>
+                      </a:schemeClr>
+                    </a:solidFill>
+                  </a:rPr>
+                  <a:t>&amp;</a:t>
+                </a:r>
+                <a:r>
+                  <a:rPr lang="en-US" dirty="0">
+                    <a:solidFill>
+                      <a:schemeClr val="bg1"/>
+                    </a:solidFill>
+                  </a:rPr>
+                  <a:t>channel</a:t>
+                </a:r>
+                <a:r>
+                  <a:rPr lang="en-US" dirty="0">
+                    <a:solidFill>
+                      <a:schemeClr val="tx1">
+                        <a:lumMod val="50000"/>
+                        <a:lumOff val="50000"/>
+                      </a:schemeClr>
+                    </a:solidFill>
+                  </a:rPr>
+                  <a:t>=</a:t>
+                </a:r>
+                <a:r>
+                  <a:rPr lang="en-US" dirty="0">
+                    <a:solidFill>
+                      <a:srgbClr val="E6EE9C"/>
+                    </a:solidFill>
+                  </a:rPr>
+                  <a:t>sms</a:t>
+                </a:r>
+                <a:r>
+                  <a:rPr lang="en-US" dirty="0">
+                    <a:solidFill>
+                      <a:schemeClr val="bg2">
+                        <a:lumMod val="50000"/>
+                      </a:schemeClr>
+                    </a:solidFill>
+                  </a:rPr>
+                  <a:t>&amp;</a:t>
+                </a:r>
+                <a:r>
+                  <a:rPr lang="en-US" dirty="0">
+                    <a:solidFill>
+                      <a:schemeClr val="bg1"/>
+                    </a:solidFill>
+                  </a:rPr>
+                  <a:t>locale</a:t>
+                </a:r>
+                <a:r>
+                  <a:rPr lang="en-US" dirty="0">
+                    <a:solidFill>
+                      <a:schemeClr val="tx1">
+                        <a:lumMod val="50000"/>
+                        <a:lumOff val="50000"/>
+                      </a:schemeClr>
+                    </a:solidFill>
+                  </a:rPr>
+                  <a:t>=</a:t>
+                </a:r>
+                <a:r>
+                  <a:rPr lang="en-US" dirty="0">
+                    <a:solidFill>
+                      <a:srgbClr val="E6EE9C"/>
+                    </a:solidFill>
+                  </a:rPr>
+                  <a:t>LOCALE</a:t>
+                </a:r>
+                <a:endParaRPr lang="it-IT" dirty="0">
+                  <a:solidFill>
+                    <a:srgbClr val="E6EE9C"/>
+                  </a:solidFill>
+                </a:endParaRPr>
+              </a:p>
+            </p:txBody>
+          </p:sp>
+          <p:sp>
+            <p:nvSpPr>
+              <p:cNvPr id="18" name="Rectangle: Rounded Corners 17">
+                <a:extLst>
+                  <a:ext uri="{FF2B5EF4-FFF2-40B4-BE49-F238E27FC236}">
+                    <a16:creationId xmlns:a16="http://schemas.microsoft.com/office/drawing/2014/main" id="{9077728F-44D4-46DA-B02A-981648751323}"/>
+                  </a:ext>
+                </a:extLst>
+              </p:cNvPr>
+              <p:cNvSpPr/>
+              <p:nvPr/>
+            </p:nvSpPr>
+            <p:spPr>
+              <a:xfrm>
+                <a:off x="431800" y="2411004"/>
+                <a:ext cx="498405" cy="238760"/>
+              </a:xfrm>
+              <a:prstGeom prst="roundRect">
+                <a:avLst/>
+              </a:prstGeom>
+              <a:solidFill>
+                <a:srgbClr val="E6EE9C"/>
+              </a:solidFill>
+              <a:ln>
+                <a:noFill/>
+              </a:ln>
+            </p:spPr>
+            <p:style>
+              <a:lnRef idx="2">
+                <a:schemeClr val="accent1">
+                  <a:shade val="50000"/>
+                </a:schemeClr>
+              </a:lnRef>
+              <a:fillRef idx="1">
+                <a:schemeClr val="accent1"/>
+              </a:fillRef>
+              <a:effectRef idx="0">
+                <a:schemeClr val="accent1"/>
+              </a:effectRef>
+              <a:fontRef idx="minor">
+                <a:schemeClr val="lt1"/>
+              </a:fontRef>
+            </p:style>
+            <p:txBody>
+              <a:bodyPr rtlCol="0" anchor="ctr"/>
+              <a:lstStyle/>
+              <a:p>
+                <a:pPr algn="ctr"/>
+                <a:r>
+                  <a:rPr lang="en-US" sz="800" b="1" dirty="0">
+                    <a:solidFill>
+                      <a:srgbClr val="212121"/>
+                    </a:solidFill>
+                    <a:latin typeface="Roboto" panose="02000000000000000000" pitchFamily="2" charset="0"/>
+                    <a:ea typeface="Roboto" panose="02000000000000000000" pitchFamily="2" charset="0"/>
+                  </a:rPr>
+                  <a:t>GET</a:t>
+                </a:r>
+              </a:p>
+            </p:txBody>
+          </p:sp>
+        </p:grpSp>
+        <p:grpSp>
+          <p:nvGrpSpPr>
+            <p:cNvPr id="29" name="Group 28">
+              <a:extLst>
+                <a:ext uri="{FF2B5EF4-FFF2-40B4-BE49-F238E27FC236}">
+                  <a16:creationId xmlns:a16="http://schemas.microsoft.com/office/drawing/2014/main" id="{BD7C4E51-34C4-4003-B094-EBBA8D1730AA}"/>
+                </a:ext>
+              </a:extLst>
+            </p:cNvPr>
+            <p:cNvGrpSpPr/>
+            <p:nvPr/>
+          </p:nvGrpSpPr>
+          <p:grpSpPr>
+            <a:xfrm>
+              <a:off x="11179725" y="3046518"/>
+              <a:ext cx="580475" cy="596382"/>
+              <a:chOff x="10967792" y="4675168"/>
+              <a:chExt cx="580475" cy="596382"/>
+            </a:xfrm>
+          </p:grpSpPr>
+          <p:pic>
+            <p:nvPicPr>
+              <p:cNvPr id="30" name="Elemento grafico 22">
+                <a:extLst>
+                  <a:ext uri="{FF2B5EF4-FFF2-40B4-BE49-F238E27FC236}">
+                    <a16:creationId xmlns:a16="http://schemas.microsoft.com/office/drawing/2014/main" id="{3B391B2E-484F-44F5-BB3B-4787FDDF8B63}"/>
+                  </a:ext>
+                </a:extLst>
+              </p:cNvPr>
+              <p:cNvPicPr>
+                <a:picLocks noChangeAspect="1"/>
+              </p:cNvPicPr>
+              <p:nvPr/>
+            </p:nvPicPr>
+            <p:blipFill>
+              <a:blip r:embed="rId2">
+                <a:extLst>
+                  <a:ext uri="{28A0092B-C50C-407E-A947-70E740481C1C}">
+                    <a14:useLocalDpi xmlns:a14="http://schemas.microsoft.com/office/drawing/2010/main" val="0"/>
+                  </a:ext>
+                  <a:ext uri="{96DAC541-7B7A-43D3-8B79-37D633B846F1}">
+                    <asvg:svgBlip xmlns:asvg="http://schemas.microsoft.com/office/drawing/2016/SVG/main" r:embed="rId3"/>
+                  </a:ext>
+                </a:extLst>
+              </a:blip>
+              <a:stretch>
+                <a:fillRect/>
+              </a:stretch>
+            </p:blipFill>
+            <p:spPr>
+              <a:xfrm flipH="1">
+                <a:off x="10972806" y="4675168"/>
+                <a:ext cx="575461" cy="596382"/>
+              </a:xfrm>
+              <a:prstGeom prst="rect">
+                <a:avLst/>
+              </a:prstGeom>
+            </p:spPr>
+          </p:pic>
+          <p:sp>
+            <p:nvSpPr>
+              <p:cNvPr id="31" name="Rettangolo 23">
+                <a:extLst>
+                  <a:ext uri="{FF2B5EF4-FFF2-40B4-BE49-F238E27FC236}">
+                    <a16:creationId xmlns:a16="http://schemas.microsoft.com/office/drawing/2014/main" id="{98E552E1-F6A4-47AB-A229-45BA3C60AD4F}"/>
+                  </a:ext>
+                </a:extLst>
+              </p:cNvPr>
+              <p:cNvSpPr/>
+              <p:nvPr/>
+            </p:nvSpPr>
+            <p:spPr>
+              <a:xfrm>
+                <a:off x="11128785" y="4823928"/>
+                <a:ext cx="313891" cy="196086"/>
+              </a:xfrm>
+              <a:prstGeom prst="rect">
+                <a:avLst/>
+              </a:prstGeom>
+              <a:solidFill>
+                <a:schemeClr val="bg1">
+                  <a:lumMod val="95000"/>
+                </a:schemeClr>
+              </a:solidFill>
+              <a:ln>
+                <a:noFill/>
+              </a:ln>
+            </p:spPr>
+            <p:style>
+              <a:lnRef idx="2">
+                <a:schemeClr val="accent1">
+                  <a:shade val="50000"/>
+                </a:schemeClr>
+              </a:lnRef>
+              <a:fillRef idx="1">
+                <a:schemeClr val="accent1"/>
+              </a:fillRef>
+              <a:effectRef idx="0">
+                <a:schemeClr val="accent1"/>
+              </a:effectRef>
+              <a:fontRef idx="minor">
+                <a:schemeClr val="lt1"/>
+              </a:fontRef>
+            </p:style>
+            <p:txBody>
+              <a:bodyPr rtlCol="0" anchor="ctr"/>
+              <a:lstStyle/>
+              <a:p>
+                <a:pPr algn="ctr"/>
+                <a:endParaRPr lang="it-IT"/>
+              </a:p>
+            </p:txBody>
+          </p:sp>
+          <p:sp>
+            <p:nvSpPr>
+              <p:cNvPr id="32" name="CasellaDiTesto 24">
+                <a:extLst>
+                  <a:ext uri="{FF2B5EF4-FFF2-40B4-BE49-F238E27FC236}">
+                    <a16:creationId xmlns:a16="http://schemas.microsoft.com/office/drawing/2014/main" id="{F48B8C69-66FE-4DDD-85FE-5169D2B38206}"/>
+                  </a:ext>
+                </a:extLst>
+              </p:cNvPr>
+              <p:cNvSpPr txBox="1"/>
+              <p:nvPr/>
+            </p:nvSpPr>
+            <p:spPr>
+              <a:xfrm>
+                <a:off x="10967792" y="4740093"/>
+                <a:ext cx="564578" cy="369332"/>
+              </a:xfrm>
+              <a:prstGeom prst="rect">
+                <a:avLst/>
+              </a:prstGeom>
+              <a:noFill/>
+            </p:spPr>
+            <p:txBody>
+              <a:bodyPr wrap="none" rtlCol="0">
+                <a:spAutoFit/>
+              </a:bodyPr>
+              <a:lstStyle/>
+              <a:p>
+                <a:r>
+                  <a:rPr lang="en-US" b="1" dirty="0">
+                    <a:solidFill>
+                      <a:schemeClr val="tx1">
+                        <a:lumMod val="85000"/>
+                        <a:lumOff val="15000"/>
+                      </a:schemeClr>
+                    </a:solidFill>
+                    <a:latin typeface="Consolas" panose="020B0609020204030204" pitchFamily="49" charset="0"/>
+                    <a:ea typeface="Roboto" panose="02000000000000000000" pitchFamily="2" charset="0"/>
+                  </a:rPr>
+                  <a:t>•••</a:t>
+                </a:r>
+                <a:endParaRPr lang="it-IT" b="1" dirty="0">
+                  <a:solidFill>
+                    <a:srgbClr val="00C853"/>
+                  </a:solidFill>
+                  <a:latin typeface="Roboto" panose="02000000000000000000" pitchFamily="2" charset="0"/>
+                  <a:ea typeface="Roboto" panose="02000000000000000000" pitchFamily="2" charset="0"/>
+                </a:endParaRPr>
+              </a:p>
+            </p:txBody>
+          </p:sp>
+        </p:grpSp>
+      </p:grpSp>
     </p:spTree>
     <p:extLst>
       <p:ext uri="{BB962C8B-B14F-4D97-AF65-F5344CB8AC3E}">
-        <p14:creationId xmlns:p14="http://schemas.microsoft.com/office/powerpoint/2010/main" val="1716250542"/>
+        <p14:creationId xmlns:p14="http://schemas.microsoft.com/office/powerpoint/2010/main" val="2700422503"/>
       </p:ext>
     </p:extLst>
   </p:cSld>
@@ -13806,7 +15737,7 @@
                             </p:stCondLst>
                             <p:childTnLst>
                               <p:par>
-                                <p:cTn id="5" presetID="1" presetClass="entr" presetSubtype="0" fill="hold" grpId="0" nodeType="clickEffect">
+                                <p:cTn id="5" presetID="1" presetClass="entr" presetSubtype="0" fill="hold" nodeType="clickEffect">
                                   <p:stCondLst>
                                     <p:cond delay="0"/>
                                   </p:stCondLst>
@@ -13819,88 +15750,7 @@
                                           </p:stCondLst>
                                         </p:cTn>
                                         <p:tgtEl>
-                                          <p:spTgt spid="3"/>
-                                        </p:tgtEl>
-                                        <p:attrNameLst>
-                                          <p:attrName>style.visibility</p:attrName>
-                                        </p:attrNameLst>
-                                      </p:cBhvr>
-                                      <p:to>
-                                        <p:strVal val="visible"/>
-                                      </p:to>
-                                    </p:set>
-                                  </p:childTnLst>
-                                </p:cTn>
-                              </p:par>
-                              <p:par>
-                                <p:cTn id="7" presetID="1" presetClass="entr" presetSubtype="0" fill="hold" grpId="0" nodeType="withEffect">
-                                  <p:stCondLst>
-                                    <p:cond delay="0"/>
-                                  </p:stCondLst>
-                                  <p:childTnLst>
-                                    <p:set>
-                                      <p:cBhvr>
-                                        <p:cTn id="8" dur="1" fill="hold">
-                                          <p:stCondLst>
-                                            <p:cond delay="0"/>
-                                          </p:stCondLst>
-                                        </p:cTn>
-                                        <p:tgtEl>
-                                          <p:spTgt spid="6"/>
-                                        </p:tgtEl>
-                                        <p:attrNameLst>
-                                          <p:attrName>style.visibility</p:attrName>
-                                        </p:attrNameLst>
-                                      </p:cBhvr>
-                                      <p:to>
-                                        <p:strVal val="visible"/>
-                                      </p:to>
-                                    </p:set>
-                                  </p:childTnLst>
-                                </p:cTn>
-                              </p:par>
-                              <p:par>
-                                <p:cTn id="9" presetID="1" presetClass="entr" presetSubtype="0" fill="hold" grpId="0" nodeType="withEffect">
-                                  <p:stCondLst>
-                                    <p:cond delay="0"/>
-                                  </p:stCondLst>
-                                  <p:childTnLst>
-                                    <p:set>
-                                      <p:cBhvr>
-                                        <p:cTn id="10" dur="1" fill="hold">
-                                          <p:stCondLst>
-                                            <p:cond delay="0"/>
-                                          </p:stCondLst>
-                                        </p:cTn>
-                                        <p:tgtEl>
-                                          <p:spTgt spid="11"/>
-                                        </p:tgtEl>
-                                        <p:attrNameLst>
-                                          <p:attrName>style.visibility</p:attrName>
-                                        </p:attrNameLst>
-                                      </p:cBhvr>
-                                      <p:to>
-                                        <p:strVal val="visible"/>
-                                      </p:to>
-                                    </p:set>
-                                  </p:childTnLst>
-                                </p:cTn>
-                              </p:par>
-                              <p:par>
-                                <p:cTn id="11" presetID="1" presetClass="entr" presetSubtype="0" fill="hold" nodeType="withEffect">
-                                  <p:stCondLst>
-                                    <p:cond delay="0"/>
-                                  </p:stCondLst>
-                                  <p:childTnLst>
-                                    <p:set>
-                                      <p:cBhvr>
-                                        <p:cTn id="12" dur="1" fill="hold">
-                                          <p:stCondLst>
-                                            <p:cond delay="0"/>
-                                          </p:stCondLst>
-                                        </p:cTn>
-                                        <p:tgtEl>
-                                          <p:spTgt spid="17"/>
+                                          <p:spTgt spid="14"/>
                                         </p:tgtEl>
                                         <p:attrNameLst>
                                           <p:attrName>style.visibility</p:attrName>
@@ -13920,239 +15770,32 @@
                     </p:cTn>
                   </p:par>
                   <p:par>
-                    <p:cTn id="13" fill="hold">
+                    <p:cTn id="7" fill="hold">
                       <p:stCondLst>
                         <p:cond delay="indefinite"/>
                       </p:stCondLst>
                       <p:childTnLst>
                         <p:par>
-                          <p:cTn id="14" fill="hold">
+                          <p:cTn id="8" fill="hold">
                             <p:stCondLst>
                               <p:cond delay="0"/>
                             </p:stCondLst>
                             <p:childTnLst>
                               <p:par>
-                                <p:cTn id="15" presetID="1" presetClass="entr" presetSubtype="0" fill="hold" grpId="0" nodeType="clickEffect">
+                                <p:cTn id="9" presetID="1" presetClass="entr" presetSubtype="0" fill="hold" nodeType="clickEffect">
                                   <p:stCondLst>
                                     <p:cond delay="0"/>
                                   </p:stCondLst>
                                   <p:childTnLst>
                                     <p:set>
                                       <p:cBhvr>
-                                        <p:cTn id="16" dur="1" fill="hold">
-                                          <p:stCondLst>
-                                            <p:cond delay="0"/>
-                                          </p:stCondLst>
-                                        </p:cTn>
-                                        <p:tgtEl>
-                                          <p:spTgt spid="4"/>
-                                        </p:tgtEl>
-                                        <p:attrNameLst>
-                                          <p:attrName>style.visibility</p:attrName>
-                                        </p:attrNameLst>
-                                      </p:cBhvr>
-                                      <p:to>
-                                        <p:strVal val="visible"/>
-                                      </p:to>
-                                    </p:set>
-                                  </p:childTnLst>
-                                </p:cTn>
-                              </p:par>
-                              <p:par>
-                                <p:cTn id="17" presetID="1" presetClass="entr" presetSubtype="0" fill="hold" nodeType="withEffect">
-                                  <p:stCondLst>
-                                    <p:cond delay="0"/>
-                                  </p:stCondLst>
-                                  <p:childTnLst>
-                                    <p:set>
-                                      <p:cBhvr>
-                                        <p:cTn id="18" dur="1" fill="hold">
+                                        <p:cTn id="10" dur="1" fill="hold">
                                           <p:stCondLst>
                                             <p:cond delay="0"/>
                                           </p:stCondLst>
                                         </p:cTn>
                                         <p:tgtEl>
                                           <p:spTgt spid="12"/>
-                                        </p:tgtEl>
-                                        <p:attrNameLst>
-                                          <p:attrName>style.visibility</p:attrName>
-                                        </p:attrNameLst>
-                                      </p:cBhvr>
-                                      <p:to>
-                                        <p:strVal val="visible"/>
-                                      </p:to>
-                                    </p:set>
-                                  </p:childTnLst>
-                                </p:cTn>
-                              </p:par>
-                              <p:par>
-                                <p:cTn id="19" presetID="1" presetClass="entr" presetSubtype="0" fill="hold" grpId="0" nodeType="withEffect">
-                                  <p:stCondLst>
-                                    <p:cond delay="0"/>
-                                  </p:stCondLst>
-                                  <p:childTnLst>
-                                    <p:set>
-                                      <p:cBhvr>
-                                        <p:cTn id="20" dur="1" fill="hold">
-                                          <p:stCondLst>
-                                            <p:cond delay="0"/>
-                                          </p:stCondLst>
-                                        </p:cTn>
-                                        <p:tgtEl>
-                                          <p:spTgt spid="14"/>
-                                        </p:tgtEl>
-                                        <p:attrNameLst>
-                                          <p:attrName>style.visibility</p:attrName>
-                                        </p:attrNameLst>
-                                      </p:cBhvr>
-                                      <p:to>
-                                        <p:strVal val="visible"/>
-                                      </p:to>
-                                    </p:set>
-                                  </p:childTnLst>
-                                </p:cTn>
-                              </p:par>
-                              <p:par>
-                                <p:cTn id="21" presetID="1" presetClass="entr" presetSubtype="0" fill="hold" nodeType="withEffect">
-                                  <p:stCondLst>
-                                    <p:cond delay="0"/>
-                                  </p:stCondLst>
-                                  <p:childTnLst>
-                                    <p:set>
-                                      <p:cBhvr>
-                                        <p:cTn id="22" dur="1" fill="hold">
-                                          <p:stCondLst>
-                                            <p:cond delay="0"/>
-                                          </p:stCondLst>
-                                        </p:cTn>
-                                        <p:tgtEl>
-                                          <p:spTgt spid="9"/>
-                                        </p:tgtEl>
-                                        <p:attrNameLst>
-                                          <p:attrName>style.visibility</p:attrName>
-                                        </p:attrNameLst>
-                                      </p:cBhvr>
-                                      <p:to>
-                                        <p:strVal val="visible"/>
-                                      </p:to>
-                                    </p:set>
-                                  </p:childTnLst>
-                                </p:cTn>
-                              </p:par>
-                            </p:childTnLst>
-                          </p:cTn>
-                        </p:par>
-                      </p:childTnLst>
-                    </p:cTn>
-                  </p:par>
-                  <p:par>
-                    <p:cTn id="23" fill="hold">
-                      <p:stCondLst>
-                        <p:cond delay="indefinite"/>
-                      </p:stCondLst>
-                      <p:childTnLst>
-                        <p:par>
-                          <p:cTn id="24" fill="hold">
-                            <p:stCondLst>
-                              <p:cond delay="0"/>
-                            </p:stCondLst>
-                            <p:childTnLst>
-                              <p:par>
-                                <p:cTn id="25" presetID="1" presetClass="entr" presetSubtype="0" fill="hold" grpId="0" nodeType="clickEffect">
-                                  <p:stCondLst>
-                                    <p:cond delay="0"/>
-                                  </p:stCondLst>
-                                  <p:childTnLst>
-                                    <p:set>
-                                      <p:cBhvr>
-                                        <p:cTn id="26" dur="1" fill="hold">
-                                          <p:stCondLst>
-                                            <p:cond delay="0"/>
-                                          </p:stCondLst>
-                                        </p:cTn>
-                                        <p:tgtEl>
-                                          <p:spTgt spid="5"/>
-                                        </p:tgtEl>
-                                        <p:attrNameLst>
-                                          <p:attrName>style.visibility</p:attrName>
-                                        </p:attrNameLst>
-                                      </p:cBhvr>
-                                      <p:to>
-                                        <p:strVal val="visible"/>
-                                      </p:to>
-                                    </p:set>
-                                  </p:childTnLst>
-                                </p:cTn>
-                              </p:par>
-                              <p:par>
-                                <p:cTn id="27" presetID="1" presetClass="entr" presetSubtype="0" fill="hold" nodeType="withEffect">
-                                  <p:stCondLst>
-                                    <p:cond delay="0"/>
-                                  </p:stCondLst>
-                                  <p:childTnLst>
-                                    <p:set>
-                                      <p:cBhvr>
-                                        <p:cTn id="28" dur="1" fill="hold">
-                                          <p:stCondLst>
-                                            <p:cond delay="0"/>
-                                          </p:stCondLst>
-                                        </p:cTn>
-                                        <p:tgtEl>
-                                          <p:spTgt spid="8"/>
-                                        </p:tgtEl>
-                                        <p:attrNameLst>
-                                          <p:attrName>style.visibility</p:attrName>
-                                        </p:attrNameLst>
-                                      </p:cBhvr>
-                                      <p:to>
-                                        <p:strVal val="visible"/>
-                                      </p:to>
-                                    </p:set>
-                                  </p:childTnLst>
-                                </p:cTn>
-                              </p:par>
-                              <p:par>
-                                <p:cTn id="29" presetID="1" presetClass="entr" presetSubtype="0" fill="hold" grpId="0" nodeType="withEffect">
-                                  <p:stCondLst>
-                                    <p:cond delay="0"/>
-                                  </p:stCondLst>
-                                  <p:childTnLst>
-                                    <p:set>
-                                      <p:cBhvr>
-                                        <p:cTn id="30" dur="1" fill="hold">
-                                          <p:stCondLst>
-                                            <p:cond delay="0"/>
-                                          </p:stCondLst>
-                                        </p:cTn>
-                                        <p:tgtEl>
-                                          <p:spTgt spid="15"/>
-                                        </p:tgtEl>
-                                        <p:attrNameLst>
-                                          <p:attrName>style.visibility</p:attrName>
-                                        </p:attrNameLst>
-                                      </p:cBhvr>
-                                      <p:to>
-                                        <p:strVal val="visible"/>
-                                      </p:to>
-                                    </p:set>
-                                  </p:childTnLst>
-                                </p:cTn>
-                              </p:par>
-                              <p:par>
-                                <p:cTn id="31" presetID="1" presetClass="entr" presetSubtype="0" fill="hold" nodeType="withEffect">
-                                  <p:stCondLst>
-                                    <p:cond delay="0"/>
-                                  </p:stCondLst>
-                                  <p:childTnLst>
-                                    <p:set>
-                                      <p:cBhvr>
-                                        <p:cTn id="32" dur="1" fill="hold">
-                                          <p:stCondLst>
-                                            <p:cond delay="0"/>
-                                          </p:stCondLst>
-                                        </p:cTn>
-                                        <p:tgtEl>
-                                          <p:spTgt spid="19"/>
                                         </p:tgtEl>
                                         <p:attrNameLst>
                                           <p:attrName>style.visibility</p:attrName>
@@ -14192,15 +15835,1813 @@
         </p:cTn>
       </p:par>
     </p:tnLst>
-    <p:bldLst>
-      <p:bldP spid="4" grpId="0"/>
-      <p:bldP spid="14" grpId="0"/>
-      <p:bldP spid="3" grpId="0"/>
-      <p:bldP spid="6" grpId="0" animBg="1"/>
-      <p:bldP spid="11" grpId="0"/>
-      <p:bldP spid="5" grpId="0"/>
-      <p:bldP spid="15" grpId="0"/>
-    </p:bldLst>
+  </p:timing>
+</p:sld>
+</file>
+
+<file path=ppt/slides/slide9.xml><?xml version="1.0" encoding="utf-8"?>
+<p:sld xmlns:a="http://schemas.openxmlformats.org/drawingml/2006/main" xmlns:r="http://schemas.openxmlformats.org/officeDocument/2006/relationships" xmlns:p="http://schemas.openxmlformats.org/presentationml/2006/main">
+  <p:cSld>
+    <p:bg>
+      <p:bgPr>
+        <a:solidFill>
+          <a:srgbClr val="212121"/>
+        </a:solidFill>
+        <a:effectLst/>
+      </p:bgPr>
+    </p:bg>
+    <p:spTree>
+      <p:nvGrpSpPr>
+        <p:cNvPr id="1" name=""/>
+        <p:cNvGrpSpPr/>
+        <p:nvPr/>
+      </p:nvGrpSpPr>
+      <p:grpSpPr>
+        <a:xfrm>
+          <a:off x="0" y="0"/>
+          <a:ext cx="0" cy="0"/>
+          <a:chOff x="0" y="0"/>
+          <a:chExt cx="0" cy="0"/>
+        </a:xfrm>
+      </p:grpSpPr>
+      <p:sp>
+        <p:nvSpPr>
+          <p:cNvPr id="2" name="Title 1">
+            <a:extLst>
+              <a:ext uri="{FF2B5EF4-FFF2-40B4-BE49-F238E27FC236}">
+                <a16:creationId xmlns:a16="http://schemas.microsoft.com/office/drawing/2014/main" id="{0715C0F7-3639-498A-876B-F3FE9A0EB105}"/>
+              </a:ext>
+            </a:extLst>
+          </p:cNvPr>
+          <p:cNvSpPr>
+            <a:spLocks noGrp="1"/>
+          </p:cNvSpPr>
+          <p:nvPr>
+            <p:ph type="title"/>
+          </p:nvPr>
+        </p:nvSpPr>
+        <p:spPr>
+          <a:xfrm>
+            <a:off x="431800" y="180398"/>
+            <a:ext cx="10515600" cy="1325563"/>
+          </a:xfrm>
+        </p:spPr>
+        <p:txBody>
+          <a:bodyPr>
+            <a:normAutofit/>
+          </a:bodyPr>
+          <a:lstStyle/>
+          <a:p>
+            <a:r>
+              <a:rPr lang="it-IT" sz="4000" dirty="0">
+                <a:solidFill>
+                  <a:schemeClr val="bg1">
+                    <a:lumMod val="95000"/>
+                  </a:schemeClr>
+                </a:solidFill>
+                <a:latin typeface="Roboto" panose="02000000000000000000" pitchFamily="2" charset="0"/>
+                <a:ea typeface="Roboto" panose="02000000000000000000" pitchFamily="2" charset="0"/>
+              </a:rPr>
+              <a:t>External API • </a:t>
+            </a:r>
+            <a:r>
+              <a:rPr lang="it-IT" sz="4000" dirty="0">
+                <a:solidFill>
+                  <a:srgbClr val="CAFFE7"/>
+                </a:solidFill>
+                <a:latin typeface="Roboto" panose="02000000000000000000" pitchFamily="2" charset="0"/>
+                <a:ea typeface="Roboto" panose="02000000000000000000" pitchFamily="2" charset="0"/>
+              </a:rPr>
+              <a:t>QUEUE</a:t>
+            </a:r>
+          </a:p>
+        </p:txBody>
+      </p:sp>
+      <p:grpSp>
+        <p:nvGrpSpPr>
+          <p:cNvPr id="80" name="Group 79">
+            <a:extLst>
+              <a:ext uri="{FF2B5EF4-FFF2-40B4-BE49-F238E27FC236}">
+                <a16:creationId xmlns:a16="http://schemas.microsoft.com/office/drawing/2014/main" id="{27B321D7-3101-434E-9EBB-2DD8C4F822D3}"/>
+              </a:ext>
+            </a:extLst>
+          </p:cNvPr>
+          <p:cNvGrpSpPr/>
+          <p:nvPr/>
+        </p:nvGrpSpPr>
+        <p:grpSpPr>
+          <a:xfrm>
+            <a:off x="431800" y="1550355"/>
+            <a:ext cx="11269870" cy="814060"/>
+            <a:chOff x="431800" y="1550355"/>
+            <a:chExt cx="11269870" cy="814060"/>
+          </a:xfrm>
+        </p:grpSpPr>
+        <p:grpSp>
+          <p:nvGrpSpPr>
+            <p:cNvPr id="16" name="Group 15">
+              <a:extLst>
+                <a:ext uri="{FF2B5EF4-FFF2-40B4-BE49-F238E27FC236}">
+                  <a16:creationId xmlns:a16="http://schemas.microsoft.com/office/drawing/2014/main" id="{FA1F6881-9AF7-4DFE-ADF6-60487BBCFEA3}"/>
+                </a:ext>
+              </a:extLst>
+            </p:cNvPr>
+            <p:cNvGrpSpPr/>
+            <p:nvPr/>
+          </p:nvGrpSpPr>
+          <p:grpSpPr>
+            <a:xfrm>
+              <a:off x="9065724" y="1550355"/>
+              <a:ext cx="2635946" cy="814060"/>
+              <a:chOff x="8530701" y="1550355"/>
+              <a:chExt cx="2635946" cy="814060"/>
+            </a:xfrm>
+          </p:grpSpPr>
+          <p:grpSp>
+            <p:nvGrpSpPr>
+              <p:cNvPr id="11" name="Group 10">
+                <a:extLst>
+                  <a:ext uri="{FF2B5EF4-FFF2-40B4-BE49-F238E27FC236}">
+                    <a16:creationId xmlns:a16="http://schemas.microsoft.com/office/drawing/2014/main" id="{1007905C-9B7A-4D50-A361-63F15270ACEE}"/>
+                  </a:ext>
+                </a:extLst>
+              </p:cNvPr>
+              <p:cNvGrpSpPr/>
+              <p:nvPr/>
+            </p:nvGrpSpPr>
+            <p:grpSpPr>
+              <a:xfrm>
+                <a:off x="8530701" y="1550355"/>
+                <a:ext cx="997389" cy="814060"/>
+                <a:chOff x="8530701" y="1550355"/>
+                <a:chExt cx="997389" cy="814060"/>
+              </a:xfrm>
+            </p:grpSpPr>
+            <p:pic>
+              <p:nvPicPr>
+                <p:cNvPr id="7" name="Graphic 6">
+                  <a:extLst>
+                    <a:ext uri="{FF2B5EF4-FFF2-40B4-BE49-F238E27FC236}">
+                      <a16:creationId xmlns:a16="http://schemas.microsoft.com/office/drawing/2014/main" id="{68953AA4-91A2-4E46-9D69-1EE005C1751F}"/>
+                    </a:ext>
+                  </a:extLst>
+                </p:cNvPr>
+                <p:cNvPicPr>
+                  <a:picLocks noChangeAspect="1"/>
+                </p:cNvPicPr>
+                <p:nvPr/>
+              </p:nvPicPr>
+              <p:blipFill>
+                <a:blip r:embed="rId2">
+                  <a:extLst>
+                    <a:ext uri="{28A0092B-C50C-407E-A947-70E740481C1C}">
+                      <a14:useLocalDpi xmlns:a14="http://schemas.microsoft.com/office/drawing/2010/main" val="0"/>
+                    </a:ext>
+                    <a:ext uri="{96DAC541-7B7A-43D3-8B79-37D633B846F1}">
+                      <asvg:svgBlip xmlns:asvg="http://schemas.microsoft.com/office/drawing/2016/SVG/main" r:embed="rId3"/>
+                    </a:ext>
+                  </a:extLst>
+                </a:blip>
+                <a:stretch>
+                  <a:fillRect/>
+                </a:stretch>
+              </p:blipFill>
+              <p:spPr>
+                <a:xfrm>
+                  <a:off x="8753172" y="1550355"/>
+                  <a:ext cx="552450" cy="552450"/>
+                </a:xfrm>
+                <a:prstGeom prst="rect">
+                  <a:avLst/>
+                </a:prstGeom>
+              </p:spPr>
+            </p:pic>
+            <p:sp>
+              <p:nvSpPr>
+                <p:cNvPr id="8" name="TextBox 7">
+                  <a:extLst>
+                    <a:ext uri="{FF2B5EF4-FFF2-40B4-BE49-F238E27FC236}">
+                      <a16:creationId xmlns:a16="http://schemas.microsoft.com/office/drawing/2014/main" id="{A72B3E1A-B390-4012-9DA8-113AE975CCD7}"/>
+                    </a:ext>
+                  </a:extLst>
+                </p:cNvPr>
+                <p:cNvSpPr txBox="1"/>
+                <p:nvPr/>
+              </p:nvSpPr>
+              <p:spPr>
+                <a:xfrm>
+                  <a:off x="8530701" y="2102805"/>
+                  <a:ext cx="997389" cy="261610"/>
+                </a:xfrm>
+                <a:prstGeom prst="rect">
+                  <a:avLst/>
+                </a:prstGeom>
+                <a:noFill/>
+              </p:spPr>
+              <p:txBody>
+                <a:bodyPr wrap="none" rtlCol="0">
+                  <a:spAutoFit/>
+                </a:bodyPr>
+                <a:lstStyle/>
+                <a:p>
+                  <a:r>
+                    <a:rPr lang="en-US" sz="1100" dirty="0">
+                      <a:solidFill>
+                        <a:srgbClr val="E6EE9C"/>
+                      </a:solidFill>
+                      <a:latin typeface="Roboto" panose="02000000000000000000" pitchFamily="2" charset="0"/>
+                      <a:ea typeface="Roboto" panose="02000000000000000000" pitchFamily="2" charset="0"/>
+                    </a:rPr>
+                    <a:t>BUSINESSES</a:t>
+                  </a:r>
+                </a:p>
+              </p:txBody>
+            </p:sp>
+          </p:grpSp>
+          <p:sp>
+            <p:nvSpPr>
+              <p:cNvPr id="9" name="TextBox 8">
+                <a:extLst>
+                  <a:ext uri="{FF2B5EF4-FFF2-40B4-BE49-F238E27FC236}">
+                    <a16:creationId xmlns:a16="http://schemas.microsoft.com/office/drawing/2014/main" id="{0DFD7CFB-51C7-4EBB-B420-8D1813A848FE}"/>
+                  </a:ext>
+                </a:extLst>
+              </p:cNvPr>
+              <p:cNvSpPr txBox="1"/>
+              <p:nvPr/>
+            </p:nvSpPr>
+            <p:spPr>
+              <a:xfrm>
+                <a:off x="9789347" y="1588053"/>
+                <a:ext cx="1377300" cy="738664"/>
+              </a:xfrm>
+              <a:prstGeom prst="rect">
+                <a:avLst/>
+              </a:prstGeom>
+              <a:noFill/>
+            </p:spPr>
+            <p:txBody>
+              <a:bodyPr wrap="none" rtlCol="0">
+                <a:spAutoFit/>
+              </a:bodyPr>
+              <a:lstStyle/>
+              <a:p>
+                <a:r>
+                  <a:rPr lang="en-US" sz="1400" dirty="0">
+                    <a:solidFill>
+                      <a:schemeClr val="bg1"/>
+                    </a:solidFill>
+                    <a:latin typeface="Consolas" panose="020B0609020204030204" pitchFamily="49" charset="0"/>
+                  </a:rPr>
+                  <a:t>id</a:t>
+                </a:r>
+              </a:p>
+              <a:p>
+                <a:r>
+                  <a:rPr lang="en-US" sz="1400" dirty="0">
+                    <a:solidFill>
+                      <a:schemeClr val="bg1"/>
+                    </a:solidFill>
+                    <a:latin typeface="Consolas" panose="020B0609020204030204" pitchFamily="49" charset="0"/>
+                  </a:rPr>
+                  <a:t>name</a:t>
+                </a:r>
+              </a:p>
+              <a:p>
+                <a:r>
+                  <a:rPr lang="en-US" sz="1400" dirty="0">
+                    <a:solidFill>
+                      <a:schemeClr val="bg1"/>
+                    </a:solidFill>
+                    <a:latin typeface="Consolas" panose="020B0609020204030204" pitchFamily="49" charset="0"/>
+                  </a:rPr>
+                  <a:t>opening_days</a:t>
+                </a:r>
+              </a:p>
+            </p:txBody>
+          </p:sp>
+        </p:grpSp>
+        <p:grpSp>
+          <p:nvGrpSpPr>
+            <p:cNvPr id="56" name="Group 55">
+              <a:extLst>
+                <a:ext uri="{FF2B5EF4-FFF2-40B4-BE49-F238E27FC236}">
+                  <a16:creationId xmlns:a16="http://schemas.microsoft.com/office/drawing/2014/main" id="{EE058871-94EE-469A-9390-5EC1E0DD6337}"/>
+                </a:ext>
+              </a:extLst>
+            </p:cNvPr>
+            <p:cNvGrpSpPr/>
+            <p:nvPr/>
+          </p:nvGrpSpPr>
+          <p:grpSpPr>
+            <a:xfrm>
+              <a:off x="431800" y="1772719"/>
+              <a:ext cx="6116037" cy="369332"/>
+              <a:chOff x="431800" y="1772719"/>
+              <a:chExt cx="6116037" cy="369332"/>
+            </a:xfrm>
+          </p:grpSpPr>
+          <p:sp>
+            <p:nvSpPr>
+              <p:cNvPr id="3" name="TextBox 2">
+                <a:extLst>
+                  <a:ext uri="{FF2B5EF4-FFF2-40B4-BE49-F238E27FC236}">
+                    <a16:creationId xmlns:a16="http://schemas.microsoft.com/office/drawing/2014/main" id="{CD973CF3-71A1-4A46-857F-59F4CF19E511}"/>
+                  </a:ext>
+                </a:extLst>
+              </p:cNvPr>
+              <p:cNvSpPr txBox="1"/>
+              <p:nvPr/>
+            </p:nvSpPr>
+            <p:spPr>
+              <a:xfrm>
+                <a:off x="1492117" y="1772719"/>
+                <a:ext cx="5055720" cy="369332"/>
+              </a:xfrm>
+              <a:prstGeom prst="rect">
+                <a:avLst/>
+              </a:prstGeom>
+              <a:noFill/>
+            </p:spPr>
+            <p:txBody>
+              <a:bodyPr wrap="square" rtlCol="0">
+                <a:spAutoFit/>
+              </a:bodyPr>
+              <a:lstStyle/>
+              <a:p>
+                <a:r>
+                  <a:rPr lang="en-US" dirty="0">
+                    <a:solidFill>
+                      <a:schemeClr val="bg2">
+                        <a:lumMod val="50000"/>
+                      </a:schemeClr>
+                    </a:solidFill>
+                  </a:rPr>
+                  <a:t>https://mobile-project-****.twil.io</a:t>
+                </a:r>
+                <a:r>
+                  <a:rPr lang="en-US" dirty="0">
+                    <a:solidFill>
+                      <a:schemeClr val="bg1"/>
+                    </a:solidFill>
+                  </a:rPr>
+                  <a:t>/business/list</a:t>
+                </a:r>
+                <a:endParaRPr lang="it-IT" dirty="0">
+                  <a:solidFill>
+                    <a:schemeClr val="bg1"/>
+                  </a:solidFill>
+                </a:endParaRPr>
+              </a:p>
+            </p:txBody>
+          </p:sp>
+          <p:sp>
+            <p:nvSpPr>
+              <p:cNvPr id="40" name="Rectangle: Rounded Corners 39">
+                <a:extLst>
+                  <a:ext uri="{FF2B5EF4-FFF2-40B4-BE49-F238E27FC236}">
+                    <a16:creationId xmlns:a16="http://schemas.microsoft.com/office/drawing/2014/main" id="{DCA0AD21-1B79-4AF1-9F9D-B384A24BB992}"/>
+                  </a:ext>
+                </a:extLst>
+              </p:cNvPr>
+              <p:cNvSpPr/>
+              <p:nvPr/>
+            </p:nvSpPr>
+            <p:spPr>
+              <a:xfrm>
+                <a:off x="431800" y="1855469"/>
+                <a:ext cx="498405" cy="238760"/>
+              </a:xfrm>
+              <a:prstGeom prst="roundRect">
+                <a:avLst/>
+              </a:prstGeom>
+              <a:solidFill>
+                <a:srgbClr val="E6EE9C"/>
+              </a:solidFill>
+              <a:ln>
+                <a:noFill/>
+              </a:ln>
+            </p:spPr>
+            <p:style>
+              <a:lnRef idx="2">
+                <a:schemeClr val="accent1">
+                  <a:shade val="50000"/>
+                </a:schemeClr>
+              </a:lnRef>
+              <a:fillRef idx="1">
+                <a:schemeClr val="accent1"/>
+              </a:fillRef>
+              <a:effectRef idx="0">
+                <a:schemeClr val="accent1"/>
+              </a:effectRef>
+              <a:fontRef idx="minor">
+                <a:schemeClr val="lt1"/>
+              </a:fontRef>
+            </p:style>
+            <p:txBody>
+              <a:bodyPr rtlCol="0" anchor="ctr"/>
+              <a:lstStyle/>
+              <a:p>
+                <a:pPr algn="ctr"/>
+                <a:r>
+                  <a:rPr lang="en-US" sz="800" b="1" dirty="0">
+                    <a:solidFill>
+                      <a:srgbClr val="212121"/>
+                    </a:solidFill>
+                    <a:latin typeface="Roboto" panose="02000000000000000000" pitchFamily="2" charset="0"/>
+                    <a:ea typeface="Roboto" panose="02000000000000000000" pitchFamily="2" charset="0"/>
+                  </a:rPr>
+                  <a:t>GET</a:t>
+                </a:r>
+              </a:p>
+            </p:txBody>
+          </p:sp>
+        </p:grpSp>
+        <p:grpSp>
+          <p:nvGrpSpPr>
+            <p:cNvPr id="69" name="Group 68">
+              <a:extLst>
+                <a:ext uri="{FF2B5EF4-FFF2-40B4-BE49-F238E27FC236}">
+                  <a16:creationId xmlns:a16="http://schemas.microsoft.com/office/drawing/2014/main" id="{0FCF8835-CC90-4ED3-9651-06A5315156CB}"/>
+                </a:ext>
+              </a:extLst>
+            </p:cNvPr>
+            <p:cNvGrpSpPr/>
+            <p:nvPr/>
+          </p:nvGrpSpPr>
+          <p:grpSpPr>
+            <a:xfrm>
+              <a:off x="7446562" y="1888505"/>
+              <a:ext cx="720437" cy="137760"/>
+              <a:chOff x="7047345" y="2004291"/>
+              <a:chExt cx="720437" cy="137760"/>
+            </a:xfrm>
+          </p:grpSpPr>
+          <p:cxnSp>
+            <p:nvCxnSpPr>
+              <p:cNvPr id="67" name="Straight Arrow Connector 66">
+                <a:extLst>
+                  <a:ext uri="{FF2B5EF4-FFF2-40B4-BE49-F238E27FC236}">
+                    <a16:creationId xmlns:a16="http://schemas.microsoft.com/office/drawing/2014/main" id="{08FB52E5-2067-4038-87F7-81F9775F058A}"/>
+                  </a:ext>
+                </a:extLst>
+              </p:cNvPr>
+              <p:cNvCxnSpPr/>
+              <p:nvPr/>
+            </p:nvCxnSpPr>
+            <p:spPr>
+              <a:xfrm>
+                <a:off x="7047345" y="2004291"/>
+                <a:ext cx="720437" cy="0"/>
+              </a:xfrm>
+              <a:prstGeom prst="straightConnector1">
+                <a:avLst/>
+              </a:prstGeom>
+              <a:ln w="22225" cap="rnd">
+                <a:solidFill>
+                  <a:schemeClr val="tx1">
+                    <a:lumMod val="65000"/>
+                    <a:lumOff val="35000"/>
+                  </a:schemeClr>
+                </a:solidFill>
+                <a:round/>
+                <a:tailEnd type="triangle" w="lg" len="med"/>
+              </a:ln>
+            </p:spPr>
+            <p:style>
+              <a:lnRef idx="1">
+                <a:schemeClr val="accent1"/>
+              </a:lnRef>
+              <a:fillRef idx="0">
+                <a:schemeClr val="accent1"/>
+              </a:fillRef>
+              <a:effectRef idx="0">
+                <a:schemeClr val="accent1"/>
+              </a:effectRef>
+              <a:fontRef idx="minor">
+                <a:schemeClr val="tx1"/>
+              </a:fontRef>
+            </p:style>
+          </p:cxnSp>
+          <p:cxnSp>
+            <p:nvCxnSpPr>
+              <p:cNvPr id="68" name="Straight Arrow Connector 67">
+                <a:extLst>
+                  <a:ext uri="{FF2B5EF4-FFF2-40B4-BE49-F238E27FC236}">
+                    <a16:creationId xmlns:a16="http://schemas.microsoft.com/office/drawing/2014/main" id="{05249BED-CB2F-4BDE-A6A4-669DF77006E4}"/>
+                  </a:ext>
+                </a:extLst>
+              </p:cNvPr>
+              <p:cNvCxnSpPr>
+                <a:cxnSpLocks/>
+              </p:cNvCxnSpPr>
+              <p:nvPr/>
+            </p:nvCxnSpPr>
+            <p:spPr>
+              <a:xfrm flipH="1">
+                <a:off x="7047345" y="2142051"/>
+                <a:ext cx="720437" cy="0"/>
+              </a:xfrm>
+              <a:prstGeom prst="straightConnector1">
+                <a:avLst/>
+              </a:prstGeom>
+              <a:ln w="22225" cap="rnd">
+                <a:solidFill>
+                  <a:schemeClr val="tx1">
+                    <a:lumMod val="65000"/>
+                    <a:lumOff val="35000"/>
+                  </a:schemeClr>
+                </a:solidFill>
+                <a:round/>
+                <a:tailEnd type="triangle" w="lg" len="med"/>
+              </a:ln>
+            </p:spPr>
+            <p:style>
+              <a:lnRef idx="1">
+                <a:schemeClr val="accent1"/>
+              </a:lnRef>
+              <a:fillRef idx="0">
+                <a:schemeClr val="accent1"/>
+              </a:fillRef>
+              <a:effectRef idx="0">
+                <a:schemeClr val="accent1"/>
+              </a:effectRef>
+              <a:fontRef idx="minor">
+                <a:schemeClr val="tx1"/>
+              </a:fontRef>
+            </p:style>
+          </p:cxnSp>
+        </p:grpSp>
+      </p:grpSp>
+      <p:grpSp>
+        <p:nvGrpSpPr>
+          <p:cNvPr id="81" name="Group 80">
+            <a:extLst>
+              <a:ext uri="{FF2B5EF4-FFF2-40B4-BE49-F238E27FC236}">
+                <a16:creationId xmlns:a16="http://schemas.microsoft.com/office/drawing/2014/main" id="{44D49F12-C1CE-4EB9-B13E-3B9EACF30793}"/>
+              </a:ext>
+            </a:extLst>
+          </p:cNvPr>
+          <p:cNvGrpSpPr/>
+          <p:nvPr/>
+        </p:nvGrpSpPr>
+        <p:grpSpPr>
+          <a:xfrm>
+            <a:off x="431800" y="3266658"/>
+            <a:ext cx="11167919" cy="814060"/>
+            <a:chOff x="431800" y="3266658"/>
+            <a:chExt cx="11167919" cy="814060"/>
+          </a:xfrm>
+        </p:grpSpPr>
+        <p:grpSp>
+          <p:nvGrpSpPr>
+            <p:cNvPr id="45" name="Group 44">
+              <a:extLst>
+                <a:ext uri="{FF2B5EF4-FFF2-40B4-BE49-F238E27FC236}">
+                  <a16:creationId xmlns:a16="http://schemas.microsoft.com/office/drawing/2014/main" id="{7FDAC426-F38E-4051-BAF1-C767F5A9B23D}"/>
+                </a:ext>
+              </a:extLst>
+            </p:cNvPr>
+            <p:cNvGrpSpPr/>
+            <p:nvPr/>
+          </p:nvGrpSpPr>
+          <p:grpSpPr>
+            <a:xfrm>
+              <a:off x="9259688" y="3266658"/>
+              <a:ext cx="2340031" cy="814060"/>
+              <a:chOff x="8724665" y="3305658"/>
+              <a:chExt cx="2340031" cy="814060"/>
+            </a:xfrm>
+          </p:grpSpPr>
+          <p:grpSp>
+            <p:nvGrpSpPr>
+              <p:cNvPr id="44" name="Group 43">
+                <a:extLst>
+                  <a:ext uri="{FF2B5EF4-FFF2-40B4-BE49-F238E27FC236}">
+                    <a16:creationId xmlns:a16="http://schemas.microsoft.com/office/drawing/2014/main" id="{9C9E787A-DCF0-4FB6-BDCD-B09EF2D38D10}"/>
+                  </a:ext>
+                </a:extLst>
+              </p:cNvPr>
+              <p:cNvGrpSpPr/>
+              <p:nvPr/>
+            </p:nvGrpSpPr>
+            <p:grpSpPr>
+              <a:xfrm>
+                <a:off x="8724665" y="3305658"/>
+                <a:ext cx="609462" cy="814060"/>
+                <a:chOff x="8724665" y="3360293"/>
+                <a:chExt cx="609462" cy="814060"/>
+              </a:xfrm>
+            </p:grpSpPr>
+            <p:pic>
+              <p:nvPicPr>
+                <p:cNvPr id="20" name="Graphic 19">
+                  <a:extLst>
+                    <a:ext uri="{FF2B5EF4-FFF2-40B4-BE49-F238E27FC236}">
+                      <a16:creationId xmlns:a16="http://schemas.microsoft.com/office/drawing/2014/main" id="{0D4EE544-4C25-4FEC-B14D-27D5533B6312}"/>
+                    </a:ext>
+                  </a:extLst>
+                </p:cNvPr>
+                <p:cNvPicPr>
+                  <a:picLocks noChangeAspect="1"/>
+                </p:cNvPicPr>
+                <p:nvPr/>
+              </p:nvPicPr>
+              <p:blipFill>
+                <a:blip r:embed="rId2">
+                  <a:extLst>
+                    <a:ext uri="{28A0092B-C50C-407E-A947-70E740481C1C}">
+                      <a14:useLocalDpi xmlns:a14="http://schemas.microsoft.com/office/drawing/2010/main" val="0"/>
+                    </a:ext>
+                    <a:ext uri="{96DAC541-7B7A-43D3-8B79-37D633B846F1}">
+                      <asvg:svgBlip xmlns:asvg="http://schemas.microsoft.com/office/drawing/2016/SVG/main" r:embed="rId3"/>
+                    </a:ext>
+                  </a:extLst>
+                </a:blip>
+                <a:stretch>
+                  <a:fillRect/>
+                </a:stretch>
+              </p:blipFill>
+              <p:spPr>
+                <a:xfrm>
+                  <a:off x="8753171" y="3360293"/>
+                  <a:ext cx="552450" cy="552450"/>
+                </a:xfrm>
+                <a:prstGeom prst="rect">
+                  <a:avLst/>
+                </a:prstGeom>
+              </p:spPr>
+            </p:pic>
+            <p:sp>
+              <p:nvSpPr>
+                <p:cNvPr id="21" name="TextBox 20">
+                  <a:extLst>
+                    <a:ext uri="{FF2B5EF4-FFF2-40B4-BE49-F238E27FC236}">
+                      <a16:creationId xmlns:a16="http://schemas.microsoft.com/office/drawing/2014/main" id="{C5CA5D0B-D31E-423C-86D7-1557133E3D77}"/>
+                    </a:ext>
+                  </a:extLst>
+                </p:cNvPr>
+                <p:cNvSpPr txBox="1"/>
+                <p:nvPr/>
+              </p:nvSpPr>
+              <p:spPr>
+                <a:xfrm>
+                  <a:off x="8724665" y="3912743"/>
+                  <a:ext cx="609462" cy="261610"/>
+                </a:xfrm>
+                <a:prstGeom prst="rect">
+                  <a:avLst/>
+                </a:prstGeom>
+                <a:noFill/>
+                <a:ln>
+                  <a:noFill/>
+                </a:ln>
+              </p:spPr>
+              <p:txBody>
+                <a:bodyPr wrap="none" rtlCol="0">
+                  <a:spAutoFit/>
+                </a:bodyPr>
+                <a:lstStyle/>
+                <a:p>
+                  <a:r>
+                    <a:rPr lang="en-US" sz="1100" dirty="0">
+                      <a:solidFill>
+                        <a:srgbClr val="E6EE9C"/>
+                      </a:solidFill>
+                      <a:latin typeface="Roboto" panose="02000000000000000000" pitchFamily="2" charset="0"/>
+                      <a:ea typeface="Roboto" panose="02000000000000000000" pitchFamily="2" charset="0"/>
+                    </a:rPr>
+                    <a:t>USERS</a:t>
+                  </a:r>
+                </a:p>
+              </p:txBody>
+            </p:sp>
+          </p:grpSp>
+          <p:sp>
+            <p:nvSpPr>
+              <p:cNvPr id="22" name="TextBox 21">
+                <a:extLst>
+                  <a:ext uri="{FF2B5EF4-FFF2-40B4-BE49-F238E27FC236}">
+                    <a16:creationId xmlns:a16="http://schemas.microsoft.com/office/drawing/2014/main" id="{E2D87565-CA86-425D-99D1-9E13E5E4618C}"/>
+                  </a:ext>
+                </a:extLst>
+              </p:cNvPr>
+              <p:cNvSpPr txBox="1"/>
+              <p:nvPr/>
+            </p:nvSpPr>
+            <p:spPr>
+              <a:xfrm>
+                <a:off x="9786782" y="3343356"/>
+                <a:ext cx="1277914" cy="738664"/>
+              </a:xfrm>
+              <a:prstGeom prst="rect">
+                <a:avLst/>
+              </a:prstGeom>
+              <a:noFill/>
+            </p:spPr>
+            <p:txBody>
+              <a:bodyPr wrap="none" rtlCol="0">
+                <a:spAutoFit/>
+              </a:bodyPr>
+              <a:lstStyle/>
+              <a:p>
+                <a:r>
+                  <a:rPr lang="en-US" sz="1400" dirty="0">
+                    <a:solidFill>
+                      <a:schemeClr val="bg1"/>
+                    </a:solidFill>
+                    <a:latin typeface="Consolas" panose="020B0609020204030204" pitchFamily="49" charset="0"/>
+                  </a:rPr>
+                  <a:t>business_id</a:t>
+                </a:r>
+              </a:p>
+              <a:p>
+                <a:r>
+                  <a:rPr lang="en-US" sz="1400" dirty="0">
+                    <a:solidFill>
+                      <a:schemeClr val="bg1"/>
+                    </a:solidFill>
+                    <a:latin typeface="Consolas" panose="020B0609020204030204" pitchFamily="49" charset="0"/>
+                  </a:rPr>
+                  <a:t>date</a:t>
+                </a:r>
+              </a:p>
+              <a:p>
+                <a:r>
+                  <a:rPr lang="en-US" sz="1400" dirty="0">
+                    <a:solidFill>
+                      <a:schemeClr val="bg1"/>
+                    </a:solidFill>
+                    <a:latin typeface="Consolas" panose="020B0609020204030204" pitchFamily="49" charset="0"/>
+                  </a:rPr>
+                  <a:t>hour</a:t>
+                </a:r>
+              </a:p>
+            </p:txBody>
+          </p:sp>
+        </p:grpSp>
+        <p:grpSp>
+          <p:nvGrpSpPr>
+            <p:cNvPr id="58" name="Group 57">
+              <a:extLst>
+                <a:ext uri="{FF2B5EF4-FFF2-40B4-BE49-F238E27FC236}">
+                  <a16:creationId xmlns:a16="http://schemas.microsoft.com/office/drawing/2014/main" id="{11CC9FE3-3D75-4414-AF3C-D69286282E8B}"/>
+                </a:ext>
+              </a:extLst>
+            </p:cNvPr>
+            <p:cNvGrpSpPr/>
+            <p:nvPr/>
+          </p:nvGrpSpPr>
+          <p:grpSpPr>
+            <a:xfrm>
+              <a:off x="431800" y="3489022"/>
+              <a:ext cx="6116036" cy="369332"/>
+              <a:chOff x="431800" y="3528022"/>
+              <a:chExt cx="6116036" cy="369332"/>
+            </a:xfrm>
+          </p:grpSpPr>
+          <p:sp>
+            <p:nvSpPr>
+              <p:cNvPr id="19" name="TextBox 2">
+                <a:extLst>
+                  <a:ext uri="{FF2B5EF4-FFF2-40B4-BE49-F238E27FC236}">
+                    <a16:creationId xmlns:a16="http://schemas.microsoft.com/office/drawing/2014/main" id="{2DB14027-AC6A-4DE7-B1C3-06662DB73C56}"/>
+                  </a:ext>
+                </a:extLst>
+              </p:cNvPr>
+              <p:cNvSpPr txBox="1"/>
+              <p:nvPr/>
+            </p:nvSpPr>
+            <p:spPr>
+              <a:xfrm>
+                <a:off x="1492116" y="3528022"/>
+                <a:ext cx="5055720" cy="369332"/>
+              </a:xfrm>
+              <a:prstGeom prst="rect">
+                <a:avLst/>
+              </a:prstGeom>
+              <a:noFill/>
+            </p:spPr>
+            <p:txBody>
+              <a:bodyPr wrap="square" rtlCol="0">
+                <a:spAutoFit/>
+              </a:bodyPr>
+              <a:lstStyle/>
+              <a:p>
+                <a:r>
+                  <a:rPr lang="en-US" dirty="0">
+                    <a:solidFill>
+                      <a:schemeClr val="bg2">
+                        <a:lumMod val="50000"/>
+                      </a:schemeClr>
+                    </a:solidFill>
+                  </a:rPr>
+                  <a:t>https://mobile-project-****.twil.io</a:t>
+                </a:r>
+                <a:r>
+                  <a:rPr lang="en-US" dirty="0">
+                    <a:solidFill>
+                      <a:schemeClr val="bg1"/>
+                    </a:solidFill>
+                  </a:rPr>
+                  <a:t>/queue/list</a:t>
+                </a:r>
+                <a:endParaRPr lang="it-IT" dirty="0">
+                  <a:solidFill>
+                    <a:schemeClr val="bg1"/>
+                  </a:solidFill>
+                </a:endParaRPr>
+              </a:p>
+            </p:txBody>
+          </p:sp>
+          <p:sp>
+            <p:nvSpPr>
+              <p:cNvPr id="41" name="Rectangle: Rounded Corners 40">
+                <a:extLst>
+                  <a:ext uri="{FF2B5EF4-FFF2-40B4-BE49-F238E27FC236}">
+                    <a16:creationId xmlns:a16="http://schemas.microsoft.com/office/drawing/2014/main" id="{4E2D9FD9-CB42-4FDC-8D6C-DFECAD7B3CDB}"/>
+                  </a:ext>
+                </a:extLst>
+              </p:cNvPr>
+              <p:cNvSpPr/>
+              <p:nvPr/>
+            </p:nvSpPr>
+            <p:spPr>
+              <a:xfrm>
+                <a:off x="431800" y="3593308"/>
+                <a:ext cx="498405" cy="238760"/>
+              </a:xfrm>
+              <a:prstGeom prst="roundRect">
+                <a:avLst/>
+              </a:prstGeom>
+              <a:solidFill>
+                <a:srgbClr val="E6EE9C"/>
+              </a:solidFill>
+              <a:ln>
+                <a:noFill/>
+              </a:ln>
+            </p:spPr>
+            <p:style>
+              <a:lnRef idx="2">
+                <a:schemeClr val="accent1">
+                  <a:shade val="50000"/>
+                </a:schemeClr>
+              </a:lnRef>
+              <a:fillRef idx="1">
+                <a:schemeClr val="accent1"/>
+              </a:fillRef>
+              <a:effectRef idx="0">
+                <a:schemeClr val="accent1"/>
+              </a:effectRef>
+              <a:fontRef idx="minor">
+                <a:schemeClr val="lt1"/>
+              </a:fontRef>
+            </p:style>
+            <p:txBody>
+              <a:bodyPr rtlCol="0" anchor="ctr"/>
+              <a:lstStyle/>
+              <a:p>
+                <a:pPr algn="ctr"/>
+                <a:r>
+                  <a:rPr lang="en-US" sz="800" b="1" dirty="0">
+                    <a:solidFill>
+                      <a:srgbClr val="212121"/>
+                    </a:solidFill>
+                    <a:latin typeface="Roboto" panose="02000000000000000000" pitchFamily="2" charset="0"/>
+                    <a:ea typeface="Roboto" panose="02000000000000000000" pitchFamily="2" charset="0"/>
+                  </a:rPr>
+                  <a:t>GET</a:t>
+                </a:r>
+              </a:p>
+            </p:txBody>
+          </p:sp>
+        </p:grpSp>
+        <p:grpSp>
+          <p:nvGrpSpPr>
+            <p:cNvPr id="74" name="Group 73">
+              <a:extLst>
+                <a:ext uri="{FF2B5EF4-FFF2-40B4-BE49-F238E27FC236}">
+                  <a16:creationId xmlns:a16="http://schemas.microsoft.com/office/drawing/2014/main" id="{C1E3E3AD-B40D-44FD-8596-BD843236450E}"/>
+                </a:ext>
+              </a:extLst>
+            </p:cNvPr>
+            <p:cNvGrpSpPr/>
+            <p:nvPr/>
+          </p:nvGrpSpPr>
+          <p:grpSpPr>
+            <a:xfrm>
+              <a:off x="7446561" y="3604808"/>
+              <a:ext cx="720437" cy="137760"/>
+              <a:chOff x="7047345" y="2004291"/>
+              <a:chExt cx="720437" cy="137760"/>
+            </a:xfrm>
+          </p:grpSpPr>
+          <p:cxnSp>
+            <p:nvCxnSpPr>
+              <p:cNvPr id="75" name="Straight Arrow Connector 74">
+                <a:extLst>
+                  <a:ext uri="{FF2B5EF4-FFF2-40B4-BE49-F238E27FC236}">
+                    <a16:creationId xmlns:a16="http://schemas.microsoft.com/office/drawing/2014/main" id="{41EFA078-C4F2-4277-A5D1-E8EA504E37CB}"/>
+                  </a:ext>
+                </a:extLst>
+              </p:cNvPr>
+              <p:cNvCxnSpPr/>
+              <p:nvPr/>
+            </p:nvCxnSpPr>
+            <p:spPr>
+              <a:xfrm>
+                <a:off x="7047345" y="2004291"/>
+                <a:ext cx="720437" cy="0"/>
+              </a:xfrm>
+              <a:prstGeom prst="straightConnector1">
+                <a:avLst/>
+              </a:prstGeom>
+              <a:ln w="22225" cap="rnd">
+                <a:solidFill>
+                  <a:schemeClr val="tx1">
+                    <a:lumMod val="65000"/>
+                    <a:lumOff val="35000"/>
+                  </a:schemeClr>
+                </a:solidFill>
+                <a:round/>
+                <a:tailEnd type="triangle" w="lg" len="med"/>
+              </a:ln>
+            </p:spPr>
+            <p:style>
+              <a:lnRef idx="1">
+                <a:schemeClr val="accent1"/>
+              </a:lnRef>
+              <a:fillRef idx="0">
+                <a:schemeClr val="accent1"/>
+              </a:fillRef>
+              <a:effectRef idx="0">
+                <a:schemeClr val="accent1"/>
+              </a:effectRef>
+              <a:fontRef idx="minor">
+                <a:schemeClr val="tx1"/>
+              </a:fontRef>
+            </p:style>
+          </p:cxnSp>
+          <p:cxnSp>
+            <p:nvCxnSpPr>
+              <p:cNvPr id="76" name="Straight Arrow Connector 75">
+                <a:extLst>
+                  <a:ext uri="{FF2B5EF4-FFF2-40B4-BE49-F238E27FC236}">
+                    <a16:creationId xmlns:a16="http://schemas.microsoft.com/office/drawing/2014/main" id="{D392CC8B-C40B-4ADF-ABBB-BC7C9751097F}"/>
+                  </a:ext>
+                </a:extLst>
+              </p:cNvPr>
+              <p:cNvCxnSpPr>
+                <a:cxnSpLocks/>
+              </p:cNvCxnSpPr>
+              <p:nvPr/>
+            </p:nvCxnSpPr>
+            <p:spPr>
+              <a:xfrm flipH="1">
+                <a:off x="7047345" y="2142051"/>
+                <a:ext cx="720437" cy="0"/>
+              </a:xfrm>
+              <a:prstGeom prst="straightConnector1">
+                <a:avLst/>
+              </a:prstGeom>
+              <a:ln w="22225" cap="rnd">
+                <a:solidFill>
+                  <a:schemeClr val="tx1">
+                    <a:lumMod val="65000"/>
+                    <a:lumOff val="35000"/>
+                  </a:schemeClr>
+                </a:solidFill>
+                <a:round/>
+                <a:tailEnd type="triangle" w="lg" len="med"/>
+              </a:ln>
+            </p:spPr>
+            <p:style>
+              <a:lnRef idx="1">
+                <a:schemeClr val="accent1"/>
+              </a:lnRef>
+              <a:fillRef idx="0">
+                <a:schemeClr val="accent1"/>
+              </a:fillRef>
+              <a:effectRef idx="0">
+                <a:schemeClr val="accent1"/>
+              </a:effectRef>
+              <a:fontRef idx="minor">
+                <a:schemeClr val="tx1"/>
+              </a:fontRef>
+            </p:style>
+          </p:cxnSp>
+        </p:grpSp>
+      </p:grpSp>
+      <p:grpSp>
+        <p:nvGrpSpPr>
+          <p:cNvPr id="82" name="Group 81">
+            <a:extLst>
+              <a:ext uri="{FF2B5EF4-FFF2-40B4-BE49-F238E27FC236}">
+                <a16:creationId xmlns:a16="http://schemas.microsoft.com/office/drawing/2014/main" id="{9B3304DF-D523-40B0-9F6C-A37DD488DC19}"/>
+              </a:ext>
+            </a:extLst>
+          </p:cNvPr>
+          <p:cNvGrpSpPr/>
+          <p:nvPr/>
+        </p:nvGrpSpPr>
+        <p:grpSpPr>
+          <a:xfrm>
+            <a:off x="431800" y="4982962"/>
+            <a:ext cx="10472216" cy="1768167"/>
+            <a:chOff x="431800" y="4982962"/>
+            <a:chExt cx="10472216" cy="1768167"/>
+          </a:xfrm>
+        </p:grpSpPr>
+        <p:grpSp>
+          <p:nvGrpSpPr>
+            <p:cNvPr id="64" name="Group 63">
+              <a:extLst>
+                <a:ext uri="{FF2B5EF4-FFF2-40B4-BE49-F238E27FC236}">
+                  <a16:creationId xmlns:a16="http://schemas.microsoft.com/office/drawing/2014/main" id="{E2F0CFD7-6A1C-417C-9914-80D9BEB8A72D}"/>
+                </a:ext>
+              </a:extLst>
+            </p:cNvPr>
+            <p:cNvGrpSpPr/>
+            <p:nvPr/>
+          </p:nvGrpSpPr>
+          <p:grpSpPr>
+            <a:xfrm>
+              <a:off x="3415427" y="5797022"/>
+              <a:ext cx="2786467" cy="954107"/>
+              <a:chOff x="3415427" y="5797022"/>
+              <a:chExt cx="2786467" cy="954107"/>
+            </a:xfrm>
+          </p:grpSpPr>
+          <p:grpSp>
+            <p:nvGrpSpPr>
+              <p:cNvPr id="50" name="Group 49">
+                <a:extLst>
+                  <a:ext uri="{FF2B5EF4-FFF2-40B4-BE49-F238E27FC236}">
+                    <a16:creationId xmlns:a16="http://schemas.microsoft.com/office/drawing/2014/main" id="{3B813805-8354-4BAF-85F9-0B60C192BF7F}"/>
+                  </a:ext>
+                </a:extLst>
+              </p:cNvPr>
+              <p:cNvGrpSpPr/>
+              <p:nvPr/>
+            </p:nvGrpSpPr>
+            <p:grpSpPr>
+              <a:xfrm>
+                <a:off x="3415427" y="5867045"/>
+                <a:ext cx="1104790" cy="814060"/>
+                <a:chOff x="2346789" y="5834641"/>
+                <a:chExt cx="1104790" cy="814060"/>
+              </a:xfrm>
+            </p:grpSpPr>
+            <p:pic>
+              <p:nvPicPr>
+                <p:cNvPr id="30" name="Graphic 29">
+                  <a:extLst>
+                    <a:ext uri="{FF2B5EF4-FFF2-40B4-BE49-F238E27FC236}">
+                      <a16:creationId xmlns:a16="http://schemas.microsoft.com/office/drawing/2014/main" id="{83A2350B-0639-4DEB-B770-648DF8597C09}"/>
+                    </a:ext>
+                  </a:extLst>
+                </p:cNvPr>
+                <p:cNvPicPr>
+                  <a:picLocks noChangeAspect="1"/>
+                </p:cNvPicPr>
+                <p:nvPr/>
+              </p:nvPicPr>
+              <p:blipFill>
+                <a:blip r:embed="rId2">
+                  <a:extLst>
+                    <a:ext uri="{28A0092B-C50C-407E-A947-70E740481C1C}">
+                      <a14:useLocalDpi xmlns:a14="http://schemas.microsoft.com/office/drawing/2010/main" val="0"/>
+                    </a:ext>
+                    <a:ext uri="{96DAC541-7B7A-43D3-8B79-37D633B846F1}">
+                      <asvg:svgBlip xmlns:asvg="http://schemas.microsoft.com/office/drawing/2016/SVG/main" r:embed="rId3"/>
+                    </a:ext>
+                  </a:extLst>
+                </a:blip>
+                <a:stretch>
+                  <a:fillRect/>
+                </a:stretch>
+              </p:blipFill>
+              <p:spPr>
+                <a:xfrm>
+                  <a:off x="2622959" y="5834641"/>
+                  <a:ext cx="552450" cy="552450"/>
+                </a:xfrm>
+                <a:prstGeom prst="rect">
+                  <a:avLst/>
+                </a:prstGeom>
+              </p:spPr>
+            </p:pic>
+            <p:sp>
+              <p:nvSpPr>
+                <p:cNvPr id="31" name="TextBox 30">
+                  <a:extLst>
+                    <a:ext uri="{FF2B5EF4-FFF2-40B4-BE49-F238E27FC236}">
+                      <a16:creationId xmlns:a16="http://schemas.microsoft.com/office/drawing/2014/main" id="{6DD0DF0B-5FF5-4A7F-957C-0A86A44D819E}"/>
+                    </a:ext>
+                  </a:extLst>
+                </p:cNvPr>
+                <p:cNvSpPr txBox="1"/>
+                <p:nvPr/>
+              </p:nvSpPr>
+              <p:spPr>
+                <a:xfrm>
+                  <a:off x="2346789" y="6387091"/>
+                  <a:ext cx="1104790" cy="261610"/>
+                </a:xfrm>
+                <a:prstGeom prst="rect">
+                  <a:avLst/>
+                </a:prstGeom>
+                <a:noFill/>
+              </p:spPr>
+              <p:txBody>
+                <a:bodyPr wrap="none" rtlCol="0">
+                  <a:spAutoFit/>
+                </a:bodyPr>
+                <a:lstStyle/>
+                <a:p>
+                  <a:r>
+                    <a:rPr lang="en-US" sz="1100" dirty="0">
+                      <a:solidFill>
+                        <a:srgbClr val="E6EE9C"/>
+                      </a:solidFill>
+                      <a:latin typeface="Roboto" panose="02000000000000000000" pitchFamily="2" charset="0"/>
+                      <a:ea typeface="Roboto" panose="02000000000000000000" pitchFamily="2" charset="0"/>
+                    </a:rPr>
+                    <a:t>RESERVATION</a:t>
+                  </a:r>
+                </a:p>
+              </p:txBody>
+            </p:sp>
+          </p:grpSp>
+          <p:sp>
+            <p:nvSpPr>
+              <p:cNvPr id="32" name="TextBox 31">
+                <a:extLst>
+                  <a:ext uri="{FF2B5EF4-FFF2-40B4-BE49-F238E27FC236}">
+                    <a16:creationId xmlns:a16="http://schemas.microsoft.com/office/drawing/2014/main" id="{0C499FFA-5DE7-43A2-8409-75AA9C73A3FD}"/>
+                  </a:ext>
+                </a:extLst>
+              </p:cNvPr>
+              <p:cNvSpPr txBox="1"/>
+              <p:nvPr/>
+            </p:nvSpPr>
+            <p:spPr>
+              <a:xfrm>
+                <a:off x="4725208" y="5797022"/>
+                <a:ext cx="1476686" cy="954107"/>
+              </a:xfrm>
+              <a:prstGeom prst="rect">
+                <a:avLst/>
+              </a:prstGeom>
+              <a:noFill/>
+            </p:spPr>
+            <p:txBody>
+              <a:bodyPr wrap="none" rtlCol="0">
+                <a:spAutoFit/>
+              </a:bodyPr>
+              <a:lstStyle/>
+              <a:p>
+                <a:r>
+                  <a:rPr lang="en-US" sz="1400" dirty="0">
+                    <a:solidFill>
+                      <a:schemeClr val="bg1"/>
+                    </a:solidFill>
+                    <a:latin typeface="Consolas" panose="020B0609020204030204" pitchFamily="49" charset="0"/>
+                  </a:rPr>
+                  <a:t>user_fullname</a:t>
+                </a:r>
+              </a:p>
+              <a:p>
+                <a:r>
+                  <a:rPr lang="en-US" sz="1400" dirty="0">
+                    <a:solidFill>
+                      <a:schemeClr val="bg1"/>
+                    </a:solidFill>
+                    <a:latin typeface="Consolas" panose="020B0609020204030204" pitchFamily="49" charset="0"/>
+                  </a:rPr>
+                  <a:t>business_id</a:t>
+                </a:r>
+              </a:p>
+              <a:p>
+                <a:r>
+                  <a:rPr lang="en-US" sz="1400" dirty="0">
+                    <a:solidFill>
+                      <a:schemeClr val="bg1"/>
+                    </a:solidFill>
+                    <a:latin typeface="Consolas" panose="020B0609020204030204" pitchFamily="49" charset="0"/>
+                  </a:rPr>
+                  <a:t>date</a:t>
+                </a:r>
+              </a:p>
+              <a:p>
+                <a:r>
+                  <a:rPr lang="en-US" sz="1400" dirty="0">
+                    <a:solidFill>
+                      <a:schemeClr val="bg1"/>
+                    </a:solidFill>
+                    <a:latin typeface="Consolas" panose="020B0609020204030204" pitchFamily="49" charset="0"/>
+                  </a:rPr>
+                  <a:t>hour</a:t>
+                </a:r>
+              </a:p>
+            </p:txBody>
+          </p:sp>
+        </p:grpSp>
+        <p:grpSp>
+          <p:nvGrpSpPr>
+            <p:cNvPr id="53" name="Group 52">
+              <a:extLst>
+                <a:ext uri="{FF2B5EF4-FFF2-40B4-BE49-F238E27FC236}">
+                  <a16:creationId xmlns:a16="http://schemas.microsoft.com/office/drawing/2014/main" id="{75DBC716-2952-4ADF-906A-9EFE3DE07F1B}"/>
+                </a:ext>
+              </a:extLst>
+            </p:cNvPr>
+            <p:cNvGrpSpPr/>
+            <p:nvPr/>
+          </p:nvGrpSpPr>
+          <p:grpSpPr>
+            <a:xfrm>
+              <a:off x="9212398" y="4982962"/>
+              <a:ext cx="1691618" cy="814060"/>
+              <a:chOff x="8677375" y="4982962"/>
+              <a:chExt cx="1691618" cy="814060"/>
+            </a:xfrm>
+          </p:grpSpPr>
+          <p:grpSp>
+            <p:nvGrpSpPr>
+              <p:cNvPr id="52" name="Group 51">
+                <a:extLst>
+                  <a:ext uri="{FF2B5EF4-FFF2-40B4-BE49-F238E27FC236}">
+                    <a16:creationId xmlns:a16="http://schemas.microsoft.com/office/drawing/2014/main" id="{0A9D3D74-5909-4C73-9878-A93B1E513027}"/>
+                  </a:ext>
+                </a:extLst>
+              </p:cNvPr>
+              <p:cNvGrpSpPr/>
+              <p:nvPr/>
+            </p:nvGrpSpPr>
+            <p:grpSpPr>
+              <a:xfrm>
+                <a:off x="8677375" y="4982962"/>
+                <a:ext cx="704039" cy="814060"/>
+                <a:chOff x="8677375" y="4982962"/>
+                <a:chExt cx="704039" cy="814060"/>
+              </a:xfrm>
+            </p:grpSpPr>
+            <p:pic>
+              <p:nvPicPr>
+                <p:cNvPr id="35" name="Graphic 34">
+                  <a:extLst>
+                    <a:ext uri="{FF2B5EF4-FFF2-40B4-BE49-F238E27FC236}">
+                      <a16:creationId xmlns:a16="http://schemas.microsoft.com/office/drawing/2014/main" id="{BCAF33A0-AB55-4782-B4D7-7007502CC093}"/>
+                    </a:ext>
+                  </a:extLst>
+                </p:cNvPr>
+                <p:cNvPicPr>
+                  <a:picLocks noChangeAspect="1"/>
+                </p:cNvPicPr>
+                <p:nvPr/>
+              </p:nvPicPr>
+              <p:blipFill>
+                <a:blip r:embed="rId2">
+                  <a:extLst>
+                    <a:ext uri="{28A0092B-C50C-407E-A947-70E740481C1C}">
+                      <a14:useLocalDpi xmlns:a14="http://schemas.microsoft.com/office/drawing/2010/main" val="0"/>
+                    </a:ext>
+                    <a:ext uri="{96DAC541-7B7A-43D3-8B79-37D633B846F1}">
+                      <asvg:svgBlip xmlns:asvg="http://schemas.microsoft.com/office/drawing/2016/SVG/main" r:embed="rId3"/>
+                    </a:ext>
+                  </a:extLst>
+                </a:blip>
+                <a:stretch>
+                  <a:fillRect/>
+                </a:stretch>
+              </p:blipFill>
+              <p:spPr>
+                <a:xfrm>
+                  <a:off x="8753171" y="4982962"/>
+                  <a:ext cx="552450" cy="552450"/>
+                </a:xfrm>
+                <a:prstGeom prst="rect">
+                  <a:avLst/>
+                </a:prstGeom>
+              </p:spPr>
+            </p:pic>
+            <p:sp>
+              <p:nvSpPr>
+                <p:cNvPr id="36" name="TextBox 35">
+                  <a:extLst>
+                    <a:ext uri="{FF2B5EF4-FFF2-40B4-BE49-F238E27FC236}">
+                      <a16:creationId xmlns:a16="http://schemas.microsoft.com/office/drawing/2014/main" id="{F91325B8-7686-41C3-9F6F-A675B66E35F6}"/>
+                    </a:ext>
+                  </a:extLst>
+                </p:cNvPr>
+                <p:cNvSpPr txBox="1"/>
+                <p:nvPr/>
+              </p:nvSpPr>
+              <p:spPr>
+                <a:xfrm>
+                  <a:off x="8677375" y="5535412"/>
+                  <a:ext cx="704039" cy="261610"/>
+                </a:xfrm>
+                <a:prstGeom prst="rect">
+                  <a:avLst/>
+                </a:prstGeom>
+                <a:noFill/>
+              </p:spPr>
+              <p:txBody>
+                <a:bodyPr wrap="none" rtlCol="0">
+                  <a:spAutoFit/>
+                </a:bodyPr>
+                <a:lstStyle/>
+                <a:p>
+                  <a:r>
+                    <a:rPr lang="en-US" sz="1100" dirty="0">
+                      <a:solidFill>
+                        <a:srgbClr val="E6EE9C"/>
+                      </a:solidFill>
+                      <a:latin typeface="Roboto" panose="02000000000000000000" pitchFamily="2" charset="0"/>
+                      <a:ea typeface="Roboto" panose="02000000000000000000" pitchFamily="2" charset="0"/>
+                    </a:rPr>
+                    <a:t>STATUS</a:t>
+                  </a:r>
+                </a:p>
+              </p:txBody>
+            </p:sp>
+          </p:grpSp>
+          <p:sp>
+            <p:nvSpPr>
+              <p:cNvPr id="37" name="TextBox 36">
+                <a:extLst>
+                  <a:ext uri="{FF2B5EF4-FFF2-40B4-BE49-F238E27FC236}">
+                    <a16:creationId xmlns:a16="http://schemas.microsoft.com/office/drawing/2014/main" id="{5BE89F9A-E888-49B9-82B7-7E4A1729C9A5}"/>
+                  </a:ext>
+                </a:extLst>
+              </p:cNvPr>
+              <p:cNvSpPr txBox="1"/>
+              <p:nvPr/>
+            </p:nvSpPr>
+            <p:spPr>
+              <a:xfrm>
+                <a:off x="9786782" y="5236104"/>
+                <a:ext cx="582211" cy="307777"/>
+              </a:xfrm>
+              <a:prstGeom prst="rect">
+                <a:avLst/>
+              </a:prstGeom>
+              <a:noFill/>
+            </p:spPr>
+            <p:txBody>
+              <a:bodyPr wrap="none" rtlCol="0">
+                <a:spAutoFit/>
+              </a:bodyPr>
+              <a:lstStyle/>
+              <a:p>
+                <a:r>
+                  <a:rPr lang="en-US" sz="1400" dirty="0">
+                    <a:solidFill>
+                      <a:schemeClr val="bg1"/>
+                    </a:solidFill>
+                    <a:latin typeface="Consolas" panose="020B0609020204030204" pitchFamily="49" charset="0"/>
+                  </a:rPr>
+                  <a:t>uuid</a:t>
+                </a:r>
+              </a:p>
+            </p:txBody>
+          </p:sp>
+        </p:grpSp>
+        <p:grpSp>
+          <p:nvGrpSpPr>
+            <p:cNvPr id="49" name="Group 48">
+              <a:extLst>
+                <a:ext uri="{FF2B5EF4-FFF2-40B4-BE49-F238E27FC236}">
+                  <a16:creationId xmlns:a16="http://schemas.microsoft.com/office/drawing/2014/main" id="{57EABE7C-A3A3-4276-A2D7-5228512AEE6B}"/>
+                </a:ext>
+              </a:extLst>
+            </p:cNvPr>
+            <p:cNvGrpSpPr/>
+            <p:nvPr/>
+          </p:nvGrpSpPr>
+          <p:grpSpPr>
+            <a:xfrm>
+              <a:off x="431800" y="5205326"/>
+              <a:ext cx="6116036" cy="369332"/>
+              <a:chOff x="431800" y="5222012"/>
+              <a:chExt cx="6116036" cy="369332"/>
+            </a:xfrm>
+          </p:grpSpPr>
+          <p:sp>
+            <p:nvSpPr>
+              <p:cNvPr id="29" name="TextBox 2">
+                <a:extLst>
+                  <a:ext uri="{FF2B5EF4-FFF2-40B4-BE49-F238E27FC236}">
+                    <a16:creationId xmlns:a16="http://schemas.microsoft.com/office/drawing/2014/main" id="{C4AB852F-43BD-48D4-A8B5-61BBE24A53EE}"/>
+                  </a:ext>
+                </a:extLst>
+              </p:cNvPr>
+              <p:cNvSpPr txBox="1"/>
+              <p:nvPr/>
+            </p:nvSpPr>
+            <p:spPr>
+              <a:xfrm>
+                <a:off x="1492116" y="5222012"/>
+                <a:ext cx="5055720" cy="369332"/>
+              </a:xfrm>
+              <a:prstGeom prst="rect">
+                <a:avLst/>
+              </a:prstGeom>
+              <a:noFill/>
+            </p:spPr>
+            <p:txBody>
+              <a:bodyPr wrap="square" rtlCol="0">
+                <a:spAutoFit/>
+              </a:bodyPr>
+              <a:lstStyle/>
+              <a:p>
+                <a:r>
+                  <a:rPr lang="en-US" dirty="0">
+                    <a:solidFill>
+                      <a:schemeClr val="bg2">
+                        <a:lumMod val="50000"/>
+                      </a:schemeClr>
+                    </a:solidFill>
+                  </a:rPr>
+                  <a:t>https://mobile-project-****.twil.io</a:t>
+                </a:r>
+                <a:r>
+                  <a:rPr lang="en-US" dirty="0">
+                    <a:solidFill>
+                      <a:schemeClr val="bg1"/>
+                    </a:solidFill>
+                  </a:rPr>
+                  <a:t>/queue/enter</a:t>
+                </a:r>
+                <a:endParaRPr lang="it-IT" dirty="0">
+                  <a:solidFill>
+                    <a:schemeClr val="bg1"/>
+                  </a:solidFill>
+                </a:endParaRPr>
+              </a:p>
+            </p:txBody>
+          </p:sp>
+          <p:sp>
+            <p:nvSpPr>
+              <p:cNvPr id="42" name="Rectangle: Rounded Corners 41">
+                <a:extLst>
+                  <a:ext uri="{FF2B5EF4-FFF2-40B4-BE49-F238E27FC236}">
+                    <a16:creationId xmlns:a16="http://schemas.microsoft.com/office/drawing/2014/main" id="{05B9177D-AF6B-4AAB-BEFF-186C9F4F1F1D}"/>
+                  </a:ext>
+                </a:extLst>
+              </p:cNvPr>
+              <p:cNvSpPr/>
+              <p:nvPr/>
+            </p:nvSpPr>
+            <p:spPr>
+              <a:xfrm>
+                <a:off x="431800" y="5287298"/>
+                <a:ext cx="498405" cy="238760"/>
+              </a:xfrm>
+              <a:prstGeom prst="roundRect">
+                <a:avLst/>
+              </a:prstGeom>
+              <a:solidFill>
+                <a:srgbClr val="E6EE9C"/>
+              </a:solidFill>
+              <a:ln>
+                <a:noFill/>
+              </a:ln>
+            </p:spPr>
+            <p:style>
+              <a:lnRef idx="2">
+                <a:schemeClr val="accent1">
+                  <a:shade val="50000"/>
+                </a:schemeClr>
+              </a:lnRef>
+              <a:fillRef idx="1">
+                <a:schemeClr val="accent1"/>
+              </a:fillRef>
+              <a:effectRef idx="0">
+                <a:schemeClr val="accent1"/>
+              </a:effectRef>
+              <a:fontRef idx="minor">
+                <a:schemeClr val="lt1"/>
+              </a:fontRef>
+            </p:style>
+            <p:txBody>
+              <a:bodyPr rtlCol="0" anchor="ctr"/>
+              <a:lstStyle/>
+              <a:p>
+                <a:pPr algn="ctr"/>
+                <a:r>
+                  <a:rPr lang="en-US" sz="800" b="1" dirty="0">
+                    <a:solidFill>
+                      <a:srgbClr val="212121"/>
+                    </a:solidFill>
+                    <a:latin typeface="Roboto" panose="02000000000000000000" pitchFamily="2" charset="0"/>
+                    <a:ea typeface="Roboto" panose="02000000000000000000" pitchFamily="2" charset="0"/>
+                  </a:rPr>
+                  <a:t>POST</a:t>
+                </a:r>
+                <a:endParaRPr lang="en-US" b="1" dirty="0">
+                  <a:solidFill>
+                    <a:srgbClr val="212121"/>
+                  </a:solidFill>
+                  <a:latin typeface="Roboto" panose="02000000000000000000" pitchFamily="2" charset="0"/>
+                  <a:ea typeface="Roboto" panose="02000000000000000000" pitchFamily="2" charset="0"/>
+                </a:endParaRPr>
+              </a:p>
+            </p:txBody>
+          </p:sp>
+        </p:grpSp>
+        <p:grpSp>
+          <p:nvGrpSpPr>
+            <p:cNvPr id="77" name="Group 76">
+              <a:extLst>
+                <a:ext uri="{FF2B5EF4-FFF2-40B4-BE49-F238E27FC236}">
+                  <a16:creationId xmlns:a16="http://schemas.microsoft.com/office/drawing/2014/main" id="{0F1422F8-E3F6-4D82-84F7-2D5C9BA4C823}"/>
+                </a:ext>
+              </a:extLst>
+            </p:cNvPr>
+            <p:cNvGrpSpPr/>
+            <p:nvPr/>
+          </p:nvGrpSpPr>
+          <p:grpSpPr>
+            <a:xfrm>
+              <a:off x="7446561" y="5321112"/>
+              <a:ext cx="720437" cy="137760"/>
+              <a:chOff x="7047345" y="2004291"/>
+              <a:chExt cx="720437" cy="137760"/>
+            </a:xfrm>
+          </p:grpSpPr>
+          <p:cxnSp>
+            <p:nvCxnSpPr>
+              <p:cNvPr id="78" name="Straight Arrow Connector 77">
+                <a:extLst>
+                  <a:ext uri="{FF2B5EF4-FFF2-40B4-BE49-F238E27FC236}">
+                    <a16:creationId xmlns:a16="http://schemas.microsoft.com/office/drawing/2014/main" id="{E13E17E0-3308-4C94-A079-281F760742B0}"/>
+                  </a:ext>
+                </a:extLst>
+              </p:cNvPr>
+              <p:cNvCxnSpPr/>
+              <p:nvPr/>
+            </p:nvCxnSpPr>
+            <p:spPr>
+              <a:xfrm>
+                <a:off x="7047345" y="2004291"/>
+                <a:ext cx="720437" cy="0"/>
+              </a:xfrm>
+              <a:prstGeom prst="straightConnector1">
+                <a:avLst/>
+              </a:prstGeom>
+              <a:ln w="22225" cap="rnd">
+                <a:solidFill>
+                  <a:schemeClr val="tx1">
+                    <a:lumMod val="65000"/>
+                    <a:lumOff val="35000"/>
+                  </a:schemeClr>
+                </a:solidFill>
+                <a:round/>
+                <a:tailEnd type="triangle" w="lg" len="med"/>
+              </a:ln>
+            </p:spPr>
+            <p:style>
+              <a:lnRef idx="1">
+                <a:schemeClr val="accent1"/>
+              </a:lnRef>
+              <a:fillRef idx="0">
+                <a:schemeClr val="accent1"/>
+              </a:fillRef>
+              <a:effectRef idx="0">
+                <a:schemeClr val="accent1"/>
+              </a:effectRef>
+              <a:fontRef idx="minor">
+                <a:schemeClr val="tx1"/>
+              </a:fontRef>
+            </p:style>
+          </p:cxnSp>
+          <p:cxnSp>
+            <p:nvCxnSpPr>
+              <p:cNvPr id="79" name="Straight Arrow Connector 78">
+                <a:extLst>
+                  <a:ext uri="{FF2B5EF4-FFF2-40B4-BE49-F238E27FC236}">
+                    <a16:creationId xmlns:a16="http://schemas.microsoft.com/office/drawing/2014/main" id="{7B02D530-0E2D-46AF-B85B-18E1A63AF0B1}"/>
+                  </a:ext>
+                </a:extLst>
+              </p:cNvPr>
+              <p:cNvCxnSpPr>
+                <a:cxnSpLocks/>
+              </p:cNvCxnSpPr>
+              <p:nvPr/>
+            </p:nvCxnSpPr>
+            <p:spPr>
+              <a:xfrm flipH="1">
+                <a:off x="7047345" y="2142051"/>
+                <a:ext cx="720437" cy="0"/>
+              </a:xfrm>
+              <a:prstGeom prst="straightConnector1">
+                <a:avLst/>
+              </a:prstGeom>
+              <a:ln w="22225" cap="rnd">
+                <a:solidFill>
+                  <a:schemeClr val="tx1">
+                    <a:lumMod val="65000"/>
+                    <a:lumOff val="35000"/>
+                  </a:schemeClr>
+                </a:solidFill>
+                <a:round/>
+                <a:tailEnd type="triangle" w="lg" len="med"/>
+              </a:ln>
+            </p:spPr>
+            <p:style>
+              <a:lnRef idx="1">
+                <a:schemeClr val="accent1"/>
+              </a:lnRef>
+              <a:fillRef idx="0">
+                <a:schemeClr val="accent1"/>
+              </a:fillRef>
+              <a:effectRef idx="0">
+                <a:schemeClr val="accent1"/>
+              </a:effectRef>
+              <a:fontRef idx="minor">
+                <a:schemeClr val="tx1"/>
+              </a:fontRef>
+            </p:style>
+          </p:cxnSp>
+        </p:grpSp>
+      </p:grpSp>
+    </p:spTree>
+    <p:extLst>
+      <p:ext uri="{BB962C8B-B14F-4D97-AF65-F5344CB8AC3E}">
+        <p14:creationId xmlns:p14="http://schemas.microsoft.com/office/powerpoint/2010/main" val="4004082051"/>
+      </p:ext>
+    </p:extLst>
+  </p:cSld>
+  <p:clrMapOvr>
+    <a:masterClrMapping/>
+  </p:clrMapOvr>
+  <p:timing>
+    <p:tnLst>
+      <p:par>
+        <p:cTn id="1" dur="indefinite" restart="never" nodeType="tmRoot">
+          <p:childTnLst>
+            <p:seq concurrent="1" nextAc="seek">
+              <p:cTn id="2" dur="indefinite" nodeType="mainSeq">
+                <p:childTnLst>
+                  <p:par>
+                    <p:cTn id="3" fill="hold">
+                      <p:stCondLst>
+                        <p:cond delay="indefinite"/>
+                      </p:stCondLst>
+                      <p:childTnLst>
+                        <p:par>
+                          <p:cTn id="4" fill="hold">
+                            <p:stCondLst>
+                              <p:cond delay="0"/>
+                            </p:stCondLst>
+                            <p:childTnLst>
+                              <p:par>
+                                <p:cTn id="5" presetID="1" presetClass="entr" presetSubtype="0" fill="hold" nodeType="clickEffect">
+                                  <p:stCondLst>
+                                    <p:cond delay="0"/>
+                                  </p:stCondLst>
+                                  <p:childTnLst>
+                                    <p:set>
+                                      <p:cBhvr>
+                                        <p:cTn id="6" dur="1" fill="hold">
+                                          <p:stCondLst>
+                                            <p:cond delay="0"/>
+                                          </p:stCondLst>
+                                        </p:cTn>
+                                        <p:tgtEl>
+                                          <p:spTgt spid="80"/>
+                                        </p:tgtEl>
+                                        <p:attrNameLst>
+                                          <p:attrName>style.visibility</p:attrName>
+                                        </p:attrNameLst>
+                                      </p:cBhvr>
+                                      <p:to>
+                                        <p:strVal val="visible"/>
+                                      </p:to>
+                                    </p:set>
+                                  </p:childTnLst>
+                                </p:cTn>
+                              </p:par>
+                            </p:childTnLst>
+                          </p:cTn>
+                        </p:par>
+                      </p:childTnLst>
+                    </p:cTn>
+                  </p:par>
+                  <p:par>
+                    <p:cTn id="7" fill="hold">
+                      <p:stCondLst>
+                        <p:cond delay="indefinite"/>
+                      </p:stCondLst>
+                      <p:childTnLst>
+                        <p:par>
+                          <p:cTn id="8" fill="hold">
+                            <p:stCondLst>
+                              <p:cond delay="0"/>
+                            </p:stCondLst>
+                            <p:childTnLst>
+                              <p:par>
+                                <p:cTn id="9" presetID="1" presetClass="entr" presetSubtype="0" fill="hold" nodeType="clickEffect">
+                                  <p:stCondLst>
+                                    <p:cond delay="0"/>
+                                  </p:stCondLst>
+                                  <p:childTnLst>
+                                    <p:set>
+                                      <p:cBhvr>
+                                        <p:cTn id="10" dur="1" fill="hold">
+                                          <p:stCondLst>
+                                            <p:cond delay="0"/>
+                                          </p:stCondLst>
+                                        </p:cTn>
+                                        <p:tgtEl>
+                                          <p:spTgt spid="81"/>
+                                        </p:tgtEl>
+                                        <p:attrNameLst>
+                                          <p:attrName>style.visibility</p:attrName>
+                                        </p:attrNameLst>
+                                      </p:cBhvr>
+                                      <p:to>
+                                        <p:strVal val="visible"/>
+                                      </p:to>
+                                    </p:set>
+                                  </p:childTnLst>
+                                </p:cTn>
+                              </p:par>
+                            </p:childTnLst>
+                          </p:cTn>
+                        </p:par>
+                      </p:childTnLst>
+                    </p:cTn>
+                  </p:par>
+                  <p:par>
+                    <p:cTn id="11" fill="hold">
+                      <p:stCondLst>
+                        <p:cond delay="indefinite"/>
+                      </p:stCondLst>
+                      <p:childTnLst>
+                        <p:par>
+                          <p:cTn id="12" fill="hold">
+                            <p:stCondLst>
+                              <p:cond delay="0"/>
+                            </p:stCondLst>
+                            <p:childTnLst>
+                              <p:par>
+                                <p:cTn id="13" presetID="1" presetClass="entr" presetSubtype="0" fill="hold" nodeType="clickEffect">
+                                  <p:stCondLst>
+                                    <p:cond delay="0"/>
+                                  </p:stCondLst>
+                                  <p:childTnLst>
+                                    <p:set>
+                                      <p:cBhvr>
+                                        <p:cTn id="14" dur="1" fill="hold">
+                                          <p:stCondLst>
+                                            <p:cond delay="0"/>
+                                          </p:stCondLst>
+                                        </p:cTn>
+                                        <p:tgtEl>
+                                          <p:spTgt spid="82"/>
+                                        </p:tgtEl>
+                                        <p:attrNameLst>
+                                          <p:attrName>style.visibility</p:attrName>
+                                        </p:attrNameLst>
+                                      </p:cBhvr>
+                                      <p:to>
+                                        <p:strVal val="visible"/>
+                                      </p:to>
+                                    </p:set>
+                                  </p:childTnLst>
+                                </p:cTn>
+                              </p:par>
+                            </p:childTnLst>
+                          </p:cTn>
+                        </p:par>
+                      </p:childTnLst>
+                    </p:cTn>
+                  </p:par>
+                </p:childTnLst>
+              </p:cTn>
+              <p:prevCondLst>
+                <p:cond evt="onPrev" delay="0">
+                  <p:tgtEl>
+                    <p:sldTgt/>
+                  </p:tgtEl>
+                </p:cond>
+              </p:prevCondLst>
+              <p:nextCondLst>
+                <p:cond evt="onNext" delay="0">
+                  <p:tgtEl>
+                    <p:sldTgt/>
+                  </p:tgtEl>
+                </p:cond>
+              </p:nextCondLst>
+            </p:seq>
+          </p:childTnLst>
+        </p:cTn>
+      </p:par>
+    </p:tnLst>
   </p:timing>
 </p:sld>
 </file>

--- a/Documentation/Application Overview.pptx
+++ b/Documentation/Application Overview.pptx
@@ -14,10 +14,11 @@
     <p:sldId id="259" r:id="rId8"/>
     <p:sldId id="268" r:id="rId9"/>
     <p:sldId id="269" r:id="rId10"/>
-    <p:sldId id="264" r:id="rId11"/>
-    <p:sldId id="262" r:id="rId12"/>
-    <p:sldId id="265" r:id="rId13"/>
-    <p:sldId id="266" r:id="rId14"/>
+    <p:sldId id="270" r:id="rId11"/>
+    <p:sldId id="264" r:id="rId12"/>
+    <p:sldId id="262" r:id="rId13"/>
+    <p:sldId id="265" r:id="rId14"/>
+    <p:sldId id="266" r:id="rId15"/>
   </p:sldIdLst>
   <p:sldSz cx="12192000" cy="6858000"/>
   <p:notesSz cx="6858000" cy="9144000"/>
@@ -273,7 +274,7 @@
           <a:p>
             <a:fld id="{3BF2E1DF-9A38-404F-ABF7-DEB7882DD504}" type="datetimeFigureOut">
               <a:rPr lang="it-IT" smtClean="0"/>
-              <a:t>14/06/2021</a:t>
+              <a:t>21/06/2021</a:t>
             </a:fld>
             <a:endParaRPr lang="it-IT"/>
           </a:p>
@@ -473,7 +474,7 @@
           <a:p>
             <a:fld id="{3BF2E1DF-9A38-404F-ABF7-DEB7882DD504}" type="datetimeFigureOut">
               <a:rPr lang="it-IT" smtClean="0"/>
-              <a:t>14/06/2021</a:t>
+              <a:t>21/06/2021</a:t>
             </a:fld>
             <a:endParaRPr lang="it-IT"/>
           </a:p>
@@ -683,7 +684,7 @@
           <a:p>
             <a:fld id="{3BF2E1DF-9A38-404F-ABF7-DEB7882DD504}" type="datetimeFigureOut">
               <a:rPr lang="it-IT" smtClean="0"/>
-              <a:t>14/06/2021</a:t>
+              <a:t>21/06/2021</a:t>
             </a:fld>
             <a:endParaRPr lang="it-IT"/>
           </a:p>
@@ -883,7 +884,7 @@
           <a:p>
             <a:fld id="{3BF2E1DF-9A38-404F-ABF7-DEB7882DD504}" type="datetimeFigureOut">
               <a:rPr lang="it-IT" smtClean="0"/>
-              <a:t>14/06/2021</a:t>
+              <a:t>21/06/2021</a:t>
             </a:fld>
             <a:endParaRPr lang="it-IT"/>
           </a:p>
@@ -1159,7 +1160,7 @@
           <a:p>
             <a:fld id="{3BF2E1DF-9A38-404F-ABF7-DEB7882DD504}" type="datetimeFigureOut">
               <a:rPr lang="it-IT" smtClean="0"/>
-              <a:t>14/06/2021</a:t>
+              <a:t>21/06/2021</a:t>
             </a:fld>
             <a:endParaRPr lang="it-IT"/>
           </a:p>
@@ -1427,7 +1428,7 @@
           <a:p>
             <a:fld id="{3BF2E1DF-9A38-404F-ABF7-DEB7882DD504}" type="datetimeFigureOut">
               <a:rPr lang="it-IT" smtClean="0"/>
-              <a:t>14/06/2021</a:t>
+              <a:t>21/06/2021</a:t>
             </a:fld>
             <a:endParaRPr lang="it-IT"/>
           </a:p>
@@ -1842,7 +1843,7 @@
           <a:p>
             <a:fld id="{3BF2E1DF-9A38-404F-ABF7-DEB7882DD504}" type="datetimeFigureOut">
               <a:rPr lang="it-IT" smtClean="0"/>
-              <a:t>14/06/2021</a:t>
+              <a:t>21/06/2021</a:t>
             </a:fld>
             <a:endParaRPr lang="it-IT"/>
           </a:p>
@@ -1984,7 +1985,7 @@
           <a:p>
             <a:fld id="{3BF2E1DF-9A38-404F-ABF7-DEB7882DD504}" type="datetimeFigureOut">
               <a:rPr lang="it-IT" smtClean="0"/>
-              <a:t>14/06/2021</a:t>
+              <a:t>21/06/2021</a:t>
             </a:fld>
             <a:endParaRPr lang="it-IT"/>
           </a:p>
@@ -2097,7 +2098,7 @@
           <a:p>
             <a:fld id="{3BF2E1DF-9A38-404F-ABF7-DEB7882DD504}" type="datetimeFigureOut">
               <a:rPr lang="it-IT" smtClean="0"/>
-              <a:t>14/06/2021</a:t>
+              <a:t>21/06/2021</a:t>
             </a:fld>
             <a:endParaRPr lang="it-IT"/>
           </a:p>
@@ -2410,7 +2411,7 @@
           <a:p>
             <a:fld id="{3BF2E1DF-9A38-404F-ABF7-DEB7882DD504}" type="datetimeFigureOut">
               <a:rPr lang="it-IT" smtClean="0"/>
-              <a:t>14/06/2021</a:t>
+              <a:t>21/06/2021</a:t>
             </a:fld>
             <a:endParaRPr lang="it-IT"/>
           </a:p>
@@ -2699,7 +2700,7 @@
           <a:p>
             <a:fld id="{3BF2E1DF-9A38-404F-ABF7-DEB7882DD504}" type="datetimeFigureOut">
               <a:rPr lang="it-IT" smtClean="0"/>
-              <a:t>14/06/2021</a:t>
+              <a:t>21/06/2021</a:t>
             </a:fld>
             <a:endParaRPr lang="it-IT"/>
           </a:p>
@@ -2942,7 +2943,7 @@
           <a:p>
             <a:fld id="{3BF2E1DF-9A38-404F-ABF7-DEB7882DD504}" type="datetimeFigureOut">
               <a:rPr lang="it-IT" smtClean="0"/>
-              <a:t>14/06/2021</a:t>
+              <a:t>21/06/2021</a:t>
             </a:fld>
             <a:endParaRPr lang="it-IT"/>
           </a:p>
@@ -3576,6 +3577,561 @@
                 <a:latin typeface="Roboto" panose="02000000000000000000" pitchFamily="2" charset="0"/>
                 <a:ea typeface="Roboto" panose="02000000000000000000" pitchFamily="2" charset="0"/>
               </a:rPr>
+              <a:t>BUSINESS</a:t>
+            </a:r>
+          </a:p>
+        </p:txBody>
+      </p:sp>
+      <p:grpSp>
+        <p:nvGrpSpPr>
+          <p:cNvPr id="4" name="Group 3">
+            <a:extLst>
+              <a:ext uri="{FF2B5EF4-FFF2-40B4-BE49-F238E27FC236}">
+                <a16:creationId xmlns:a16="http://schemas.microsoft.com/office/drawing/2014/main" id="{0607786B-908E-4A45-8F87-105530E81CC7}"/>
+              </a:ext>
+            </a:extLst>
+          </p:cNvPr>
+          <p:cNvGrpSpPr/>
+          <p:nvPr/>
+        </p:nvGrpSpPr>
+        <p:grpSpPr>
+          <a:xfrm>
+            <a:off x="431800" y="1994240"/>
+            <a:ext cx="11269870" cy="814060"/>
+            <a:chOff x="431800" y="1994240"/>
+            <a:chExt cx="11269870" cy="814060"/>
+          </a:xfrm>
+        </p:grpSpPr>
+        <p:grpSp>
+          <p:nvGrpSpPr>
+            <p:cNvPr id="16" name="Group 15">
+              <a:extLst>
+                <a:ext uri="{FF2B5EF4-FFF2-40B4-BE49-F238E27FC236}">
+                  <a16:creationId xmlns:a16="http://schemas.microsoft.com/office/drawing/2014/main" id="{FA1F6881-9AF7-4DFE-ADF6-60487BBCFEA3}"/>
+                </a:ext>
+              </a:extLst>
+            </p:cNvPr>
+            <p:cNvGrpSpPr/>
+            <p:nvPr/>
+          </p:nvGrpSpPr>
+          <p:grpSpPr>
+            <a:xfrm>
+              <a:off x="9065724" y="1994240"/>
+              <a:ext cx="2635946" cy="814060"/>
+              <a:chOff x="8530701" y="1550355"/>
+              <a:chExt cx="2635946" cy="814060"/>
+            </a:xfrm>
+          </p:grpSpPr>
+          <p:grpSp>
+            <p:nvGrpSpPr>
+              <p:cNvPr id="11" name="Group 10">
+                <a:extLst>
+                  <a:ext uri="{FF2B5EF4-FFF2-40B4-BE49-F238E27FC236}">
+                    <a16:creationId xmlns:a16="http://schemas.microsoft.com/office/drawing/2014/main" id="{1007905C-9B7A-4D50-A361-63F15270ACEE}"/>
+                  </a:ext>
+                </a:extLst>
+              </p:cNvPr>
+              <p:cNvGrpSpPr/>
+              <p:nvPr/>
+            </p:nvGrpSpPr>
+            <p:grpSpPr>
+              <a:xfrm>
+                <a:off x="8530701" y="1550355"/>
+                <a:ext cx="997389" cy="814060"/>
+                <a:chOff x="8530701" y="1550355"/>
+                <a:chExt cx="997389" cy="814060"/>
+              </a:xfrm>
+            </p:grpSpPr>
+            <p:pic>
+              <p:nvPicPr>
+                <p:cNvPr id="7" name="Graphic 6">
+                  <a:extLst>
+                    <a:ext uri="{FF2B5EF4-FFF2-40B4-BE49-F238E27FC236}">
+                      <a16:creationId xmlns:a16="http://schemas.microsoft.com/office/drawing/2014/main" id="{68953AA4-91A2-4E46-9D69-1EE005C1751F}"/>
+                    </a:ext>
+                  </a:extLst>
+                </p:cNvPr>
+                <p:cNvPicPr>
+                  <a:picLocks noChangeAspect="1"/>
+                </p:cNvPicPr>
+                <p:nvPr/>
+              </p:nvPicPr>
+              <p:blipFill>
+                <a:blip r:embed="rId2">
+                  <a:extLst>
+                    <a:ext uri="{28A0092B-C50C-407E-A947-70E740481C1C}">
+                      <a14:useLocalDpi xmlns:a14="http://schemas.microsoft.com/office/drawing/2010/main" val="0"/>
+                    </a:ext>
+                    <a:ext uri="{96DAC541-7B7A-43D3-8B79-37D633B846F1}">
+                      <asvg:svgBlip xmlns:asvg="http://schemas.microsoft.com/office/drawing/2016/SVG/main" r:embed="rId3"/>
+                    </a:ext>
+                  </a:extLst>
+                </a:blip>
+                <a:stretch>
+                  <a:fillRect/>
+                </a:stretch>
+              </p:blipFill>
+              <p:spPr>
+                <a:xfrm>
+                  <a:off x="8753172" y="1550355"/>
+                  <a:ext cx="552450" cy="552450"/>
+                </a:xfrm>
+                <a:prstGeom prst="rect">
+                  <a:avLst/>
+                </a:prstGeom>
+              </p:spPr>
+            </p:pic>
+            <p:sp>
+              <p:nvSpPr>
+                <p:cNvPr id="8" name="TextBox 7">
+                  <a:extLst>
+                    <a:ext uri="{FF2B5EF4-FFF2-40B4-BE49-F238E27FC236}">
+                      <a16:creationId xmlns:a16="http://schemas.microsoft.com/office/drawing/2014/main" id="{A72B3E1A-B390-4012-9DA8-113AE975CCD7}"/>
+                    </a:ext>
+                  </a:extLst>
+                </p:cNvPr>
+                <p:cNvSpPr txBox="1"/>
+                <p:nvPr/>
+              </p:nvSpPr>
+              <p:spPr>
+                <a:xfrm>
+                  <a:off x="8530701" y="2102805"/>
+                  <a:ext cx="997389" cy="261610"/>
+                </a:xfrm>
+                <a:prstGeom prst="rect">
+                  <a:avLst/>
+                </a:prstGeom>
+                <a:noFill/>
+              </p:spPr>
+              <p:txBody>
+                <a:bodyPr wrap="none" rtlCol="0">
+                  <a:spAutoFit/>
+                </a:bodyPr>
+                <a:lstStyle/>
+                <a:p>
+                  <a:r>
+                    <a:rPr lang="en-US" sz="1100" dirty="0">
+                      <a:solidFill>
+                        <a:srgbClr val="E6EE9C"/>
+                      </a:solidFill>
+                      <a:latin typeface="Roboto" panose="02000000000000000000" pitchFamily="2" charset="0"/>
+                      <a:ea typeface="Roboto" panose="02000000000000000000" pitchFamily="2" charset="0"/>
+                    </a:rPr>
+                    <a:t>BUSINESSES</a:t>
+                  </a:r>
+                </a:p>
+              </p:txBody>
+            </p:sp>
+          </p:grpSp>
+          <p:sp>
+            <p:nvSpPr>
+              <p:cNvPr id="9" name="TextBox 8">
+                <a:extLst>
+                  <a:ext uri="{FF2B5EF4-FFF2-40B4-BE49-F238E27FC236}">
+                    <a16:creationId xmlns:a16="http://schemas.microsoft.com/office/drawing/2014/main" id="{0DFD7CFB-51C7-4EBB-B420-8D1813A848FE}"/>
+                  </a:ext>
+                </a:extLst>
+              </p:cNvPr>
+              <p:cNvSpPr txBox="1"/>
+              <p:nvPr/>
+            </p:nvSpPr>
+            <p:spPr>
+              <a:xfrm>
+                <a:off x="9789347" y="1588053"/>
+                <a:ext cx="1377300" cy="738664"/>
+              </a:xfrm>
+              <a:prstGeom prst="rect">
+                <a:avLst/>
+              </a:prstGeom>
+              <a:noFill/>
+            </p:spPr>
+            <p:txBody>
+              <a:bodyPr wrap="none" rtlCol="0">
+                <a:spAutoFit/>
+              </a:bodyPr>
+              <a:lstStyle/>
+              <a:p>
+                <a:r>
+                  <a:rPr lang="en-US" sz="1400" dirty="0">
+                    <a:solidFill>
+                      <a:schemeClr val="bg1"/>
+                    </a:solidFill>
+                    <a:latin typeface="Consolas" panose="020B0609020204030204" pitchFamily="49" charset="0"/>
+                  </a:rPr>
+                  <a:t>id</a:t>
+                </a:r>
+              </a:p>
+              <a:p>
+                <a:r>
+                  <a:rPr lang="en-US" sz="1400" dirty="0">
+                    <a:solidFill>
+                      <a:schemeClr val="bg1"/>
+                    </a:solidFill>
+                    <a:latin typeface="Consolas" panose="020B0609020204030204" pitchFamily="49" charset="0"/>
+                  </a:rPr>
+                  <a:t>name</a:t>
+                </a:r>
+              </a:p>
+              <a:p>
+                <a:r>
+                  <a:rPr lang="en-US" sz="1400" dirty="0">
+                    <a:solidFill>
+                      <a:schemeClr val="bg1"/>
+                    </a:solidFill>
+                    <a:latin typeface="Consolas" panose="020B0609020204030204" pitchFamily="49" charset="0"/>
+                  </a:rPr>
+                  <a:t>opening_days</a:t>
+                </a:r>
+              </a:p>
+            </p:txBody>
+          </p:sp>
+        </p:grpSp>
+        <p:grpSp>
+          <p:nvGrpSpPr>
+            <p:cNvPr id="56" name="Group 55">
+              <a:extLst>
+                <a:ext uri="{FF2B5EF4-FFF2-40B4-BE49-F238E27FC236}">
+                  <a16:creationId xmlns:a16="http://schemas.microsoft.com/office/drawing/2014/main" id="{EE058871-94EE-469A-9390-5EC1E0DD6337}"/>
+                </a:ext>
+              </a:extLst>
+            </p:cNvPr>
+            <p:cNvGrpSpPr/>
+            <p:nvPr/>
+          </p:nvGrpSpPr>
+          <p:grpSpPr>
+            <a:xfrm>
+              <a:off x="431800" y="2216604"/>
+              <a:ext cx="6116037" cy="369332"/>
+              <a:chOff x="431800" y="1772719"/>
+              <a:chExt cx="6116037" cy="369332"/>
+            </a:xfrm>
+          </p:grpSpPr>
+          <p:sp>
+            <p:nvSpPr>
+              <p:cNvPr id="3" name="TextBox 2">
+                <a:extLst>
+                  <a:ext uri="{FF2B5EF4-FFF2-40B4-BE49-F238E27FC236}">
+                    <a16:creationId xmlns:a16="http://schemas.microsoft.com/office/drawing/2014/main" id="{CD973CF3-71A1-4A46-857F-59F4CF19E511}"/>
+                  </a:ext>
+                </a:extLst>
+              </p:cNvPr>
+              <p:cNvSpPr txBox="1"/>
+              <p:nvPr/>
+            </p:nvSpPr>
+            <p:spPr>
+              <a:xfrm>
+                <a:off x="1492117" y="1772719"/>
+                <a:ext cx="5055720" cy="369332"/>
+              </a:xfrm>
+              <a:prstGeom prst="rect">
+                <a:avLst/>
+              </a:prstGeom>
+              <a:noFill/>
+            </p:spPr>
+            <p:txBody>
+              <a:bodyPr wrap="square" rtlCol="0">
+                <a:spAutoFit/>
+              </a:bodyPr>
+              <a:lstStyle/>
+              <a:p>
+                <a:r>
+                  <a:rPr lang="en-US" dirty="0">
+                    <a:solidFill>
+                      <a:schemeClr val="bg2">
+                        <a:lumMod val="50000"/>
+                      </a:schemeClr>
+                    </a:solidFill>
+                  </a:rPr>
+                  <a:t>https://mobile-project-****.twil.io</a:t>
+                </a:r>
+                <a:r>
+                  <a:rPr lang="en-US" dirty="0">
+                    <a:solidFill>
+                      <a:schemeClr val="bg1"/>
+                    </a:solidFill>
+                  </a:rPr>
+                  <a:t>/business/list</a:t>
+                </a:r>
+                <a:endParaRPr lang="it-IT" dirty="0">
+                  <a:solidFill>
+                    <a:schemeClr val="bg1"/>
+                  </a:solidFill>
+                </a:endParaRPr>
+              </a:p>
+            </p:txBody>
+          </p:sp>
+          <p:sp>
+            <p:nvSpPr>
+              <p:cNvPr id="40" name="Rectangle: Rounded Corners 39">
+                <a:extLst>
+                  <a:ext uri="{FF2B5EF4-FFF2-40B4-BE49-F238E27FC236}">
+                    <a16:creationId xmlns:a16="http://schemas.microsoft.com/office/drawing/2014/main" id="{DCA0AD21-1B79-4AF1-9F9D-B384A24BB992}"/>
+                  </a:ext>
+                </a:extLst>
+              </p:cNvPr>
+              <p:cNvSpPr/>
+              <p:nvPr/>
+            </p:nvSpPr>
+            <p:spPr>
+              <a:xfrm>
+                <a:off x="431800" y="1855469"/>
+                <a:ext cx="498405" cy="238760"/>
+              </a:xfrm>
+              <a:prstGeom prst="roundRect">
+                <a:avLst/>
+              </a:prstGeom>
+              <a:solidFill>
+                <a:srgbClr val="E6EE9C"/>
+              </a:solidFill>
+              <a:ln>
+                <a:noFill/>
+              </a:ln>
+            </p:spPr>
+            <p:style>
+              <a:lnRef idx="2">
+                <a:schemeClr val="accent1">
+                  <a:shade val="50000"/>
+                </a:schemeClr>
+              </a:lnRef>
+              <a:fillRef idx="1">
+                <a:schemeClr val="accent1"/>
+              </a:fillRef>
+              <a:effectRef idx="0">
+                <a:schemeClr val="accent1"/>
+              </a:effectRef>
+              <a:fontRef idx="minor">
+                <a:schemeClr val="lt1"/>
+              </a:fontRef>
+            </p:style>
+            <p:txBody>
+              <a:bodyPr rtlCol="0" anchor="ctr"/>
+              <a:lstStyle/>
+              <a:p>
+                <a:pPr algn="ctr"/>
+                <a:r>
+                  <a:rPr lang="en-US" sz="800" b="1" dirty="0">
+                    <a:solidFill>
+                      <a:srgbClr val="212121"/>
+                    </a:solidFill>
+                    <a:latin typeface="Roboto" panose="02000000000000000000" pitchFamily="2" charset="0"/>
+                    <a:ea typeface="Roboto" panose="02000000000000000000" pitchFamily="2" charset="0"/>
+                  </a:rPr>
+                  <a:t>GET</a:t>
+                </a:r>
+              </a:p>
+            </p:txBody>
+          </p:sp>
+        </p:grpSp>
+        <p:cxnSp>
+          <p:nvCxnSpPr>
+            <p:cNvPr id="68" name="Straight Arrow Connector 67">
+              <a:extLst>
+                <a:ext uri="{FF2B5EF4-FFF2-40B4-BE49-F238E27FC236}">
+                  <a16:creationId xmlns:a16="http://schemas.microsoft.com/office/drawing/2014/main" id="{05249BED-CB2F-4BDE-A6A4-669DF77006E4}"/>
+                </a:ext>
+              </a:extLst>
+            </p:cNvPr>
+            <p:cNvCxnSpPr>
+              <a:cxnSpLocks/>
+            </p:cNvCxnSpPr>
+            <p:nvPr/>
+          </p:nvCxnSpPr>
+          <p:spPr>
+            <a:xfrm flipH="1">
+              <a:off x="7446562" y="2401270"/>
+              <a:ext cx="720437" cy="0"/>
+            </a:xfrm>
+            <a:prstGeom prst="straightConnector1">
+              <a:avLst/>
+            </a:prstGeom>
+            <a:ln w="22225" cap="rnd">
+              <a:solidFill>
+                <a:schemeClr val="tx1">
+                  <a:lumMod val="65000"/>
+                  <a:lumOff val="35000"/>
+                </a:schemeClr>
+              </a:solidFill>
+              <a:round/>
+              <a:tailEnd type="triangle" w="lg" len="med"/>
+            </a:ln>
+          </p:spPr>
+          <p:style>
+            <a:lnRef idx="1">
+              <a:schemeClr val="accent1"/>
+            </a:lnRef>
+            <a:fillRef idx="0">
+              <a:schemeClr val="accent1"/>
+            </a:fillRef>
+            <a:effectRef idx="0">
+              <a:schemeClr val="accent1"/>
+            </a:effectRef>
+            <a:fontRef idx="minor">
+              <a:schemeClr val="tx1"/>
+            </a:fontRef>
+          </p:style>
+        </p:cxnSp>
+      </p:grpSp>
+    </p:spTree>
+    <p:extLst>
+      <p:ext uri="{BB962C8B-B14F-4D97-AF65-F5344CB8AC3E}">
+        <p14:creationId xmlns:p14="http://schemas.microsoft.com/office/powerpoint/2010/main" val="3759575066"/>
+      </p:ext>
+    </p:extLst>
+  </p:cSld>
+  <p:clrMapOvr>
+    <a:masterClrMapping/>
+  </p:clrMapOvr>
+  <p:timing>
+    <p:tnLst>
+      <p:par>
+        <p:cTn id="1" dur="indefinite" restart="never" nodeType="tmRoot">
+          <p:childTnLst>
+            <p:seq concurrent="1" nextAc="seek">
+              <p:cTn id="2" dur="indefinite" nodeType="mainSeq">
+                <p:childTnLst>
+                  <p:par>
+                    <p:cTn id="3" fill="hold">
+                      <p:stCondLst>
+                        <p:cond delay="indefinite"/>
+                      </p:stCondLst>
+                      <p:childTnLst>
+                        <p:par>
+                          <p:cTn id="4" fill="hold">
+                            <p:stCondLst>
+                              <p:cond delay="0"/>
+                            </p:stCondLst>
+                            <p:childTnLst>
+                              <p:par>
+                                <p:cTn id="5" presetID="1" presetClass="entr" presetSubtype="0" fill="hold" nodeType="clickEffect">
+                                  <p:stCondLst>
+                                    <p:cond delay="0"/>
+                                  </p:stCondLst>
+                                  <p:childTnLst>
+                                    <p:set>
+                                      <p:cBhvr>
+                                        <p:cTn id="6" dur="1" fill="hold">
+                                          <p:stCondLst>
+                                            <p:cond delay="0"/>
+                                          </p:stCondLst>
+                                        </p:cTn>
+                                        <p:tgtEl>
+                                          <p:spTgt spid="4"/>
+                                        </p:tgtEl>
+                                        <p:attrNameLst>
+                                          <p:attrName>style.visibility</p:attrName>
+                                        </p:attrNameLst>
+                                      </p:cBhvr>
+                                      <p:to>
+                                        <p:strVal val="visible"/>
+                                      </p:to>
+                                    </p:set>
+                                  </p:childTnLst>
+                                </p:cTn>
+                              </p:par>
+                            </p:childTnLst>
+                          </p:cTn>
+                        </p:par>
+                      </p:childTnLst>
+                    </p:cTn>
+                  </p:par>
+                </p:childTnLst>
+              </p:cTn>
+              <p:prevCondLst>
+                <p:cond evt="onPrev" delay="0">
+                  <p:tgtEl>
+                    <p:sldTgt/>
+                  </p:tgtEl>
+                </p:cond>
+              </p:prevCondLst>
+              <p:nextCondLst>
+                <p:cond evt="onNext" delay="0">
+                  <p:tgtEl>
+                    <p:sldTgt/>
+                  </p:tgtEl>
+                </p:cond>
+              </p:nextCondLst>
+            </p:seq>
+          </p:childTnLst>
+        </p:cTn>
+      </p:par>
+    </p:tnLst>
+  </p:timing>
+</p:sld>
+</file>
+
+<file path=ppt/slides/slide11.xml><?xml version="1.0" encoding="utf-8"?>
+<p:sld xmlns:a="http://schemas.openxmlformats.org/drawingml/2006/main" xmlns:r="http://schemas.openxmlformats.org/officeDocument/2006/relationships" xmlns:p="http://schemas.openxmlformats.org/presentationml/2006/main">
+  <p:cSld>
+    <p:bg>
+      <p:bgPr>
+        <a:solidFill>
+          <a:srgbClr val="212121"/>
+        </a:solidFill>
+        <a:effectLst/>
+      </p:bgPr>
+    </p:bg>
+    <p:spTree>
+      <p:nvGrpSpPr>
+        <p:cNvPr id="1" name=""/>
+        <p:cNvGrpSpPr/>
+        <p:nvPr/>
+      </p:nvGrpSpPr>
+      <p:grpSpPr>
+        <a:xfrm>
+          <a:off x="0" y="0"/>
+          <a:ext cx="0" cy="0"/>
+          <a:chOff x="0" y="0"/>
+          <a:chExt cx="0" cy="0"/>
+        </a:xfrm>
+      </p:grpSpPr>
+      <p:sp>
+        <p:nvSpPr>
+          <p:cNvPr id="2" name="Title 1">
+            <a:extLst>
+              <a:ext uri="{FF2B5EF4-FFF2-40B4-BE49-F238E27FC236}">
+                <a16:creationId xmlns:a16="http://schemas.microsoft.com/office/drawing/2014/main" id="{0715C0F7-3639-498A-876B-F3FE9A0EB105}"/>
+              </a:ext>
+            </a:extLst>
+          </p:cNvPr>
+          <p:cNvSpPr>
+            <a:spLocks noGrp="1"/>
+          </p:cNvSpPr>
+          <p:nvPr>
+            <p:ph type="title"/>
+          </p:nvPr>
+        </p:nvSpPr>
+        <p:spPr>
+          <a:xfrm>
+            <a:off x="431800" y="180398"/>
+            <a:ext cx="10515600" cy="1325563"/>
+          </a:xfrm>
+        </p:spPr>
+        <p:txBody>
+          <a:bodyPr>
+            <a:normAutofit/>
+          </a:bodyPr>
+          <a:lstStyle/>
+          <a:p>
+            <a:r>
+              <a:rPr lang="it-IT" sz="4000" dirty="0">
+                <a:solidFill>
+                  <a:schemeClr val="bg1">
+                    <a:lumMod val="95000"/>
+                  </a:schemeClr>
+                </a:solidFill>
+                <a:latin typeface="Roboto" panose="02000000000000000000" pitchFamily="2" charset="0"/>
+                <a:ea typeface="Roboto" panose="02000000000000000000" pitchFamily="2" charset="0"/>
+              </a:rPr>
+              <a:t>External API • </a:t>
+            </a:r>
+            <a:r>
+              <a:rPr lang="it-IT" sz="4000" dirty="0">
+                <a:solidFill>
+                  <a:srgbClr val="CAFFE7"/>
+                </a:solidFill>
+                <a:latin typeface="Roboto" panose="02000000000000000000" pitchFamily="2" charset="0"/>
+                <a:ea typeface="Roboto" panose="02000000000000000000" pitchFamily="2" charset="0"/>
+              </a:rPr>
               <a:t>MAPS</a:t>
             </a:r>
           </a:p>
@@ -4225,7 +4781,7 @@
 </p:sld>
 </file>
 
-<file path=ppt/slides/slide11.xml><?xml version="1.0" encoding="utf-8"?>
+<file path=ppt/slides/slide12.xml><?xml version="1.0" encoding="utf-8"?>
 <p:sld xmlns:a="http://schemas.openxmlformats.org/drawingml/2006/main" xmlns:r="http://schemas.openxmlformats.org/officeDocument/2006/relationships" xmlns:p="http://schemas.openxmlformats.org/presentationml/2006/main">
   <p:cSld>
     <p:bg>
@@ -4704,7 +5260,7 @@
         </p:nvGrpSpPr>
         <p:grpSpPr>
           <a:xfrm>
-            <a:off x="739848" y="5411107"/>
+            <a:off x="739845" y="5433094"/>
             <a:ext cx="1911459" cy="246221"/>
             <a:chOff x="739848" y="5406117"/>
             <a:chExt cx="1911459" cy="246221"/>
@@ -4794,10 +5350,10 @@
       </p:grpSp>
       <p:pic>
         <p:nvPicPr>
-          <p:cNvPr id="13" name="Picture 12">
-            <a:extLst>
-              <a:ext uri="{FF2B5EF4-FFF2-40B4-BE49-F238E27FC236}">
-                <a16:creationId xmlns:a16="http://schemas.microsoft.com/office/drawing/2014/main" id="{B78AD463-16F4-4394-9501-A7476937E60E}"/>
+          <p:cNvPr id="16" name="Picture 15">
+            <a:extLst>
+              <a:ext uri="{FF2B5EF4-FFF2-40B4-BE49-F238E27FC236}">
+                <a16:creationId xmlns:a16="http://schemas.microsoft.com/office/drawing/2014/main" id="{A0DA1D7B-E2C5-4522-8E50-0E7E5B93EC09}"/>
               </a:ext>
             </a:extLst>
           </p:cNvPr>
@@ -4820,8 +5376,8 @@
         </p:blipFill>
         <p:spPr>
           <a:xfrm>
-            <a:off x="4422670" y="5409927"/>
-            <a:ext cx="2187130" cy="259102"/>
+            <a:off x="8798096" y="5443207"/>
+            <a:ext cx="2027096" cy="220999"/>
           </a:xfrm>
           <a:prstGeom prst="rect">
             <a:avLst/>
@@ -4830,10 +5386,10 @@
       </p:pic>
       <p:pic>
         <p:nvPicPr>
-          <p:cNvPr id="22" name="Picture 21">
-            <a:extLst>
-              <a:ext uri="{FF2B5EF4-FFF2-40B4-BE49-F238E27FC236}">
-                <a16:creationId xmlns:a16="http://schemas.microsoft.com/office/drawing/2014/main" id="{4501AA8E-4CA7-40DE-B4DA-213D4B695765}"/>
+          <p:cNvPr id="24" name="Picture 23">
+            <a:extLst>
+              <a:ext uri="{FF2B5EF4-FFF2-40B4-BE49-F238E27FC236}">
+                <a16:creationId xmlns:a16="http://schemas.microsoft.com/office/drawing/2014/main" id="{381435AB-2881-4AAD-B736-D5F99900B5D8}"/>
               </a:ext>
             </a:extLst>
           </p:cNvPr>
@@ -4856,8 +5412,8 @@
         </p:blipFill>
         <p:spPr>
           <a:xfrm>
-            <a:off x="8790475" y="5416098"/>
-            <a:ext cx="2042337" cy="236240"/>
+            <a:off x="4407429" y="5427833"/>
+            <a:ext cx="2217612" cy="251482"/>
           </a:xfrm>
           <a:prstGeom prst="rect">
             <a:avLst/>
@@ -5088,7 +5644,7 @@
                                           </p:stCondLst>
                                         </p:cTn>
                                         <p:tgtEl>
-                                          <p:spTgt spid="13"/>
+                                          <p:spTgt spid="9"/>
                                         </p:tgtEl>
                                         <p:attrNameLst>
                                           <p:attrName>style.visibility</p:attrName>
@@ -5115,7 +5671,7 @@
                                           </p:stCondLst>
                                         </p:cTn>
                                         <p:tgtEl>
-                                          <p:spTgt spid="9"/>
+                                          <p:spTgt spid="24"/>
                                         </p:tgtEl>
                                         <p:attrNameLst>
                                           <p:attrName>style.visibility</p:attrName>
@@ -5241,7 +5797,7 @@
                                           </p:stCondLst>
                                         </p:cTn>
                                         <p:tgtEl>
-                                          <p:spTgt spid="22"/>
+                                          <p:spTgt spid="16"/>
                                         </p:tgtEl>
                                         <p:attrNameLst>
                                           <p:attrName>style.visibility</p:attrName>
@@ -5293,7 +5849,7 @@
 </p:sld>
 </file>
 
-<file path=ppt/slides/slide12.xml><?xml version="1.0" encoding="utf-8"?>
+<file path=ppt/slides/slide13.xml><?xml version="1.0" encoding="utf-8"?>
 <p:sld xmlns:a="http://schemas.openxmlformats.org/drawingml/2006/main" xmlns:r="http://schemas.openxmlformats.org/officeDocument/2006/relationships" xmlns:p="http://schemas.openxmlformats.org/presentationml/2006/main">
   <p:cSld>
     <p:bg>
@@ -6257,7 +6813,7 @@
 </p:sld>
 </file>
 
-<file path=ppt/slides/slide13.xml><?xml version="1.0" encoding="utf-8"?>
+<file path=ppt/slides/slide14.xml><?xml version="1.0" encoding="utf-8"?>
 <p:sld xmlns:a="http://schemas.openxmlformats.org/drawingml/2006/main" xmlns:r="http://schemas.openxmlformats.org/officeDocument/2006/relationships" xmlns:p="http://schemas.openxmlformats.org/presentationml/2006/main">
   <p:cSld>
     <p:bg>
@@ -6311,12 +6867,12 @@
           <a:lstStyle/>
           <a:p>
             <a:r>
-              <a:rPr lang="it-IT" b="1" dirty="0">
+              <a:rPr lang="it-IT" dirty="0">
                 <a:solidFill>
                   <a:schemeClr val="bg1"/>
                 </a:solidFill>
-                <a:latin typeface="Roboto Thin" panose="02000000000000000000" pitchFamily="2" charset="0"/>
-                <a:ea typeface="Roboto Thin" panose="02000000000000000000" pitchFamily="2" charset="0"/>
+                <a:latin typeface="Roboto Light" panose="02000000000000000000" pitchFamily="2" charset="0"/>
+                <a:ea typeface="Roboto Light" panose="02000000000000000000" pitchFamily="2" charset="0"/>
               </a:rPr>
               <a:t>THANKS</a:t>
             </a:r>
@@ -6554,8 +7110,8 @@
                 <a:solidFill>
                   <a:srgbClr val="CAFFE7"/>
                 </a:solidFill>
-                <a:latin typeface="Roboto Light" panose="02000000000000000000" pitchFamily="2" charset="0"/>
-                <a:ea typeface="Roboto Light" panose="02000000000000000000" pitchFamily="2" charset="0"/>
+                <a:latin typeface="Roboto" panose="02000000000000000000" pitchFamily="2" charset="0"/>
+                <a:ea typeface="Roboto" panose="02000000000000000000" pitchFamily="2" charset="0"/>
               </a:rPr>
               <a:t>crowded</a:t>
             </a:r>
@@ -6680,8 +7236,8 @@
                 <a:solidFill>
                   <a:srgbClr val="CAFFE7"/>
                 </a:solidFill>
-                <a:latin typeface="Roboto Light" panose="02000000000000000000" pitchFamily="2" charset="0"/>
-                <a:ea typeface="Roboto Light" panose="02000000000000000000" pitchFamily="2" charset="0"/>
+                <a:latin typeface="Roboto" panose="02000000000000000000" pitchFamily="2" charset="0"/>
+                <a:ea typeface="Roboto" panose="02000000000000000000" pitchFamily="2" charset="0"/>
               </a:rPr>
               <a:t>book</a:t>
             </a:r>
@@ -6891,6 +7447,66 @@
           </a:prstGeom>
         </p:spPr>
       </p:pic>
+      <p:sp>
+        <p:nvSpPr>
+          <p:cNvPr id="5" name="Rectangle: Rounded Corners 4">
+            <a:extLst>
+              <a:ext uri="{FF2B5EF4-FFF2-40B4-BE49-F238E27FC236}">
+                <a16:creationId xmlns:a16="http://schemas.microsoft.com/office/drawing/2014/main" id="{8A2025D8-BDDB-4EA8-80E1-F1D70B6D7F4B}"/>
+              </a:ext>
+            </a:extLst>
+          </p:cNvPr>
+          <p:cNvSpPr/>
+          <p:nvPr/>
+        </p:nvSpPr>
+        <p:spPr>
+          <a:xfrm>
+            <a:off x="9620263" y="6486702"/>
+            <a:ext cx="2512226" cy="307777"/>
+          </a:xfrm>
+          <a:prstGeom prst="roundRect">
+            <a:avLst/>
+          </a:prstGeom>
+          <a:solidFill>
+            <a:srgbClr val="E6EE9C"/>
+          </a:solidFill>
+          <a:ln>
+            <a:noFill/>
+          </a:ln>
+        </p:spPr>
+        <p:style>
+          <a:lnRef idx="2">
+            <a:schemeClr val="accent1">
+              <a:shade val="50000"/>
+            </a:schemeClr>
+          </a:lnRef>
+          <a:fillRef idx="1">
+            <a:schemeClr val="accent1"/>
+          </a:fillRef>
+          <a:effectRef idx="0">
+            <a:schemeClr val="accent1"/>
+          </a:effectRef>
+          <a:fontRef idx="minor">
+            <a:schemeClr val="lt1"/>
+          </a:fontRef>
+        </p:style>
+        <p:txBody>
+          <a:bodyPr rtlCol="0" anchor="ctr"/>
+          <a:lstStyle/>
+          <a:p>
+            <a:pPr algn="ctr"/>
+            <a:r>
+              <a:rPr lang="en-US" sz="1200" b="1" dirty="0">
+                <a:solidFill>
+                  <a:srgbClr val="212121"/>
+                </a:solidFill>
+                <a:latin typeface="Roboto "/>
+              </a:rPr>
+              <a:t>Sinergy with SW-ENG 2 course</a:t>
+            </a:r>
+          </a:p>
+        </p:txBody>
+      </p:sp>
     </p:spTree>
     <p:extLst>
       <p:ext uri="{BB962C8B-B14F-4D97-AF65-F5344CB8AC3E}">
@@ -7179,6 +7795,51 @@
                       </p:childTnLst>
                     </p:cTn>
                   </p:par>
+                  <p:par>
+                    <p:cTn id="25" fill="hold">
+                      <p:stCondLst>
+                        <p:cond delay="indefinite"/>
+                      </p:stCondLst>
+                      <p:childTnLst>
+                        <p:par>
+                          <p:cTn id="26" fill="hold">
+                            <p:stCondLst>
+                              <p:cond delay="0"/>
+                            </p:stCondLst>
+                            <p:childTnLst>
+                              <p:par>
+                                <p:cTn id="27" presetID="1" presetClass="entr" presetSubtype="0" fill="hold" grpId="0" nodeType="clickEffect">
+                                  <p:stCondLst>
+                                    <p:cond delay="0"/>
+                                  </p:stCondLst>
+                                  <p:childTnLst>
+                                    <p:set>
+                                      <p:cBhvr>
+                                        <p:cTn id="28" dur="1" fill="hold">
+                                          <p:stCondLst>
+                                            <p:cond delay="0"/>
+                                          </p:stCondLst>
+                                        </p:cTn>
+                                        <p:tgtEl>
+                                          <p:spTgt spid="5"/>
+                                        </p:tgtEl>
+                                        <p:attrNameLst>
+                                          <p:attrName>style.visibility</p:attrName>
+                                        </p:attrNameLst>
+                                      </p:cBhvr>
+                                      <p:to>
+                                        <p:strVal val="visible"/>
+                                      </p:to>
+                                    </p:set>
+                                  </p:childTnLst>
+                                </p:cTn>
+                              </p:par>
+                            </p:childTnLst>
+                          </p:cTn>
+                        </p:par>
+                      </p:childTnLst>
+                    </p:cTn>
+                  </p:par>
                 </p:childTnLst>
               </p:cTn>
               <p:prevCondLst>
@@ -7207,6 +7868,7 @@
       <p:bldP spid="27" grpId="0"/>
       <p:bldP spid="28" grpId="0"/>
       <p:bldP spid="29" grpId="0"/>
+      <p:bldP spid="5" grpId="0" animBg="1"/>
     </p:bldLst>
   </p:timing>
 </p:sld>
@@ -15919,10 +16581,10 @@
       </p:sp>
       <p:grpSp>
         <p:nvGrpSpPr>
-          <p:cNvPr id="80" name="Group 79">
-            <a:extLst>
-              <a:ext uri="{FF2B5EF4-FFF2-40B4-BE49-F238E27FC236}">
-                <a16:creationId xmlns:a16="http://schemas.microsoft.com/office/drawing/2014/main" id="{27B321D7-3101-434E-9EBB-2DD8C4F822D3}"/>
+          <p:cNvPr id="5" name="Group 4">
+            <a:extLst>
+              <a:ext uri="{FF2B5EF4-FFF2-40B4-BE49-F238E27FC236}">
+                <a16:creationId xmlns:a16="http://schemas.microsoft.com/office/drawing/2014/main" id="{179B7787-5FD2-417F-84DA-B0CBEC513747}"/>
               </a:ext>
             </a:extLst>
           </p:cNvPr>
@@ -15931,463 +16593,7 @@
         </p:nvGrpSpPr>
         <p:grpSpPr>
           <a:xfrm>
-            <a:off x="431800" y="1550355"/>
-            <a:ext cx="11269870" cy="814060"/>
-            <a:chOff x="431800" y="1550355"/>
-            <a:chExt cx="11269870" cy="814060"/>
-          </a:xfrm>
-        </p:grpSpPr>
-        <p:grpSp>
-          <p:nvGrpSpPr>
-            <p:cNvPr id="16" name="Group 15">
-              <a:extLst>
-                <a:ext uri="{FF2B5EF4-FFF2-40B4-BE49-F238E27FC236}">
-                  <a16:creationId xmlns:a16="http://schemas.microsoft.com/office/drawing/2014/main" id="{FA1F6881-9AF7-4DFE-ADF6-60487BBCFEA3}"/>
-                </a:ext>
-              </a:extLst>
-            </p:cNvPr>
-            <p:cNvGrpSpPr/>
-            <p:nvPr/>
-          </p:nvGrpSpPr>
-          <p:grpSpPr>
-            <a:xfrm>
-              <a:off x="9065724" y="1550355"/>
-              <a:ext cx="2635946" cy="814060"/>
-              <a:chOff x="8530701" y="1550355"/>
-              <a:chExt cx="2635946" cy="814060"/>
-            </a:xfrm>
-          </p:grpSpPr>
-          <p:grpSp>
-            <p:nvGrpSpPr>
-              <p:cNvPr id="11" name="Group 10">
-                <a:extLst>
-                  <a:ext uri="{FF2B5EF4-FFF2-40B4-BE49-F238E27FC236}">
-                    <a16:creationId xmlns:a16="http://schemas.microsoft.com/office/drawing/2014/main" id="{1007905C-9B7A-4D50-A361-63F15270ACEE}"/>
-                  </a:ext>
-                </a:extLst>
-              </p:cNvPr>
-              <p:cNvGrpSpPr/>
-              <p:nvPr/>
-            </p:nvGrpSpPr>
-            <p:grpSpPr>
-              <a:xfrm>
-                <a:off x="8530701" y="1550355"/>
-                <a:ext cx="997389" cy="814060"/>
-                <a:chOff x="8530701" y="1550355"/>
-                <a:chExt cx="997389" cy="814060"/>
-              </a:xfrm>
-            </p:grpSpPr>
-            <p:pic>
-              <p:nvPicPr>
-                <p:cNvPr id="7" name="Graphic 6">
-                  <a:extLst>
-                    <a:ext uri="{FF2B5EF4-FFF2-40B4-BE49-F238E27FC236}">
-                      <a16:creationId xmlns:a16="http://schemas.microsoft.com/office/drawing/2014/main" id="{68953AA4-91A2-4E46-9D69-1EE005C1751F}"/>
-                    </a:ext>
-                  </a:extLst>
-                </p:cNvPr>
-                <p:cNvPicPr>
-                  <a:picLocks noChangeAspect="1"/>
-                </p:cNvPicPr>
-                <p:nvPr/>
-              </p:nvPicPr>
-              <p:blipFill>
-                <a:blip r:embed="rId2">
-                  <a:extLst>
-                    <a:ext uri="{28A0092B-C50C-407E-A947-70E740481C1C}">
-                      <a14:useLocalDpi xmlns:a14="http://schemas.microsoft.com/office/drawing/2010/main" val="0"/>
-                    </a:ext>
-                    <a:ext uri="{96DAC541-7B7A-43D3-8B79-37D633B846F1}">
-                      <asvg:svgBlip xmlns:asvg="http://schemas.microsoft.com/office/drawing/2016/SVG/main" r:embed="rId3"/>
-                    </a:ext>
-                  </a:extLst>
-                </a:blip>
-                <a:stretch>
-                  <a:fillRect/>
-                </a:stretch>
-              </p:blipFill>
-              <p:spPr>
-                <a:xfrm>
-                  <a:off x="8753172" y="1550355"/>
-                  <a:ext cx="552450" cy="552450"/>
-                </a:xfrm>
-                <a:prstGeom prst="rect">
-                  <a:avLst/>
-                </a:prstGeom>
-              </p:spPr>
-            </p:pic>
-            <p:sp>
-              <p:nvSpPr>
-                <p:cNvPr id="8" name="TextBox 7">
-                  <a:extLst>
-                    <a:ext uri="{FF2B5EF4-FFF2-40B4-BE49-F238E27FC236}">
-                      <a16:creationId xmlns:a16="http://schemas.microsoft.com/office/drawing/2014/main" id="{A72B3E1A-B390-4012-9DA8-113AE975CCD7}"/>
-                    </a:ext>
-                  </a:extLst>
-                </p:cNvPr>
-                <p:cNvSpPr txBox="1"/>
-                <p:nvPr/>
-              </p:nvSpPr>
-              <p:spPr>
-                <a:xfrm>
-                  <a:off x="8530701" y="2102805"/>
-                  <a:ext cx="997389" cy="261610"/>
-                </a:xfrm>
-                <a:prstGeom prst="rect">
-                  <a:avLst/>
-                </a:prstGeom>
-                <a:noFill/>
-              </p:spPr>
-              <p:txBody>
-                <a:bodyPr wrap="none" rtlCol="0">
-                  <a:spAutoFit/>
-                </a:bodyPr>
-                <a:lstStyle/>
-                <a:p>
-                  <a:r>
-                    <a:rPr lang="en-US" sz="1100" dirty="0">
-                      <a:solidFill>
-                        <a:srgbClr val="E6EE9C"/>
-                      </a:solidFill>
-                      <a:latin typeface="Roboto" panose="02000000000000000000" pitchFamily="2" charset="0"/>
-                      <a:ea typeface="Roboto" panose="02000000000000000000" pitchFamily="2" charset="0"/>
-                    </a:rPr>
-                    <a:t>BUSINESSES</a:t>
-                  </a:r>
-                </a:p>
-              </p:txBody>
-            </p:sp>
-          </p:grpSp>
-          <p:sp>
-            <p:nvSpPr>
-              <p:cNvPr id="9" name="TextBox 8">
-                <a:extLst>
-                  <a:ext uri="{FF2B5EF4-FFF2-40B4-BE49-F238E27FC236}">
-                    <a16:creationId xmlns:a16="http://schemas.microsoft.com/office/drawing/2014/main" id="{0DFD7CFB-51C7-4EBB-B420-8D1813A848FE}"/>
-                  </a:ext>
-                </a:extLst>
-              </p:cNvPr>
-              <p:cNvSpPr txBox="1"/>
-              <p:nvPr/>
-            </p:nvSpPr>
-            <p:spPr>
-              <a:xfrm>
-                <a:off x="9789347" y="1588053"/>
-                <a:ext cx="1377300" cy="738664"/>
-              </a:xfrm>
-              <a:prstGeom prst="rect">
-                <a:avLst/>
-              </a:prstGeom>
-              <a:noFill/>
-            </p:spPr>
-            <p:txBody>
-              <a:bodyPr wrap="none" rtlCol="0">
-                <a:spAutoFit/>
-              </a:bodyPr>
-              <a:lstStyle/>
-              <a:p>
-                <a:r>
-                  <a:rPr lang="en-US" sz="1400" dirty="0">
-                    <a:solidFill>
-                      <a:schemeClr val="bg1"/>
-                    </a:solidFill>
-                    <a:latin typeface="Consolas" panose="020B0609020204030204" pitchFamily="49" charset="0"/>
-                  </a:rPr>
-                  <a:t>id</a:t>
-                </a:r>
-              </a:p>
-              <a:p>
-                <a:r>
-                  <a:rPr lang="en-US" sz="1400" dirty="0">
-                    <a:solidFill>
-                      <a:schemeClr val="bg1"/>
-                    </a:solidFill>
-                    <a:latin typeface="Consolas" panose="020B0609020204030204" pitchFamily="49" charset="0"/>
-                  </a:rPr>
-                  <a:t>name</a:t>
-                </a:r>
-              </a:p>
-              <a:p>
-                <a:r>
-                  <a:rPr lang="en-US" sz="1400" dirty="0">
-                    <a:solidFill>
-                      <a:schemeClr val="bg1"/>
-                    </a:solidFill>
-                    <a:latin typeface="Consolas" panose="020B0609020204030204" pitchFamily="49" charset="0"/>
-                  </a:rPr>
-                  <a:t>opening_days</a:t>
-                </a:r>
-              </a:p>
-            </p:txBody>
-          </p:sp>
-        </p:grpSp>
-        <p:grpSp>
-          <p:nvGrpSpPr>
-            <p:cNvPr id="56" name="Group 55">
-              <a:extLst>
-                <a:ext uri="{FF2B5EF4-FFF2-40B4-BE49-F238E27FC236}">
-                  <a16:creationId xmlns:a16="http://schemas.microsoft.com/office/drawing/2014/main" id="{EE058871-94EE-469A-9390-5EC1E0DD6337}"/>
-                </a:ext>
-              </a:extLst>
-            </p:cNvPr>
-            <p:cNvGrpSpPr/>
-            <p:nvPr/>
-          </p:nvGrpSpPr>
-          <p:grpSpPr>
-            <a:xfrm>
-              <a:off x="431800" y="1772719"/>
-              <a:ext cx="6116037" cy="369332"/>
-              <a:chOff x="431800" y="1772719"/>
-              <a:chExt cx="6116037" cy="369332"/>
-            </a:xfrm>
-          </p:grpSpPr>
-          <p:sp>
-            <p:nvSpPr>
-              <p:cNvPr id="3" name="TextBox 2">
-                <a:extLst>
-                  <a:ext uri="{FF2B5EF4-FFF2-40B4-BE49-F238E27FC236}">
-                    <a16:creationId xmlns:a16="http://schemas.microsoft.com/office/drawing/2014/main" id="{CD973CF3-71A1-4A46-857F-59F4CF19E511}"/>
-                  </a:ext>
-                </a:extLst>
-              </p:cNvPr>
-              <p:cNvSpPr txBox="1"/>
-              <p:nvPr/>
-            </p:nvSpPr>
-            <p:spPr>
-              <a:xfrm>
-                <a:off x="1492117" y="1772719"/>
-                <a:ext cx="5055720" cy="369332"/>
-              </a:xfrm>
-              <a:prstGeom prst="rect">
-                <a:avLst/>
-              </a:prstGeom>
-              <a:noFill/>
-            </p:spPr>
-            <p:txBody>
-              <a:bodyPr wrap="square" rtlCol="0">
-                <a:spAutoFit/>
-              </a:bodyPr>
-              <a:lstStyle/>
-              <a:p>
-                <a:r>
-                  <a:rPr lang="en-US" dirty="0">
-                    <a:solidFill>
-                      <a:schemeClr val="bg2">
-                        <a:lumMod val="50000"/>
-                      </a:schemeClr>
-                    </a:solidFill>
-                  </a:rPr>
-                  <a:t>https://mobile-project-****.twil.io</a:t>
-                </a:r>
-                <a:r>
-                  <a:rPr lang="en-US" dirty="0">
-                    <a:solidFill>
-                      <a:schemeClr val="bg1"/>
-                    </a:solidFill>
-                  </a:rPr>
-                  <a:t>/business/list</a:t>
-                </a:r>
-                <a:endParaRPr lang="it-IT" dirty="0">
-                  <a:solidFill>
-                    <a:schemeClr val="bg1"/>
-                  </a:solidFill>
-                </a:endParaRPr>
-              </a:p>
-            </p:txBody>
-          </p:sp>
-          <p:sp>
-            <p:nvSpPr>
-              <p:cNvPr id="40" name="Rectangle: Rounded Corners 39">
-                <a:extLst>
-                  <a:ext uri="{FF2B5EF4-FFF2-40B4-BE49-F238E27FC236}">
-                    <a16:creationId xmlns:a16="http://schemas.microsoft.com/office/drawing/2014/main" id="{DCA0AD21-1B79-4AF1-9F9D-B384A24BB992}"/>
-                  </a:ext>
-                </a:extLst>
-              </p:cNvPr>
-              <p:cNvSpPr/>
-              <p:nvPr/>
-            </p:nvSpPr>
-            <p:spPr>
-              <a:xfrm>
-                <a:off x="431800" y="1855469"/>
-                <a:ext cx="498405" cy="238760"/>
-              </a:xfrm>
-              <a:prstGeom prst="roundRect">
-                <a:avLst/>
-              </a:prstGeom>
-              <a:solidFill>
-                <a:srgbClr val="E6EE9C"/>
-              </a:solidFill>
-              <a:ln>
-                <a:noFill/>
-              </a:ln>
-            </p:spPr>
-            <p:style>
-              <a:lnRef idx="2">
-                <a:schemeClr val="accent1">
-                  <a:shade val="50000"/>
-                </a:schemeClr>
-              </a:lnRef>
-              <a:fillRef idx="1">
-                <a:schemeClr val="accent1"/>
-              </a:fillRef>
-              <a:effectRef idx="0">
-                <a:schemeClr val="accent1"/>
-              </a:effectRef>
-              <a:fontRef idx="minor">
-                <a:schemeClr val="lt1"/>
-              </a:fontRef>
-            </p:style>
-            <p:txBody>
-              <a:bodyPr rtlCol="0" anchor="ctr"/>
-              <a:lstStyle/>
-              <a:p>
-                <a:pPr algn="ctr"/>
-                <a:r>
-                  <a:rPr lang="en-US" sz="800" b="1" dirty="0">
-                    <a:solidFill>
-                      <a:srgbClr val="212121"/>
-                    </a:solidFill>
-                    <a:latin typeface="Roboto" panose="02000000000000000000" pitchFamily="2" charset="0"/>
-                    <a:ea typeface="Roboto" panose="02000000000000000000" pitchFamily="2" charset="0"/>
-                  </a:rPr>
-                  <a:t>GET</a:t>
-                </a:r>
-              </a:p>
-            </p:txBody>
-          </p:sp>
-        </p:grpSp>
-        <p:grpSp>
-          <p:nvGrpSpPr>
-            <p:cNvPr id="69" name="Group 68">
-              <a:extLst>
-                <a:ext uri="{FF2B5EF4-FFF2-40B4-BE49-F238E27FC236}">
-                  <a16:creationId xmlns:a16="http://schemas.microsoft.com/office/drawing/2014/main" id="{0FCF8835-CC90-4ED3-9651-06A5315156CB}"/>
-                </a:ext>
-              </a:extLst>
-            </p:cNvPr>
-            <p:cNvGrpSpPr/>
-            <p:nvPr/>
-          </p:nvGrpSpPr>
-          <p:grpSpPr>
-            <a:xfrm>
-              <a:off x="7446562" y="1888505"/>
-              <a:ext cx="720437" cy="137760"/>
-              <a:chOff x="7047345" y="2004291"/>
-              <a:chExt cx="720437" cy="137760"/>
-            </a:xfrm>
-          </p:grpSpPr>
-          <p:cxnSp>
-            <p:nvCxnSpPr>
-              <p:cNvPr id="67" name="Straight Arrow Connector 66">
-                <a:extLst>
-                  <a:ext uri="{FF2B5EF4-FFF2-40B4-BE49-F238E27FC236}">
-                    <a16:creationId xmlns:a16="http://schemas.microsoft.com/office/drawing/2014/main" id="{08FB52E5-2067-4038-87F7-81F9775F058A}"/>
-                  </a:ext>
-                </a:extLst>
-              </p:cNvPr>
-              <p:cNvCxnSpPr/>
-              <p:nvPr/>
-            </p:nvCxnSpPr>
-            <p:spPr>
-              <a:xfrm>
-                <a:off x="7047345" y="2004291"/>
-                <a:ext cx="720437" cy="0"/>
-              </a:xfrm>
-              <a:prstGeom prst="straightConnector1">
-                <a:avLst/>
-              </a:prstGeom>
-              <a:ln w="22225" cap="rnd">
-                <a:solidFill>
-                  <a:schemeClr val="tx1">
-                    <a:lumMod val="65000"/>
-                    <a:lumOff val="35000"/>
-                  </a:schemeClr>
-                </a:solidFill>
-                <a:round/>
-                <a:tailEnd type="triangle" w="lg" len="med"/>
-              </a:ln>
-            </p:spPr>
-            <p:style>
-              <a:lnRef idx="1">
-                <a:schemeClr val="accent1"/>
-              </a:lnRef>
-              <a:fillRef idx="0">
-                <a:schemeClr val="accent1"/>
-              </a:fillRef>
-              <a:effectRef idx="0">
-                <a:schemeClr val="accent1"/>
-              </a:effectRef>
-              <a:fontRef idx="minor">
-                <a:schemeClr val="tx1"/>
-              </a:fontRef>
-            </p:style>
-          </p:cxnSp>
-          <p:cxnSp>
-            <p:nvCxnSpPr>
-              <p:cNvPr id="68" name="Straight Arrow Connector 67">
-                <a:extLst>
-                  <a:ext uri="{FF2B5EF4-FFF2-40B4-BE49-F238E27FC236}">
-                    <a16:creationId xmlns:a16="http://schemas.microsoft.com/office/drawing/2014/main" id="{05249BED-CB2F-4BDE-A6A4-669DF77006E4}"/>
-                  </a:ext>
-                </a:extLst>
-              </p:cNvPr>
-              <p:cNvCxnSpPr>
-                <a:cxnSpLocks/>
-              </p:cNvCxnSpPr>
-              <p:nvPr/>
-            </p:nvCxnSpPr>
-            <p:spPr>
-              <a:xfrm flipH="1">
-                <a:off x="7047345" y="2142051"/>
-                <a:ext cx="720437" cy="0"/>
-              </a:xfrm>
-              <a:prstGeom prst="straightConnector1">
-                <a:avLst/>
-              </a:prstGeom>
-              <a:ln w="22225" cap="rnd">
-                <a:solidFill>
-                  <a:schemeClr val="tx1">
-                    <a:lumMod val="65000"/>
-                    <a:lumOff val="35000"/>
-                  </a:schemeClr>
-                </a:solidFill>
-                <a:round/>
-                <a:tailEnd type="triangle" w="lg" len="med"/>
-              </a:ln>
-            </p:spPr>
-            <p:style>
-              <a:lnRef idx="1">
-                <a:schemeClr val="accent1"/>
-              </a:lnRef>
-              <a:fillRef idx="0">
-                <a:schemeClr val="accent1"/>
-              </a:fillRef>
-              <a:effectRef idx="0">
-                <a:schemeClr val="accent1"/>
-              </a:effectRef>
-              <a:fontRef idx="minor">
-                <a:schemeClr val="tx1"/>
-              </a:fontRef>
-            </p:style>
-          </p:cxnSp>
-        </p:grpSp>
-      </p:grpSp>
-      <p:grpSp>
-        <p:nvGrpSpPr>
-          <p:cNvPr id="81" name="Group 80">
-            <a:extLst>
-              <a:ext uri="{FF2B5EF4-FFF2-40B4-BE49-F238E27FC236}">
-                <a16:creationId xmlns:a16="http://schemas.microsoft.com/office/drawing/2014/main" id="{44D49F12-C1CE-4EB9-B13E-3B9EACF30793}"/>
-              </a:ext>
-            </a:extLst>
-          </p:cNvPr>
-          <p:cNvGrpSpPr/>
-          <p:nvPr/>
-        </p:nvGrpSpPr>
-        <p:grpSpPr>
-          <a:xfrm>
-            <a:off x="431800" y="3266658"/>
+            <a:off x="431800" y="1393460"/>
             <a:ext cx="11167919" cy="814060"/>
             <a:chOff x="431800" y="3266658"/>
             <a:chExt cx="11167919" cy="814060"/>
@@ -16716,128 +16922,61 @@
             </p:txBody>
           </p:sp>
         </p:grpSp>
-        <p:grpSp>
-          <p:nvGrpSpPr>
-            <p:cNvPr id="74" name="Group 73">
+        <p:cxnSp>
+          <p:nvCxnSpPr>
+            <p:cNvPr id="76" name="Straight Arrow Connector 75">
               <a:extLst>
                 <a:ext uri="{FF2B5EF4-FFF2-40B4-BE49-F238E27FC236}">
-                  <a16:creationId xmlns:a16="http://schemas.microsoft.com/office/drawing/2014/main" id="{C1E3E3AD-B40D-44FD-8596-BD843236450E}"/>
+                  <a16:creationId xmlns:a16="http://schemas.microsoft.com/office/drawing/2014/main" id="{D392CC8B-C40B-4ADF-ABBB-BC7C9751097F}"/>
                 </a:ext>
               </a:extLst>
             </p:cNvPr>
-            <p:cNvGrpSpPr/>
+            <p:cNvCxnSpPr>
+              <a:cxnSpLocks/>
+            </p:cNvCxnSpPr>
             <p:nvPr/>
-          </p:nvGrpSpPr>
-          <p:grpSpPr>
-            <a:xfrm>
-              <a:off x="7446561" y="3604808"/>
-              <a:ext cx="720437" cy="137760"/>
-              <a:chOff x="7047345" y="2004291"/>
-              <a:chExt cx="720437" cy="137760"/>
+          </p:nvCxnSpPr>
+          <p:spPr>
+            <a:xfrm flipH="1">
+              <a:off x="7446561" y="3673688"/>
+              <a:ext cx="720437" cy="0"/>
             </a:xfrm>
-          </p:grpSpPr>
-          <p:cxnSp>
-            <p:nvCxnSpPr>
-              <p:cNvPr id="75" name="Straight Arrow Connector 74">
-                <a:extLst>
-                  <a:ext uri="{FF2B5EF4-FFF2-40B4-BE49-F238E27FC236}">
-                    <a16:creationId xmlns:a16="http://schemas.microsoft.com/office/drawing/2014/main" id="{41EFA078-C4F2-4277-A5D1-E8EA504E37CB}"/>
-                  </a:ext>
-                </a:extLst>
-              </p:cNvPr>
-              <p:cNvCxnSpPr/>
-              <p:nvPr/>
-            </p:nvCxnSpPr>
-            <p:spPr>
-              <a:xfrm>
-                <a:off x="7047345" y="2004291"/>
-                <a:ext cx="720437" cy="0"/>
-              </a:xfrm>
-              <a:prstGeom prst="straightConnector1">
-                <a:avLst/>
-              </a:prstGeom>
-              <a:ln w="22225" cap="rnd">
-                <a:solidFill>
-                  <a:schemeClr val="tx1">
-                    <a:lumMod val="65000"/>
-                    <a:lumOff val="35000"/>
-                  </a:schemeClr>
-                </a:solidFill>
-                <a:round/>
-                <a:tailEnd type="triangle" w="lg" len="med"/>
-              </a:ln>
-            </p:spPr>
-            <p:style>
-              <a:lnRef idx="1">
-                <a:schemeClr val="accent1"/>
-              </a:lnRef>
-              <a:fillRef idx="0">
-                <a:schemeClr val="accent1"/>
-              </a:fillRef>
-              <a:effectRef idx="0">
-                <a:schemeClr val="accent1"/>
-              </a:effectRef>
-              <a:fontRef idx="minor">
-                <a:schemeClr val="tx1"/>
-              </a:fontRef>
-            </p:style>
-          </p:cxnSp>
-          <p:cxnSp>
-            <p:nvCxnSpPr>
-              <p:cNvPr id="76" name="Straight Arrow Connector 75">
-                <a:extLst>
-                  <a:ext uri="{FF2B5EF4-FFF2-40B4-BE49-F238E27FC236}">
-                    <a16:creationId xmlns:a16="http://schemas.microsoft.com/office/drawing/2014/main" id="{D392CC8B-C40B-4ADF-ABBB-BC7C9751097F}"/>
-                  </a:ext>
-                </a:extLst>
-              </p:cNvPr>
-              <p:cNvCxnSpPr>
-                <a:cxnSpLocks/>
-              </p:cNvCxnSpPr>
-              <p:nvPr/>
-            </p:nvCxnSpPr>
-            <p:spPr>
-              <a:xfrm flipH="1">
-                <a:off x="7047345" y="2142051"/>
-                <a:ext cx="720437" cy="0"/>
-              </a:xfrm>
-              <a:prstGeom prst="straightConnector1">
-                <a:avLst/>
-              </a:prstGeom>
-              <a:ln w="22225" cap="rnd">
-                <a:solidFill>
-                  <a:schemeClr val="tx1">
-                    <a:lumMod val="65000"/>
-                    <a:lumOff val="35000"/>
-                  </a:schemeClr>
-                </a:solidFill>
-                <a:round/>
-                <a:tailEnd type="triangle" w="lg" len="med"/>
-              </a:ln>
-            </p:spPr>
-            <p:style>
-              <a:lnRef idx="1">
-                <a:schemeClr val="accent1"/>
-              </a:lnRef>
-              <a:fillRef idx="0">
-                <a:schemeClr val="accent1"/>
-              </a:fillRef>
-              <a:effectRef idx="0">
-                <a:schemeClr val="accent1"/>
-              </a:effectRef>
-              <a:fontRef idx="minor">
-                <a:schemeClr val="tx1"/>
-              </a:fontRef>
-            </p:style>
-          </p:cxnSp>
-        </p:grpSp>
+            <a:prstGeom prst="straightConnector1">
+              <a:avLst/>
+            </a:prstGeom>
+            <a:ln w="22225" cap="rnd">
+              <a:solidFill>
+                <a:schemeClr val="tx1">
+                  <a:lumMod val="65000"/>
+                  <a:lumOff val="35000"/>
+                </a:schemeClr>
+              </a:solidFill>
+              <a:round/>
+              <a:tailEnd type="triangle" w="lg" len="med"/>
+            </a:ln>
+          </p:spPr>
+          <p:style>
+            <a:lnRef idx="1">
+              <a:schemeClr val="accent1"/>
+            </a:lnRef>
+            <a:fillRef idx="0">
+              <a:schemeClr val="accent1"/>
+            </a:fillRef>
+            <a:effectRef idx="0">
+              <a:schemeClr val="accent1"/>
+            </a:effectRef>
+            <a:fontRef idx="minor">
+              <a:schemeClr val="tx1"/>
+            </a:fontRef>
+          </p:style>
+        </p:cxnSp>
       </p:grpSp>
       <p:grpSp>
         <p:nvGrpSpPr>
-          <p:cNvPr id="82" name="Group 81">
-            <a:extLst>
-              <a:ext uri="{FF2B5EF4-FFF2-40B4-BE49-F238E27FC236}">
-                <a16:creationId xmlns:a16="http://schemas.microsoft.com/office/drawing/2014/main" id="{9B3304DF-D523-40B0-9F6C-A37DD488DC19}"/>
+          <p:cNvPr id="17" name="Group 16">
+            <a:extLst>
+              <a:ext uri="{FF2B5EF4-FFF2-40B4-BE49-F238E27FC236}">
+                <a16:creationId xmlns:a16="http://schemas.microsoft.com/office/drawing/2014/main" id="{F5D8A90F-5CE6-49ED-B470-777C5CF23A5A}"/>
               </a:ext>
             </a:extLst>
           </p:cNvPr>
@@ -16846,7 +16985,7 @@
         </p:nvGrpSpPr>
         <p:grpSpPr>
           <a:xfrm>
-            <a:off x="431800" y="4982962"/>
+            <a:off x="431800" y="2894892"/>
             <a:ext cx="10472216" cy="1768167"/>
             <a:chOff x="431800" y="4982962"/>
             <a:chExt cx="10472216" cy="1768167"/>
@@ -17468,6 +17607,414 @@
           </p:cxnSp>
         </p:grpSp>
       </p:grpSp>
+      <p:grpSp>
+        <p:nvGrpSpPr>
+          <p:cNvPr id="26" name="Group 25">
+            <a:extLst>
+              <a:ext uri="{FF2B5EF4-FFF2-40B4-BE49-F238E27FC236}">
+                <a16:creationId xmlns:a16="http://schemas.microsoft.com/office/drawing/2014/main" id="{5ABFB968-D660-465B-9D34-608CD260E523}"/>
+              </a:ext>
+            </a:extLst>
+          </p:cNvPr>
+          <p:cNvGrpSpPr/>
+          <p:nvPr/>
+        </p:nvGrpSpPr>
+        <p:grpSpPr>
+          <a:xfrm>
+            <a:off x="431800" y="5215002"/>
+            <a:ext cx="10214133" cy="1538476"/>
+            <a:chOff x="431800" y="5215002"/>
+            <a:chExt cx="10214133" cy="1538476"/>
+          </a:xfrm>
+        </p:grpSpPr>
+        <p:grpSp>
+          <p:nvGrpSpPr>
+            <p:cNvPr id="55" name="Group 54">
+              <a:extLst>
+                <a:ext uri="{FF2B5EF4-FFF2-40B4-BE49-F238E27FC236}">
+                  <a16:creationId xmlns:a16="http://schemas.microsoft.com/office/drawing/2014/main" id="{785D62AE-8930-4593-B561-49AF52B93CE2}"/>
+                </a:ext>
+              </a:extLst>
+            </p:cNvPr>
+            <p:cNvGrpSpPr/>
+            <p:nvPr/>
+          </p:nvGrpSpPr>
+          <p:grpSpPr>
+            <a:xfrm>
+              <a:off x="3674408" y="5939418"/>
+              <a:ext cx="1633011" cy="814060"/>
+              <a:chOff x="3674408" y="2361705"/>
+              <a:chExt cx="1633011" cy="814060"/>
+            </a:xfrm>
+          </p:grpSpPr>
+          <p:grpSp>
+            <p:nvGrpSpPr>
+              <p:cNvPr id="62" name="Group 61">
+                <a:extLst>
+                  <a:ext uri="{FF2B5EF4-FFF2-40B4-BE49-F238E27FC236}">
+                    <a16:creationId xmlns:a16="http://schemas.microsoft.com/office/drawing/2014/main" id="{43217540-6D68-4AD7-9CF1-854ABE1A05DE}"/>
+                  </a:ext>
+                </a:extLst>
+              </p:cNvPr>
+              <p:cNvGrpSpPr/>
+              <p:nvPr/>
+            </p:nvGrpSpPr>
+            <p:grpSpPr>
+              <a:xfrm>
+                <a:off x="3674408" y="2361705"/>
+                <a:ext cx="704039" cy="814060"/>
+                <a:chOff x="3674408" y="2361705"/>
+                <a:chExt cx="704039" cy="814060"/>
+              </a:xfrm>
+            </p:grpSpPr>
+            <p:pic>
+              <p:nvPicPr>
+                <p:cNvPr id="65" name="Graphic 64">
+                  <a:extLst>
+                    <a:ext uri="{FF2B5EF4-FFF2-40B4-BE49-F238E27FC236}">
+                      <a16:creationId xmlns:a16="http://schemas.microsoft.com/office/drawing/2014/main" id="{4061F905-1867-4712-B526-EDE2702C8F21}"/>
+                    </a:ext>
+                  </a:extLst>
+                </p:cNvPr>
+                <p:cNvPicPr>
+                  <a:picLocks noChangeAspect="1"/>
+                </p:cNvPicPr>
+                <p:nvPr/>
+              </p:nvPicPr>
+              <p:blipFill>
+                <a:blip r:embed="rId2">
+                  <a:extLst>
+                    <a:ext uri="{28A0092B-C50C-407E-A947-70E740481C1C}">
+                      <a14:useLocalDpi xmlns:a14="http://schemas.microsoft.com/office/drawing/2010/main" val="0"/>
+                    </a:ext>
+                    <a:ext uri="{96DAC541-7B7A-43D3-8B79-37D633B846F1}">
+                      <asvg:svgBlip xmlns:asvg="http://schemas.microsoft.com/office/drawing/2016/SVG/main" r:embed="rId3"/>
+                    </a:ext>
+                  </a:extLst>
+                </a:blip>
+                <a:stretch>
+                  <a:fillRect/>
+                </a:stretch>
+              </p:blipFill>
+              <p:spPr>
+                <a:xfrm>
+                  <a:off x="3750202" y="2361705"/>
+                  <a:ext cx="552450" cy="552450"/>
+                </a:xfrm>
+                <a:prstGeom prst="rect">
+                  <a:avLst/>
+                </a:prstGeom>
+              </p:spPr>
+            </p:pic>
+            <p:sp>
+              <p:nvSpPr>
+                <p:cNvPr id="66" name="TextBox 65">
+                  <a:extLst>
+                    <a:ext uri="{FF2B5EF4-FFF2-40B4-BE49-F238E27FC236}">
+                      <a16:creationId xmlns:a16="http://schemas.microsoft.com/office/drawing/2014/main" id="{4696C771-6EB3-4C9E-B2AA-D1B09E016839}"/>
+                    </a:ext>
+                  </a:extLst>
+                </p:cNvPr>
+                <p:cNvSpPr txBox="1"/>
+                <p:nvPr/>
+              </p:nvSpPr>
+              <p:spPr>
+                <a:xfrm>
+                  <a:off x="3674408" y="2914155"/>
+                  <a:ext cx="704039" cy="261610"/>
+                </a:xfrm>
+                <a:prstGeom prst="rect">
+                  <a:avLst/>
+                </a:prstGeom>
+                <a:noFill/>
+              </p:spPr>
+              <p:txBody>
+                <a:bodyPr wrap="none" rtlCol="0">
+                  <a:spAutoFit/>
+                </a:bodyPr>
+                <a:lstStyle/>
+                <a:p>
+                  <a:r>
+                    <a:rPr lang="en-US" sz="1100" dirty="0">
+                      <a:solidFill>
+                        <a:srgbClr val="E6EE9C"/>
+                      </a:solidFill>
+                      <a:latin typeface="Roboto" panose="02000000000000000000" pitchFamily="2" charset="0"/>
+                      <a:ea typeface="Roboto" panose="02000000000000000000" pitchFamily="2" charset="0"/>
+                    </a:rPr>
+                    <a:t>STATUS</a:t>
+                  </a:r>
+                </a:p>
+              </p:txBody>
+            </p:sp>
+          </p:grpSp>
+          <p:sp>
+            <p:nvSpPr>
+              <p:cNvPr id="63" name="TextBox 62">
+                <a:extLst>
+                  <a:ext uri="{FF2B5EF4-FFF2-40B4-BE49-F238E27FC236}">
+                    <a16:creationId xmlns:a16="http://schemas.microsoft.com/office/drawing/2014/main" id="{45D8C350-62DB-4918-AFA0-9CE5BE5472CE}"/>
+                  </a:ext>
+                </a:extLst>
+              </p:cNvPr>
+              <p:cNvSpPr txBox="1"/>
+              <p:nvPr/>
+            </p:nvSpPr>
+            <p:spPr>
+              <a:xfrm>
+                <a:off x="4725208" y="2614847"/>
+                <a:ext cx="582211" cy="307777"/>
+              </a:xfrm>
+              <a:prstGeom prst="rect">
+                <a:avLst/>
+              </a:prstGeom>
+              <a:noFill/>
+            </p:spPr>
+            <p:txBody>
+              <a:bodyPr wrap="none" rtlCol="0">
+                <a:spAutoFit/>
+              </a:bodyPr>
+              <a:lstStyle/>
+              <a:p>
+                <a:r>
+                  <a:rPr lang="en-US" sz="1400" dirty="0">
+                    <a:solidFill>
+                      <a:schemeClr val="bg1"/>
+                    </a:solidFill>
+                    <a:latin typeface="Consolas" panose="020B0609020204030204" pitchFamily="49" charset="0"/>
+                  </a:rPr>
+                  <a:t>uuid</a:t>
+                </a:r>
+              </a:p>
+            </p:txBody>
+          </p:sp>
+        </p:grpSp>
+        <p:grpSp>
+          <p:nvGrpSpPr>
+            <p:cNvPr id="57" name="Group 56">
+              <a:extLst>
+                <a:ext uri="{FF2B5EF4-FFF2-40B4-BE49-F238E27FC236}">
+                  <a16:creationId xmlns:a16="http://schemas.microsoft.com/office/drawing/2014/main" id="{E46AEBF1-03DC-4D5A-B9C4-8D29B31D0953}"/>
+                </a:ext>
+              </a:extLst>
+            </p:cNvPr>
+            <p:cNvGrpSpPr/>
+            <p:nvPr/>
+          </p:nvGrpSpPr>
+          <p:grpSpPr>
+            <a:xfrm>
+              <a:off x="431800" y="5350432"/>
+              <a:ext cx="6116037" cy="369332"/>
+              <a:chOff x="431800" y="1772719"/>
+              <a:chExt cx="6116037" cy="369332"/>
+            </a:xfrm>
+          </p:grpSpPr>
+          <p:sp>
+            <p:nvSpPr>
+              <p:cNvPr id="60" name="TextBox 59">
+                <a:extLst>
+                  <a:ext uri="{FF2B5EF4-FFF2-40B4-BE49-F238E27FC236}">
+                    <a16:creationId xmlns:a16="http://schemas.microsoft.com/office/drawing/2014/main" id="{756FE22D-E4CC-4AAD-9C02-36E6A4931AF4}"/>
+                  </a:ext>
+                </a:extLst>
+              </p:cNvPr>
+              <p:cNvSpPr txBox="1"/>
+              <p:nvPr/>
+            </p:nvSpPr>
+            <p:spPr>
+              <a:xfrm>
+                <a:off x="1492117" y="1772719"/>
+                <a:ext cx="5055720" cy="369332"/>
+              </a:xfrm>
+              <a:prstGeom prst="rect">
+                <a:avLst/>
+              </a:prstGeom>
+              <a:noFill/>
+            </p:spPr>
+            <p:txBody>
+              <a:bodyPr wrap="square" rtlCol="0">
+                <a:spAutoFit/>
+              </a:bodyPr>
+              <a:lstStyle/>
+              <a:p>
+                <a:r>
+                  <a:rPr lang="en-US" dirty="0">
+                    <a:solidFill>
+                      <a:schemeClr val="bg2">
+                        <a:lumMod val="50000"/>
+                      </a:schemeClr>
+                    </a:solidFill>
+                  </a:rPr>
+                  <a:t>https://mobile-project-****.twil.io</a:t>
+                </a:r>
+                <a:r>
+                  <a:rPr lang="en-US" dirty="0">
+                    <a:solidFill>
+                      <a:schemeClr val="bg1"/>
+                    </a:solidFill>
+                  </a:rPr>
+                  <a:t>/queue/update</a:t>
+                </a:r>
+                <a:endParaRPr lang="it-IT" dirty="0">
+                  <a:solidFill>
+                    <a:schemeClr val="bg1"/>
+                  </a:solidFill>
+                </a:endParaRPr>
+              </a:p>
+            </p:txBody>
+          </p:sp>
+          <p:sp>
+            <p:nvSpPr>
+              <p:cNvPr id="61" name="Rectangle: Rounded Corners 60">
+                <a:extLst>
+                  <a:ext uri="{FF2B5EF4-FFF2-40B4-BE49-F238E27FC236}">
+                    <a16:creationId xmlns:a16="http://schemas.microsoft.com/office/drawing/2014/main" id="{BE186BB0-8D92-4727-9B7E-7D30D57438C1}"/>
+                  </a:ext>
+                </a:extLst>
+              </p:cNvPr>
+              <p:cNvSpPr/>
+              <p:nvPr/>
+            </p:nvSpPr>
+            <p:spPr>
+              <a:xfrm>
+                <a:off x="431800" y="1855469"/>
+                <a:ext cx="498405" cy="238760"/>
+              </a:xfrm>
+              <a:prstGeom prst="roundRect">
+                <a:avLst/>
+              </a:prstGeom>
+              <a:solidFill>
+                <a:srgbClr val="E6EE9C"/>
+              </a:solidFill>
+              <a:ln>
+                <a:noFill/>
+              </a:ln>
+            </p:spPr>
+            <p:style>
+              <a:lnRef idx="2">
+                <a:schemeClr val="accent1">
+                  <a:shade val="50000"/>
+                </a:schemeClr>
+              </a:lnRef>
+              <a:fillRef idx="1">
+                <a:schemeClr val="accent1"/>
+              </a:fillRef>
+              <a:effectRef idx="0">
+                <a:schemeClr val="accent1"/>
+              </a:effectRef>
+              <a:fontRef idx="minor">
+                <a:schemeClr val="lt1"/>
+              </a:fontRef>
+            </p:style>
+            <p:txBody>
+              <a:bodyPr rtlCol="0" anchor="ctr"/>
+              <a:lstStyle/>
+              <a:p>
+                <a:pPr algn="ctr"/>
+                <a:r>
+                  <a:rPr lang="en-US" sz="800" b="1" dirty="0">
+                    <a:solidFill>
+                      <a:srgbClr val="212121"/>
+                    </a:solidFill>
+                    <a:latin typeface="Roboto" panose="02000000000000000000" pitchFamily="2" charset="0"/>
+                    <a:ea typeface="Roboto" panose="02000000000000000000" pitchFamily="2" charset="0"/>
+                  </a:rPr>
+                  <a:t>GET</a:t>
+                </a:r>
+              </a:p>
+            </p:txBody>
+          </p:sp>
+        </p:grpSp>
+        <p:cxnSp>
+          <p:nvCxnSpPr>
+            <p:cNvPr id="59" name="Straight Arrow Connector 58">
+              <a:extLst>
+                <a:ext uri="{FF2B5EF4-FFF2-40B4-BE49-F238E27FC236}">
+                  <a16:creationId xmlns:a16="http://schemas.microsoft.com/office/drawing/2014/main" id="{751B8E25-6A79-4607-B97A-36CD0B33F50A}"/>
+                </a:ext>
+              </a:extLst>
+            </p:cNvPr>
+            <p:cNvCxnSpPr>
+              <a:cxnSpLocks/>
+            </p:cNvCxnSpPr>
+            <p:nvPr/>
+          </p:nvCxnSpPr>
+          <p:spPr>
+            <a:xfrm>
+              <a:off x="7446561" y="5535098"/>
+              <a:ext cx="720437" cy="0"/>
+            </a:xfrm>
+            <a:prstGeom prst="straightConnector1">
+              <a:avLst/>
+            </a:prstGeom>
+            <a:ln w="22225" cap="rnd">
+              <a:solidFill>
+                <a:schemeClr val="tx1">
+                  <a:lumMod val="65000"/>
+                  <a:lumOff val="35000"/>
+                </a:schemeClr>
+              </a:solidFill>
+              <a:round/>
+              <a:tailEnd type="triangle" w="lg" len="med"/>
+            </a:ln>
+          </p:spPr>
+          <p:style>
+            <a:lnRef idx="1">
+              <a:schemeClr val="accent1"/>
+            </a:lnRef>
+            <a:fillRef idx="0">
+              <a:schemeClr val="accent1"/>
+            </a:fillRef>
+            <a:effectRef idx="0">
+              <a:schemeClr val="accent1"/>
+            </a:effectRef>
+            <a:fontRef idx="minor">
+              <a:schemeClr val="tx1"/>
+            </a:fontRef>
+          </p:style>
+        </p:cxnSp>
+        <p:sp>
+          <p:nvSpPr>
+            <p:cNvPr id="70" name="TextBox 69">
+              <a:extLst>
+                <a:ext uri="{FF2B5EF4-FFF2-40B4-BE49-F238E27FC236}">
+                  <a16:creationId xmlns:a16="http://schemas.microsoft.com/office/drawing/2014/main" id="{9224345F-4815-4E95-AC89-61274D38709B}"/>
+                </a:ext>
+              </a:extLst>
+            </p:cNvPr>
+            <p:cNvSpPr txBox="1"/>
+            <p:nvPr/>
+          </p:nvSpPr>
+          <p:spPr>
+            <a:xfrm>
+              <a:off x="10321805" y="5215002"/>
+              <a:ext cx="324128" cy="584775"/>
+            </a:xfrm>
+            <a:prstGeom prst="rect">
+              <a:avLst/>
+            </a:prstGeom>
+            <a:noFill/>
+          </p:spPr>
+          <p:txBody>
+            <a:bodyPr wrap="none" rtlCol="0">
+              <a:spAutoFit/>
+            </a:bodyPr>
+            <a:lstStyle/>
+            <a:p>
+              <a:r>
+                <a:rPr lang="en-US" sz="3200" dirty="0">
+                  <a:solidFill>
+                    <a:srgbClr val="595959"/>
+                  </a:solidFill>
+                  <a:latin typeface="Roboto Medium" panose="02000000000000000000" pitchFamily="2" charset="0"/>
+                  <a:ea typeface="Roboto Medium" panose="02000000000000000000" pitchFamily="2" charset="0"/>
+                </a:rPr>
+                <a:t>-</a:t>
+              </a:r>
+            </a:p>
+          </p:txBody>
+        </p:sp>
+      </p:grpSp>
     </p:spTree>
     <p:extLst>
       <p:ext uri="{BB962C8B-B14F-4D97-AF65-F5344CB8AC3E}">
@@ -17512,7 +18059,7 @@
                                           </p:stCondLst>
                                         </p:cTn>
                                         <p:tgtEl>
-                                          <p:spTgt spid="80"/>
+                                          <p:spTgt spid="5"/>
                                         </p:tgtEl>
                                         <p:attrNameLst>
                                           <p:attrName>style.visibility</p:attrName>
@@ -17557,7 +18104,7 @@
                                           </p:stCondLst>
                                         </p:cTn>
                                         <p:tgtEl>
-                                          <p:spTgt spid="81"/>
+                                          <p:spTgt spid="17"/>
                                         </p:tgtEl>
                                         <p:attrNameLst>
                                           <p:attrName>style.visibility</p:attrName>
@@ -17602,7 +18149,7 @@
                                           </p:stCondLst>
                                         </p:cTn>
                                         <p:tgtEl>
-                                          <p:spTgt spid="82"/>
+                                          <p:spTgt spid="26"/>
                                         </p:tgtEl>
                                         <p:attrNameLst>
                                           <p:attrName>style.visibility</p:attrName>

--- a/Documentation/Application Overview.pptx
+++ b/Documentation/Application Overview.pptx
@@ -7089,7 +7089,7 @@
                 <a:latin typeface="Roboto Light" panose="02000000000000000000" pitchFamily="2" charset="0"/>
                 <a:ea typeface="Roboto Light" panose="02000000000000000000" pitchFamily="2" charset="0"/>
               </a:rPr>
-              <a:t>Back when shop accesses where slotted,</a:t>
+              <a:t>Back when shop accesses were slotted,</a:t>
             </a:r>
           </a:p>
           <a:p>

--- a/Documentation/Application Overview.pptx
+++ b/Documentation/Application Overview.pptx
@@ -7502,7 +7502,7 @@
                 </a:solidFill>
                 <a:latin typeface="Roboto "/>
               </a:rPr>
-              <a:t>Sinergy with SW-ENG 2 course</a:t>
+              <a:t>Synergy with SW-ENG 2 course</a:t>
             </a:r>
           </a:p>
         </p:txBody>
